--- a/Lectures/Lecture7/Lecture 7_ Feedforward Neural Networks.pptx
+++ b/Lectures/Lecture7/Lecture 7_ Feedforward Neural Networks.pptx
@@ -2,70 +2,64 @@
 <file path=ppt/presentation.xml><?xml version="1.0" encoding="utf-8"?>
 <p:presentation xmlns:a="http://schemas.openxmlformats.org/drawingml/2006/main" xmlns:r="http://schemas.openxmlformats.org/officeDocument/2006/relationships" xmlns:mc="http://schemas.openxmlformats.org/markup-compatibility/2006" xmlns:mv="urn:schemas-microsoft-com:mac:vml" xmlns:p="http://schemas.openxmlformats.org/presentationml/2006/main" xmlns:c="http://schemas.openxmlformats.org/drawingml/2006/chart" xmlns:dgm="http://schemas.openxmlformats.org/drawingml/2006/diagram" xmlns:o="urn:schemas-microsoft-com:office:office" xmlns:v="urn:schemas-microsoft-com:vml" xmlns:pvml="urn:schemas-microsoft-com:office:powerpoint" xmlns:com="http://schemas.openxmlformats.org/drawingml/2006/compatibility" xmlns:p14="http://schemas.microsoft.com/office/powerpoint/2010/main" xmlns:p15="http://schemas.microsoft.com/office/powerpoint/2012/main" autoCompressPictures="0" embedTrueTypeFonts="1" strictFirstAndLastChars="0" saveSubsetFonts="1">
   <p:sldMasterIdLst>
-    <p:sldMasterId id="2147483679" r:id="rId5"/>
-    <p:sldMasterId id="2147483680" r:id="rId6"/>
-    <p:sldMasterId id="2147483681" r:id="rId7"/>
+    <p:sldMasterId id="2147483679" r:id="rId4"/>
+    <p:sldMasterId id="2147483680" r:id="rId5"/>
+    <p:sldMasterId id="2147483681" r:id="rId6"/>
   </p:sldMasterIdLst>
   <p:notesMasterIdLst>
-    <p:notesMasterId r:id="rId8"/>
+    <p:notesMasterId r:id="rId7"/>
   </p:notesMasterIdLst>
   <p:sldIdLst>
-    <p:sldId id="256" r:id="rId9"/>
-    <p:sldId id="257" r:id="rId10"/>
-    <p:sldId id="258" r:id="rId11"/>
-    <p:sldId id="259" r:id="rId12"/>
-    <p:sldId id="260" r:id="rId13"/>
-    <p:sldId id="261" r:id="rId14"/>
-    <p:sldId id="262" r:id="rId15"/>
-    <p:sldId id="263" r:id="rId16"/>
-    <p:sldId id="264" r:id="rId17"/>
-    <p:sldId id="265" r:id="rId18"/>
-    <p:sldId id="266" r:id="rId19"/>
-    <p:sldId id="267" r:id="rId20"/>
-    <p:sldId id="268" r:id="rId21"/>
-    <p:sldId id="269" r:id="rId22"/>
-    <p:sldId id="270" r:id="rId23"/>
-    <p:sldId id="271" r:id="rId24"/>
-    <p:sldId id="272" r:id="rId25"/>
-    <p:sldId id="273" r:id="rId26"/>
-    <p:sldId id="274" r:id="rId27"/>
-    <p:sldId id="275" r:id="rId28"/>
-    <p:sldId id="276" r:id="rId29"/>
-    <p:sldId id="277" r:id="rId30"/>
-    <p:sldId id="278" r:id="rId31"/>
-    <p:sldId id="279" r:id="rId32"/>
-    <p:sldId id="280" r:id="rId33"/>
-    <p:sldId id="281" r:id="rId34"/>
-    <p:sldId id="282" r:id="rId35"/>
-    <p:sldId id="283" r:id="rId36"/>
-    <p:sldId id="284" r:id="rId37"/>
-    <p:sldId id="285" r:id="rId38"/>
-    <p:sldId id="286" r:id="rId39"/>
-    <p:sldId id="287" r:id="rId40"/>
-    <p:sldId id="288" r:id="rId41"/>
-    <p:sldId id="289" r:id="rId42"/>
-    <p:sldId id="290" r:id="rId43"/>
-    <p:sldId id="291" r:id="rId44"/>
-    <p:sldId id="292" r:id="rId45"/>
-    <p:sldId id="293" r:id="rId46"/>
-    <p:sldId id="294" r:id="rId47"/>
-    <p:sldId id="295" r:id="rId48"/>
-    <p:sldId id="296" r:id="rId49"/>
+    <p:sldId id="256" r:id="rId8"/>
+    <p:sldId id="257" r:id="rId9"/>
+    <p:sldId id="258" r:id="rId10"/>
+    <p:sldId id="259" r:id="rId11"/>
+    <p:sldId id="260" r:id="rId12"/>
+    <p:sldId id="261" r:id="rId13"/>
+    <p:sldId id="262" r:id="rId14"/>
+    <p:sldId id="263" r:id="rId15"/>
+    <p:sldId id="264" r:id="rId16"/>
+    <p:sldId id="265" r:id="rId17"/>
+    <p:sldId id="266" r:id="rId18"/>
+    <p:sldId id="267" r:id="rId19"/>
+    <p:sldId id="268" r:id="rId20"/>
+    <p:sldId id="269" r:id="rId21"/>
+    <p:sldId id="270" r:id="rId22"/>
+    <p:sldId id="271" r:id="rId23"/>
+    <p:sldId id="272" r:id="rId24"/>
+    <p:sldId id="273" r:id="rId25"/>
+    <p:sldId id="274" r:id="rId26"/>
+    <p:sldId id="275" r:id="rId27"/>
+    <p:sldId id="276" r:id="rId28"/>
+    <p:sldId id="277" r:id="rId29"/>
+    <p:sldId id="278" r:id="rId30"/>
+    <p:sldId id="279" r:id="rId31"/>
+    <p:sldId id="280" r:id="rId32"/>
+    <p:sldId id="281" r:id="rId33"/>
+    <p:sldId id="282" r:id="rId34"/>
+    <p:sldId id="283" r:id="rId35"/>
+    <p:sldId id="284" r:id="rId36"/>
+    <p:sldId id="285" r:id="rId37"/>
+    <p:sldId id="286" r:id="rId38"/>
+    <p:sldId id="287" r:id="rId39"/>
+    <p:sldId id="288" r:id="rId40"/>
+    <p:sldId id="289" r:id="rId41"/>
+    <p:sldId id="290" r:id="rId42"/>
   </p:sldIdLst>
   <p:sldSz cy="6858000" cx="9144000"/>
   <p:notesSz cx="6858000" cy="9144000"/>
   <p:embeddedFontLst>
     <p:embeddedFont>
       <p:font typeface="Roboto Slab"/>
-      <p:regular r:id="rId50"/>
-      <p:bold r:id="rId51"/>
+      <p:regular r:id="rId43"/>
+      <p:bold r:id="rId44"/>
     </p:embeddedFont>
     <p:embeddedFont>
       <p:font typeface="Source Sans Pro"/>
-      <p:regular r:id="rId52"/>
-      <p:bold r:id="rId53"/>
-      <p:italic r:id="rId54"/>
-      <p:boldItalic r:id="rId55"/>
+      <p:regular r:id="rId45"/>
+      <p:bold r:id="rId46"/>
+      <p:italic r:id="rId47"/>
+      <p:boldItalic r:id="rId48"/>
     </p:embeddedFont>
   </p:embeddedFontLst>
   <p:defaultTextStyle>
@@ -314,21 +308,6 @@
     </p:ext>
   </p:extLst>
 </p:presentation>
-</file>
-
-<file path=ppt/commentAuthors.xml><?xml version="1.0" encoding="utf-8"?>
-<p:cmAuthorLst xmlns:a="http://schemas.openxmlformats.org/drawingml/2006/main" xmlns:r="http://schemas.openxmlformats.org/officeDocument/2006/relationships" xmlns:mc="http://schemas.openxmlformats.org/markup-compatibility/2006" xmlns:mv="urn:schemas-microsoft-com:mac:vml" xmlns:p="http://schemas.openxmlformats.org/presentationml/2006/main" xmlns:c="http://schemas.openxmlformats.org/drawingml/2006/chart" xmlns:dgm="http://schemas.openxmlformats.org/drawingml/2006/diagram" xmlns:o="urn:schemas-microsoft-com:office:office" xmlns:v="urn:schemas-microsoft-com:vml" xmlns:pvml="urn:schemas-microsoft-com:office:powerpoint" xmlns:com="http://schemas.openxmlformats.org/drawingml/2006/compatibility" xmlns:p14="http://schemas.microsoft.com/office/powerpoint/2010/main" xmlns:p15="http://schemas.microsoft.com/office/powerpoint/2012/main">
-  <p:cmAuthor clrIdx="0" id="0" initials="" lastIdx="1" name="Tiffany Wang"/>
-</p:cmAuthorLst>
-</file>
-
-<file path=ppt/comments/comment1.xml><?xml version="1.0" encoding="utf-8"?>
-<p:cmLst xmlns:a="http://schemas.openxmlformats.org/drawingml/2006/main" xmlns:r="http://schemas.openxmlformats.org/officeDocument/2006/relationships" xmlns:mc="http://schemas.openxmlformats.org/markup-compatibility/2006" xmlns:mv="urn:schemas-microsoft-com:mac:vml" xmlns:p="http://schemas.openxmlformats.org/presentationml/2006/main" xmlns:c="http://schemas.openxmlformats.org/drawingml/2006/chart" xmlns:dgm="http://schemas.openxmlformats.org/drawingml/2006/diagram" xmlns:o="urn:schemas-microsoft-com:office:office" xmlns:v="urn:schemas-microsoft-com:vml" xmlns:pvml="urn:schemas-microsoft-com:office:powerpoint" xmlns:com="http://schemas.openxmlformats.org/drawingml/2006/compatibility" xmlns:p14="http://schemas.microsoft.com/office/powerpoint/2010/main" xmlns:p15="http://schemas.microsoft.com/office/powerpoint/2012/main">
-  <p:cm authorId="0" idx="1" dt="2019-07-09T07:54:35.000">
-    <p:pos x="495" y="1059"/>
-    <p:text>Maybe add texts explaining what an adaptive learning rate is vs. regular learning rate (I'm covering learning rates in Lecture 4 too!).</p:text>
-  </p:cm>
-</p:cmLst>
 </file>
 
 <file path=ppt/notesMasters/notesMaster1.xml><?xml version="1.0" encoding="utf-8"?>
@@ -3064,7 +3043,144 @@
             </a:pPr>
             <a:r>
               <a:rPr lang="en-GB" sz="1400"/>
-              <a:t>Let’s imagine a very simple example, where we have a neural network with two layers of neurons, with a single neuron in each layer. For notation’s sake, let’s call the last neuron aL, then the previous neuron feeding into it would be called a L-1. We’ll be learning this under a supervised learning context, so we know what the desired output for this single training instance is, denoted by y. Let’s use the LMS function to be the cost function. To relate the prediction of the network aL to what we’ve seen before, the output of the previous neuron is taken, multiplied by some weight, with some bias added to it, then we pass it through some non-linear activation function. Let’s call this term z(L).</a:t>
+              <a:t>Tying this figure to the steps we saw in the previous slides, here are the main steps to backpropagation:</a:t>
+            </a:r>
+            <a:endParaRPr sz="1400"/>
+          </a:p>
+          <a:p>
+            <a:pPr indent="-317500" lvl="0" marL="457200" rtl="0" algn="l">
+              <a:spcBef>
+                <a:spcPts val="0"/>
+              </a:spcBef>
+              <a:spcAft>
+                <a:spcPts val="0"/>
+              </a:spcAft>
+              <a:buSzPts val="1400"/>
+              <a:buAutoNum type="arabicPeriod"/>
+            </a:pPr>
+            <a:r>
+              <a:rPr lang="en-GB" sz="1400"/>
+              <a:t>Inputs X, arrive through the preconnected path</a:t>
+            </a:r>
+            <a:endParaRPr sz="1400"/>
+          </a:p>
+          <a:p>
+            <a:pPr indent="-317500" lvl="0" marL="457200" rtl="0" algn="l">
+              <a:spcBef>
+                <a:spcPts val="0"/>
+              </a:spcBef>
+              <a:spcAft>
+                <a:spcPts val="0"/>
+              </a:spcAft>
+              <a:buSzPts val="1400"/>
+              <a:buAutoNum type="arabicPeriod"/>
+            </a:pPr>
+            <a:r>
+              <a:rPr lang="en-GB" sz="1400"/>
+              <a:t>Input is modeled using real weights W, then fed </a:t>
+            </a:r>
+            <a:r>
+              <a:rPr b="1" lang="en-GB" sz="1400"/>
+              <a:t>forward </a:t>
+            </a:r>
+            <a:r>
+              <a:rPr lang="en-GB" sz="1400"/>
+              <a:t>through the network: calculate the output for every neuron from the input layer, to the hidden layers, to the output layer.</a:t>
+            </a:r>
+            <a:endParaRPr sz="1400"/>
+          </a:p>
+          <a:p>
+            <a:pPr indent="-317500" lvl="0" marL="457200" rtl="0" algn="l">
+              <a:spcBef>
+                <a:spcPts val="0"/>
+              </a:spcBef>
+              <a:spcAft>
+                <a:spcPts val="0"/>
+              </a:spcAft>
+              <a:buSzPts val="1400"/>
+              <a:buAutoNum type="arabicPeriod"/>
+            </a:pPr>
+            <a:r>
+              <a:rPr lang="en-GB" sz="1400"/>
+              <a:t>Calculate the error in the outputs</a:t>
+            </a:r>
+            <a:endParaRPr sz="1400"/>
+          </a:p>
+          <a:p>
+            <a:pPr indent="-317500" lvl="0" marL="457200" rtl="0" algn="l">
+              <a:spcBef>
+                <a:spcPts val="0"/>
+              </a:spcBef>
+              <a:spcAft>
+                <a:spcPts val="0"/>
+              </a:spcAft>
+              <a:buSzPts val="1400"/>
+              <a:buAutoNum type="arabicPeriod"/>
+            </a:pPr>
+            <a:r>
+              <a:rPr lang="en-GB" sz="1400"/>
+              <a:t>Travel back from the output layer to the hidden layer to adjust the weights such that the error is decreased.</a:t>
+            </a:r>
+            <a:endParaRPr sz="1400"/>
+          </a:p>
+          <a:p>
+            <a:pPr indent="0" lvl="0" marL="0" rtl="0" algn="l">
+              <a:spcBef>
+                <a:spcPts val="0"/>
+              </a:spcBef>
+              <a:spcAft>
+                <a:spcPts val="0"/>
+              </a:spcAft>
+              <a:buNone/>
+            </a:pPr>
+            <a:r>
+              <a:t/>
+            </a:r>
+            <a:endParaRPr sz="1400"/>
+          </a:p>
+          <a:p>
+            <a:pPr indent="0" lvl="0" marL="0" rtl="0" algn="l">
+              <a:spcBef>
+                <a:spcPts val="0"/>
+              </a:spcBef>
+              <a:spcAft>
+                <a:spcPts val="0"/>
+              </a:spcAft>
+              <a:buNone/>
+            </a:pPr>
+            <a:r>
+              <a:rPr lang="en-GB" sz="1400"/>
+              <a:t>NOTE on Youtube link</a:t>
+            </a:r>
+            <a:endParaRPr sz="1400"/>
+          </a:p>
+          <a:p>
+            <a:pPr indent="0" lvl="0" marL="0" rtl="0" algn="l">
+              <a:spcBef>
+                <a:spcPts val="0"/>
+              </a:spcBef>
+              <a:spcAft>
+                <a:spcPts val="0"/>
+              </a:spcAft>
+              <a:buNone/>
+            </a:pPr>
+            <a:r>
+              <a:t/>
+            </a:r>
+            <a:endParaRPr sz="1400"/>
+          </a:p>
+          <a:p>
+            <a:pPr indent="0" lvl="0" marL="0" rtl="0" algn="l">
+              <a:spcBef>
+                <a:spcPts val="0"/>
+              </a:spcBef>
+              <a:spcAft>
+                <a:spcPts val="0"/>
+              </a:spcAft>
+              <a:buNone/>
+            </a:pPr>
+            <a:r>
+              <a:t/>
             </a:r>
             <a:endParaRPr sz="1400"/>
           </a:p>
@@ -3083,7 +3199,7 @@
   <p:cSld>
     <p:spTree>
       <p:nvGrpSpPr>
-        <p:cNvPr id="407" name="Shape 407"/>
+        <p:cNvPr id="404" name="Shape 404"/>
         <p:cNvGrpSpPr/>
         <p:nvPr/>
       </p:nvGrpSpPr>
@@ -3097,7 +3213,7 @@
       </p:grpSpPr>
       <p:sp>
         <p:nvSpPr>
-          <p:cNvPr id="408" name="Google Shape;408;g5c6e09cd69_0_29:notes"/>
+          <p:cNvPr id="405" name="Google Shape;405;g5c6e09cd69_0_80:notes"/>
           <p:cNvSpPr/>
           <p:nvPr>
             <p:ph idx="2" type="sldImg"/>
@@ -3132,7 +3248,7 @@
       </p:sp>
       <p:sp>
         <p:nvSpPr>
-          <p:cNvPr id="409" name="Google Shape;409;g5c6e09cd69_0_29:notes"/>
+          <p:cNvPr id="406" name="Google Shape;406;g5c6e09cd69_0_80:notes"/>
           <p:cNvSpPr txBox="1"/>
           <p:nvPr>
             <p:ph idx="1" type="body"/>
@@ -3164,7 +3280,7 @@
             </a:pPr>
             <a:r>
               <a:rPr lang="en-GB" sz="1800"/>
-              <a:t>Notice in this scenario, that we cannot directly compute the change of the cost function relative to the weight wL directly! We use the chain rule to find out how C0 is affected by the activation function aL, which is in turn affected by the weighted sum zL, from which we can finally compute the change with respect to the weight wL.</a:t>
+              <a:t>We’ve done most of the work now, we just have to use the gradient previously computed to update the new weight value, using the equation in the box. (Read off alpha). If alpha is too small however, we also won’t converge because the weights are updating too slowly and might get stuck at a saddle point in the cost function. (Slide)</a:t>
             </a:r>
             <a:endParaRPr sz="1800"/>
           </a:p>
@@ -3318,7 +3434,7 @@
   <p:cSld>
     <p:spTree>
       <p:nvGrpSpPr>
-        <p:cNvPr id="419" name="Shape 419"/>
+        <p:cNvPr id="413" name="Shape 413"/>
         <p:cNvGrpSpPr/>
         <p:nvPr/>
       </p:nvGrpSpPr>
@@ -3332,7 +3448,7 @@
       </p:grpSpPr>
       <p:sp>
         <p:nvSpPr>
-          <p:cNvPr id="420" name="Google Shape;420;g5ceefdf5ba_0_218:notes"/>
+          <p:cNvPr id="414" name="Google Shape;414;g5b0df8d172_0_161:notes"/>
           <p:cNvSpPr/>
           <p:nvPr>
             <p:ph idx="2" type="sldImg"/>
@@ -3367,7 +3483,7 @@
       </p:sp>
       <p:sp>
         <p:nvSpPr>
-          <p:cNvPr id="421" name="Google Shape;421;g5ceefdf5ba_0_218:notes"/>
+          <p:cNvPr id="415" name="Google Shape;415;g5b0df8d172_0_161:notes"/>
           <p:cNvSpPr txBox="1"/>
           <p:nvPr>
             <p:ph idx="1" type="body"/>
@@ -3398,10 +3514,10 @@
               <a:buNone/>
             </a:pPr>
             <a:r>
-              <a:rPr lang="en-GB" sz="1800"/>
-              <a:t>Notice in this scenario, that we cannot directly compute the change of the cost function relative to the weight wL directly! We use the chain rule to find out how C0 is affected by the activation function aL, which is in turn affected by the weighted sum zL, from which we can finally compute the change with respect to the weight wL.</a:t>
-            </a:r>
-            <a:endParaRPr sz="1800"/>
+              <a:rPr lang="en-GB" sz="1000"/>
+              <a:t>From sampling theory, a larger sample is better than a smaller sample size to better truly represent your true distribution. Hence, batch gradient descent is, in theory, the best way to update your gradients and hence, your weights. However, in practice, it would take way too long to compute a single update after going through all training instances (in real life, your data set might have millions - hundreds of millions of examples). So in practice what we do instead is use mini-batch gradient descent, where we take random subsets of the training set, and compute a gradient update on that minibatch. Since we have less samples, the weight update is more of an approximation compared to the full batch gradient descent approach, but it updates a lot faster and will converge a lot faster in practice. </a:t>
+            </a:r>
+            <a:endParaRPr sz="1000"/>
           </a:p>
         </p:txBody>
       </p:sp>
@@ -3418,7 +3534,7 @@
   <p:cSld>
     <p:spTree>
       <p:nvGrpSpPr>
-        <p:cNvPr id="431" name="Shape 431"/>
+        <p:cNvPr id="421" name="Shape 421"/>
         <p:cNvGrpSpPr/>
         <p:nvPr/>
       </p:nvGrpSpPr>
@@ -3432,7 +3548,7 @@
       </p:grpSpPr>
       <p:sp>
         <p:nvSpPr>
-          <p:cNvPr id="432" name="Google Shape;432;g5c6e09cd69_0_55:notes"/>
+          <p:cNvPr id="422" name="Google Shape;422;g5b0df8d172_0_168:notes"/>
           <p:cNvSpPr/>
           <p:nvPr>
             <p:ph idx="2" type="sldImg"/>
@@ -3467,7 +3583,7 @@
       </p:sp>
       <p:sp>
         <p:nvSpPr>
-          <p:cNvPr id="433" name="Google Shape;433;g5c6e09cd69_0_55:notes"/>
+          <p:cNvPr id="423" name="Google Shape;423;g5b0df8d172_0_168:notes"/>
           <p:cNvSpPr txBox="1"/>
           <p:nvPr>
             <p:ph idx="1" type="body"/>
@@ -3499,89 +3615,7 @@
             </a:pPr>
             <a:r>
               <a:rPr lang="en-GB" sz="1800"/>
-              <a:t>Let’s take a step back and look at what the derivatives actually mean: </a:t>
-            </a:r>
-            <a:endParaRPr sz="1800"/>
-          </a:p>
-          <a:p>
-            <a:pPr indent="-342900" lvl="0" marL="457200" rtl="0" algn="l">
-              <a:spcBef>
-                <a:spcPts val="0"/>
-              </a:spcBef>
-              <a:spcAft>
-                <a:spcPts val="0"/>
-              </a:spcAft>
-              <a:buSzPts val="1800"/>
-              <a:buChar char="●"/>
-            </a:pPr>
-            <a:r>
-              <a:rPr lang="en-GB" sz="1800"/>
-              <a:t>The first derivative is simply the ROC of the cost function wrt the output of the activation function of the neuron in the last layer L</a:t>
-            </a:r>
-            <a:endParaRPr sz="1800"/>
-          </a:p>
-          <a:p>
-            <a:pPr indent="-342900" lvl="0" marL="457200" rtl="0" algn="l">
-              <a:spcBef>
-                <a:spcPts val="0"/>
-              </a:spcBef>
-              <a:spcAft>
-                <a:spcPts val="0"/>
-              </a:spcAft>
-              <a:buSzPts val="1800"/>
-              <a:buChar char="●"/>
-            </a:pPr>
-            <a:r>
-              <a:rPr lang="en-GB" sz="1800"/>
-              <a:t>The second derivative is the ROC of the non-linear activation function, e.g. the derivative of a sigmoid, ReLU, etc.</a:t>
-            </a:r>
-            <a:endParaRPr sz="1800"/>
-          </a:p>
-          <a:p>
-            <a:pPr indent="-342900" lvl="0" marL="457200" rtl="0" algn="l">
-              <a:spcBef>
-                <a:spcPts val="0"/>
-              </a:spcBef>
-              <a:spcAft>
-                <a:spcPts val="0"/>
-              </a:spcAft>
-              <a:buSzPts val="1800"/>
-              <a:buChar char="●"/>
-            </a:pPr>
-            <a:r>
-              <a:rPr lang="en-GB" sz="1800"/>
-              <a:t>As for the 3rd derivative, we can see that the ROC of the weight is based off how strong the activation of the previous neuron is</a:t>
-            </a:r>
-            <a:endParaRPr sz="1800"/>
-          </a:p>
-          <a:p>
-            <a:pPr indent="0" lvl="0" marL="0" rtl="0" algn="l">
-              <a:spcBef>
-                <a:spcPts val="0"/>
-              </a:spcBef>
-              <a:spcAft>
-                <a:spcPts val="0"/>
-              </a:spcAft>
-              <a:buNone/>
-            </a:pPr>
-            <a:r>
-              <a:t/>
-            </a:r>
-            <a:endParaRPr sz="1800"/>
-          </a:p>
-          <a:p>
-            <a:pPr indent="0" lvl="0" marL="0" rtl="0" algn="l">
-              <a:spcBef>
-                <a:spcPts val="0"/>
-              </a:spcBef>
-              <a:spcAft>
-                <a:spcPts val="0"/>
-              </a:spcAft>
-              <a:buNone/>
-            </a:pPr>
-            <a:r>
-              <a:rPr lang="en-GB" sz="1800"/>
-              <a:t>Now, we’ve developed an expression for the “influence” of a single weight on the output of the neural network, but this is only for a single training example, and only for a single neuron. </a:t>
+              <a:t>So in practice, there are many optimization methods that are used in practice that can compute the optimal learning rate alpha that would best suit learning. Typically, we use larger learning rates at the beginning (to take bigger steps towards a local minima) and start to slow down as we get closer to the desired value (once again, to not oscillate too much). For non-convex optimization surfaces, which happen for the most part, we need larger learning rates to gain “momentum” and keep on moving towards the desired optimal points. We won’t really be covering these optimization methods, as they require a lot deeper math knowledge.</a:t>
             </a:r>
             <a:endParaRPr sz="1800"/>
           </a:p>
@@ -3600,7 +3634,7 @@
   <p:cSld>
     <p:spTree>
       <p:nvGrpSpPr>
-        <p:cNvPr id="442" name="Shape 442"/>
+        <p:cNvPr id="430" name="Shape 430"/>
         <p:cNvGrpSpPr/>
         <p:nvPr/>
       </p:nvGrpSpPr>
@@ -3614,7 +3648,7 @@
       </p:grpSpPr>
       <p:sp>
         <p:nvSpPr>
-          <p:cNvPr id="443" name="Google Shape;443;g5b0df8d172_0_152:notes"/>
+          <p:cNvPr id="431" name="Google Shape;431;g5b0df8d172_0_176:notes"/>
           <p:cNvSpPr/>
           <p:nvPr>
             <p:ph idx="2" type="sldImg"/>
@@ -3649,7 +3683,7 @@
       </p:sp>
       <p:sp>
         <p:nvSpPr>
-          <p:cNvPr id="444" name="Google Shape;444;g5b0df8d172_0_152:notes"/>
+          <p:cNvPr id="432" name="Google Shape;432;g5b0df8d172_0_176:notes"/>
           <p:cNvSpPr txBox="1"/>
           <p:nvPr>
             <p:ph idx="1" type="body"/>
@@ -3679,11 +3713,10 @@
               </a:spcAft>
               <a:buNone/>
             </a:pPr>
-            <a:r>
-              <a:rPr lang="en-GB" sz="1800"/>
-              <a:t>Tying it all together, we’ve only studied the expression for the cost function error over a single example. To generalize to our training data, we compute this error over all the training examples to see the expected influence of a single weight, wL, on the cost function. This expression was used just to understand how a single weight is updated, and can be extended to many hidden layers.</a:t>
-            </a:r>
-            <a:endParaRPr sz="1800"/>
+            <a:br>
+              <a:rPr lang="en-GB"/>
+            </a:br>
+            <a:endParaRPr/>
           </a:p>
         </p:txBody>
       </p:sp>
@@ -3700,7 +3733,7 @@
   <p:cSld>
     <p:spTree>
       <p:nvGrpSpPr>
-        <p:cNvPr id="451" name="Shape 451"/>
+        <p:cNvPr id="436" name="Shape 436"/>
         <p:cNvGrpSpPr/>
         <p:nvPr/>
       </p:nvGrpSpPr>
@@ -3714,7 +3747,7 @@
       </p:grpSpPr>
       <p:sp>
         <p:nvSpPr>
-          <p:cNvPr id="452" name="Google Shape;452;g5c6e09cd69_0_69:notes"/>
+          <p:cNvPr id="437" name="Google Shape;437;g5b0df8d172_0_0:notes"/>
           <p:cNvSpPr/>
           <p:nvPr>
             <p:ph idx="2" type="sldImg"/>
@@ -3749,7 +3782,7 @@
       </p:sp>
       <p:sp>
         <p:nvSpPr>
-          <p:cNvPr id="453" name="Google Shape;453;g5c6e09cd69_0_69:notes"/>
+          <p:cNvPr id="438" name="Google Shape;438;g5b0df8d172_0_0:notes"/>
           <p:cNvSpPr txBox="1"/>
           <p:nvPr>
             <p:ph idx="1" type="body"/>
@@ -3780,23 +3813,9 @@
               <a:buNone/>
             </a:pPr>
             <a:r>
-              <a:rPr lang="en-GB" sz="1800"/>
-              <a:t>TO DO Clarify here: </a:t>
-            </a:r>
-            <a:r>
-              <a:rPr lang="en-GB" u="sng">
-                <a:solidFill>
-                  <a:schemeClr val="hlink"/>
-                </a:solidFill>
-                <a:hlinkClick r:id="rId2"/>
-              </a:rPr>
-              <a:t>https://www.youtube.com/watch?v=tIeHLnjs5U8</a:t>
-            </a:r>
-            <a:r>
-              <a:rPr lang="en-GB" sz="1800"/>
-              <a:t> </a:t>
-            </a:r>
-            <a:endParaRPr sz="1800"/>
+              <a:t/>
+            </a:r>
+            <a:endParaRPr/>
           </a:p>
         </p:txBody>
       </p:sp>
@@ -3813,7 +3832,7 @@
   <p:cSld>
     <p:spTree>
       <p:nvGrpSpPr>
-        <p:cNvPr id="460" name="Shape 460"/>
+        <p:cNvPr id="443" name="Shape 443"/>
         <p:cNvGrpSpPr/>
         <p:nvPr/>
       </p:nvGrpSpPr>
@@ -3827,7 +3846,106 @@
       </p:grpSpPr>
       <p:sp>
         <p:nvSpPr>
-          <p:cNvPr id="461" name="Google Shape;461;g5c6e09cd69_0_80:notes"/>
+          <p:cNvPr id="444" name="Google Shape;444;g5d0e2d422d_4_0:notes"/>
+          <p:cNvSpPr/>
+          <p:nvPr>
+            <p:ph idx="2" type="sldImg"/>
+          </p:nvPr>
+        </p:nvSpPr>
+        <p:spPr>
+          <a:xfrm>
+            <a:off x="1143225" y="685800"/>
+            <a:ext cx="4572300" cy="3429000"/>
+          </a:xfrm>
+          <a:custGeom>
+            <a:rect b="b" l="l" r="r" t="t"/>
+            <a:pathLst>
+              <a:path extrusionOk="0" h="120000" w="120000">
+                <a:moveTo>
+                  <a:pt x="0" y="0"/>
+                </a:moveTo>
+                <a:lnTo>
+                  <a:pt x="120000" y="0"/>
+                </a:lnTo>
+                <a:lnTo>
+                  <a:pt x="120000" y="120000"/>
+                </a:lnTo>
+                <a:lnTo>
+                  <a:pt x="0" y="120000"/>
+                </a:lnTo>
+                <a:close/>
+              </a:path>
+            </a:pathLst>
+          </a:custGeom>
+        </p:spPr>
+      </p:sp>
+      <p:sp>
+        <p:nvSpPr>
+          <p:cNvPr id="445" name="Google Shape;445;g5d0e2d422d_4_0:notes"/>
+          <p:cNvSpPr txBox="1"/>
+          <p:nvPr>
+            <p:ph idx="1" type="body"/>
+          </p:nvPr>
+        </p:nvSpPr>
+        <p:spPr>
+          <a:xfrm>
+            <a:off x="685800" y="4343400"/>
+            <a:ext cx="5486400" cy="4114800"/>
+          </a:xfrm>
+          <a:prstGeom prst="rect">
+            <a:avLst/>
+          </a:prstGeom>
+        </p:spPr>
+        <p:txBody>
+          <a:bodyPr anchorCtr="0" anchor="t" bIns="91425" lIns="91425" spcFirstLastPara="1" rIns="91425" wrap="square" tIns="91425">
+            <a:noAutofit/>
+          </a:bodyPr>
+          <a:lstStyle/>
+          <a:p>
+            <a:pPr indent="0" lvl="0" marL="0" rtl="0" algn="l">
+              <a:spcBef>
+                <a:spcPts val="0"/>
+              </a:spcBef>
+              <a:spcAft>
+                <a:spcPts val="0"/>
+              </a:spcAft>
+              <a:buNone/>
+            </a:pPr>
+            <a:r>
+              <a:t/>
+            </a:r>
+            <a:endParaRPr/>
+          </a:p>
+        </p:txBody>
+      </p:sp>
+    </p:spTree>
+  </p:cSld>
+  <p:clrMapOvr>
+    <a:masterClrMapping/>
+  </p:clrMapOvr>
+</p:notes>
+</file>
+
+<file path=ppt/notesSlides/notesSlide35.xml><?xml version="1.0" encoding="utf-8"?>
+<p:notes xmlns:a="http://schemas.openxmlformats.org/drawingml/2006/main" xmlns:r="http://schemas.openxmlformats.org/officeDocument/2006/relationships" xmlns:mc="http://schemas.openxmlformats.org/markup-compatibility/2006" xmlns:mv="urn:schemas-microsoft-com:mac:vml" xmlns:p="http://schemas.openxmlformats.org/presentationml/2006/main" xmlns:c="http://schemas.openxmlformats.org/drawingml/2006/chart" xmlns:dgm="http://schemas.openxmlformats.org/drawingml/2006/diagram" xmlns:o="urn:schemas-microsoft-com:office:office" xmlns:v="urn:schemas-microsoft-com:vml" xmlns:pvml="urn:schemas-microsoft-com:office:powerpoint" xmlns:com="http://schemas.openxmlformats.org/drawingml/2006/compatibility" xmlns:p14="http://schemas.microsoft.com/office/powerpoint/2010/main" xmlns:p15="http://schemas.microsoft.com/office/powerpoint/2012/main" showMasterPhAnim="0" showMasterSp="0">
+  <p:cSld>
+    <p:spTree>
+      <p:nvGrpSpPr>
+        <p:cNvPr id="450" name="Shape 450"/>
+        <p:cNvGrpSpPr/>
+        <p:nvPr/>
+      </p:nvGrpSpPr>
+      <p:grpSpPr>
+        <a:xfrm>
+          <a:off x="0" y="0"/>
+          <a:ext cx="0" cy="0"/>
+          <a:chOff x="0" y="0"/>
+          <a:chExt cx="0" cy="0"/>
+        </a:xfrm>
+      </p:grpSpPr>
+      <p:sp>
+        <p:nvSpPr>
+          <p:cNvPr id="451" name="Google Shape;451;g5ceefdf5ba_0_0:notes"/>
           <p:cNvSpPr/>
           <p:nvPr>
             <p:ph idx="2" type="sldImg"/>
@@ -3862,505 +3980,7 @@
       </p:sp>
       <p:sp>
         <p:nvSpPr>
-          <p:cNvPr id="462" name="Google Shape;462;g5c6e09cd69_0_80:notes"/>
-          <p:cNvSpPr txBox="1"/>
-          <p:nvPr>
-            <p:ph idx="1" type="body"/>
-          </p:nvPr>
-        </p:nvSpPr>
-        <p:spPr>
-          <a:xfrm>
-            <a:off x="685800" y="4343400"/>
-            <a:ext cx="5486400" cy="4114800"/>
-          </a:xfrm>
-          <a:prstGeom prst="rect">
-            <a:avLst/>
-          </a:prstGeom>
-        </p:spPr>
-        <p:txBody>
-          <a:bodyPr anchorCtr="0" anchor="t" bIns="91425" lIns="91425" spcFirstLastPara="1" rIns="91425" wrap="square" tIns="91425">
-            <a:noAutofit/>
-          </a:bodyPr>
-          <a:lstStyle/>
-          <a:p>
-            <a:pPr indent="0" lvl="0" marL="0" rtl="0" algn="l">
-              <a:spcBef>
-                <a:spcPts val="0"/>
-              </a:spcBef>
-              <a:spcAft>
-                <a:spcPts val="0"/>
-              </a:spcAft>
-              <a:buNone/>
-            </a:pPr>
-            <a:r>
-              <a:rPr lang="en-GB" sz="1800"/>
-              <a:t>We’ve done most of the work now, we just have to use the gradient previously computed to update the new weight value, using the equation in the box. (Read off alpha). If alpha is too small however, we also won’t converge because the weights are updating too slowly and might get stuck at a saddle point in the cost function. (Slide)</a:t>
-            </a:r>
-            <a:endParaRPr sz="1800"/>
-          </a:p>
-        </p:txBody>
-      </p:sp>
-    </p:spTree>
-  </p:cSld>
-  <p:clrMapOvr>
-    <a:masterClrMapping/>
-  </p:clrMapOvr>
-</p:notes>
-</file>
-
-<file path=ppt/notesSlides/notesSlide35.xml><?xml version="1.0" encoding="utf-8"?>
-<p:notes xmlns:a="http://schemas.openxmlformats.org/drawingml/2006/main" xmlns:r="http://schemas.openxmlformats.org/officeDocument/2006/relationships" xmlns:mc="http://schemas.openxmlformats.org/markup-compatibility/2006" xmlns:mv="urn:schemas-microsoft-com:mac:vml" xmlns:p="http://schemas.openxmlformats.org/presentationml/2006/main" xmlns:c="http://schemas.openxmlformats.org/drawingml/2006/chart" xmlns:dgm="http://schemas.openxmlformats.org/drawingml/2006/diagram" xmlns:o="urn:schemas-microsoft-com:office:office" xmlns:v="urn:schemas-microsoft-com:vml" xmlns:pvml="urn:schemas-microsoft-com:office:powerpoint" xmlns:com="http://schemas.openxmlformats.org/drawingml/2006/compatibility" xmlns:p14="http://schemas.microsoft.com/office/powerpoint/2010/main" xmlns:p15="http://schemas.microsoft.com/office/powerpoint/2012/main" showMasterPhAnim="0" showMasterSp="0">
-  <p:cSld>
-    <p:spTree>
-      <p:nvGrpSpPr>
-        <p:cNvPr id="469" name="Shape 469"/>
-        <p:cNvGrpSpPr/>
-        <p:nvPr/>
-      </p:nvGrpSpPr>
-      <p:grpSpPr>
-        <a:xfrm>
-          <a:off x="0" y="0"/>
-          <a:ext cx="0" cy="0"/>
-          <a:chOff x="0" y="0"/>
-          <a:chExt cx="0" cy="0"/>
-        </a:xfrm>
-      </p:grpSpPr>
-      <p:sp>
-        <p:nvSpPr>
-          <p:cNvPr id="470" name="Google Shape;470;g5b0df8d172_0_161:notes"/>
-          <p:cNvSpPr/>
-          <p:nvPr>
-            <p:ph idx="2" type="sldImg"/>
-          </p:nvPr>
-        </p:nvSpPr>
-        <p:spPr>
-          <a:xfrm>
-            <a:off x="1143200" y="685800"/>
-            <a:ext cx="4572300" cy="3429000"/>
-          </a:xfrm>
-          <a:custGeom>
-            <a:rect b="b" l="l" r="r" t="t"/>
-            <a:pathLst>
-              <a:path extrusionOk="0" h="120000" w="120000">
-                <a:moveTo>
-                  <a:pt x="0" y="0"/>
-                </a:moveTo>
-                <a:lnTo>
-                  <a:pt x="120000" y="0"/>
-                </a:lnTo>
-                <a:lnTo>
-                  <a:pt x="120000" y="120000"/>
-                </a:lnTo>
-                <a:lnTo>
-                  <a:pt x="0" y="120000"/>
-                </a:lnTo>
-                <a:close/>
-              </a:path>
-            </a:pathLst>
-          </a:custGeom>
-        </p:spPr>
-      </p:sp>
-      <p:sp>
-        <p:nvSpPr>
-          <p:cNvPr id="471" name="Google Shape;471;g5b0df8d172_0_161:notes"/>
-          <p:cNvSpPr txBox="1"/>
-          <p:nvPr>
-            <p:ph idx="1" type="body"/>
-          </p:nvPr>
-        </p:nvSpPr>
-        <p:spPr>
-          <a:xfrm>
-            <a:off x="685800" y="4343400"/>
-            <a:ext cx="5486400" cy="4114800"/>
-          </a:xfrm>
-          <a:prstGeom prst="rect">
-            <a:avLst/>
-          </a:prstGeom>
-        </p:spPr>
-        <p:txBody>
-          <a:bodyPr anchorCtr="0" anchor="t" bIns="91425" lIns="91425" spcFirstLastPara="1" rIns="91425" wrap="square" tIns="91425">
-            <a:noAutofit/>
-          </a:bodyPr>
-          <a:lstStyle/>
-          <a:p>
-            <a:pPr indent="0" lvl="0" marL="0" rtl="0" algn="l">
-              <a:spcBef>
-                <a:spcPts val="0"/>
-              </a:spcBef>
-              <a:spcAft>
-                <a:spcPts val="0"/>
-              </a:spcAft>
-              <a:buNone/>
-            </a:pPr>
-            <a:r>
-              <a:rPr lang="en-GB" sz="1000"/>
-              <a:t>From sampling theory, a larger sample is better than a smaller sample size to better truly represent your true distribution. Hence, batch gradient descent is, in theory, the best way to update your gradients and hence, your weights. However, in practice, it would take way too long to compute a single update after going through all training instances (in real life, your data set might have millions - hundreds of millions of examples). So in practice what we do instead is use mini-batch gradient descent, where we take random subsets of the training set, and compute a gradient update on that minibatch. Since we have less samples, the weight update is more of an approximation compared to the full batch gradient descent approach, but it updates a lot faster and will converge a lot faster in practice. </a:t>
-            </a:r>
-            <a:endParaRPr sz="1000"/>
-          </a:p>
-        </p:txBody>
-      </p:sp>
-    </p:spTree>
-  </p:cSld>
-  <p:clrMapOvr>
-    <a:masterClrMapping/>
-  </p:clrMapOvr>
-</p:notes>
-</file>
-
-<file path=ppt/notesSlides/notesSlide36.xml><?xml version="1.0" encoding="utf-8"?>
-<p:notes xmlns:a="http://schemas.openxmlformats.org/drawingml/2006/main" xmlns:r="http://schemas.openxmlformats.org/officeDocument/2006/relationships" xmlns:mc="http://schemas.openxmlformats.org/markup-compatibility/2006" xmlns:mv="urn:schemas-microsoft-com:mac:vml" xmlns:p="http://schemas.openxmlformats.org/presentationml/2006/main" xmlns:c="http://schemas.openxmlformats.org/drawingml/2006/chart" xmlns:dgm="http://schemas.openxmlformats.org/drawingml/2006/diagram" xmlns:o="urn:schemas-microsoft-com:office:office" xmlns:v="urn:schemas-microsoft-com:vml" xmlns:pvml="urn:schemas-microsoft-com:office:powerpoint" xmlns:com="http://schemas.openxmlformats.org/drawingml/2006/compatibility" xmlns:p14="http://schemas.microsoft.com/office/powerpoint/2010/main" xmlns:p15="http://schemas.microsoft.com/office/powerpoint/2012/main" showMasterPhAnim="0" showMasterSp="0">
-  <p:cSld>
-    <p:spTree>
-      <p:nvGrpSpPr>
-        <p:cNvPr id="477" name="Shape 477"/>
-        <p:cNvGrpSpPr/>
-        <p:nvPr/>
-      </p:nvGrpSpPr>
-      <p:grpSpPr>
-        <a:xfrm>
-          <a:off x="0" y="0"/>
-          <a:ext cx="0" cy="0"/>
-          <a:chOff x="0" y="0"/>
-          <a:chExt cx="0" cy="0"/>
-        </a:xfrm>
-      </p:grpSpPr>
-      <p:sp>
-        <p:nvSpPr>
-          <p:cNvPr id="478" name="Google Shape;478;g5b0df8d172_0_168:notes"/>
-          <p:cNvSpPr/>
-          <p:nvPr>
-            <p:ph idx="2" type="sldImg"/>
-          </p:nvPr>
-        </p:nvSpPr>
-        <p:spPr>
-          <a:xfrm>
-            <a:off x="1143200" y="685800"/>
-            <a:ext cx="4572300" cy="3429000"/>
-          </a:xfrm>
-          <a:custGeom>
-            <a:rect b="b" l="l" r="r" t="t"/>
-            <a:pathLst>
-              <a:path extrusionOk="0" h="120000" w="120000">
-                <a:moveTo>
-                  <a:pt x="0" y="0"/>
-                </a:moveTo>
-                <a:lnTo>
-                  <a:pt x="120000" y="0"/>
-                </a:lnTo>
-                <a:lnTo>
-                  <a:pt x="120000" y="120000"/>
-                </a:lnTo>
-                <a:lnTo>
-                  <a:pt x="0" y="120000"/>
-                </a:lnTo>
-                <a:close/>
-              </a:path>
-            </a:pathLst>
-          </a:custGeom>
-        </p:spPr>
-      </p:sp>
-      <p:sp>
-        <p:nvSpPr>
-          <p:cNvPr id="479" name="Google Shape;479;g5b0df8d172_0_168:notes"/>
-          <p:cNvSpPr txBox="1"/>
-          <p:nvPr>
-            <p:ph idx="1" type="body"/>
-          </p:nvPr>
-        </p:nvSpPr>
-        <p:spPr>
-          <a:xfrm>
-            <a:off x="685800" y="4343400"/>
-            <a:ext cx="5486400" cy="4114800"/>
-          </a:xfrm>
-          <a:prstGeom prst="rect">
-            <a:avLst/>
-          </a:prstGeom>
-        </p:spPr>
-        <p:txBody>
-          <a:bodyPr anchorCtr="0" anchor="t" bIns="91425" lIns="91425" spcFirstLastPara="1" rIns="91425" wrap="square" tIns="91425">
-            <a:noAutofit/>
-          </a:bodyPr>
-          <a:lstStyle/>
-          <a:p>
-            <a:pPr indent="0" lvl="0" marL="0" rtl="0" algn="l">
-              <a:spcBef>
-                <a:spcPts val="0"/>
-              </a:spcBef>
-              <a:spcAft>
-                <a:spcPts val="0"/>
-              </a:spcAft>
-              <a:buNone/>
-            </a:pPr>
-            <a:r>
-              <a:rPr lang="en-GB" sz="1800"/>
-              <a:t>So in practice, there are many optimization methods that are used in practice that can compute the optimal learning rate alpha that would best suit learning. Typically, we use larger learning rates at the beginning (to take bigger steps towards a local minima) and start to slow down as we get closer to the desired value (once again, to not oscillate too much). For non-convex optimization surfaces, which happen for the most part, we need larger learning rates to gain “momentum” and keep on moving towards the desired optimal points. We won’t really be covering these optimization methods, as they require a lot deeper math knowledge.</a:t>
-            </a:r>
-            <a:endParaRPr sz="1800"/>
-          </a:p>
-        </p:txBody>
-      </p:sp>
-    </p:spTree>
-  </p:cSld>
-  <p:clrMapOvr>
-    <a:masterClrMapping/>
-  </p:clrMapOvr>
-</p:notes>
-</file>
-
-<file path=ppt/notesSlides/notesSlide37.xml><?xml version="1.0" encoding="utf-8"?>
-<p:notes xmlns:a="http://schemas.openxmlformats.org/drawingml/2006/main" xmlns:r="http://schemas.openxmlformats.org/officeDocument/2006/relationships" xmlns:mc="http://schemas.openxmlformats.org/markup-compatibility/2006" xmlns:mv="urn:schemas-microsoft-com:mac:vml" xmlns:p="http://schemas.openxmlformats.org/presentationml/2006/main" xmlns:c="http://schemas.openxmlformats.org/drawingml/2006/chart" xmlns:dgm="http://schemas.openxmlformats.org/drawingml/2006/diagram" xmlns:o="urn:schemas-microsoft-com:office:office" xmlns:v="urn:schemas-microsoft-com:vml" xmlns:pvml="urn:schemas-microsoft-com:office:powerpoint" xmlns:com="http://schemas.openxmlformats.org/drawingml/2006/compatibility" xmlns:p14="http://schemas.microsoft.com/office/powerpoint/2010/main" xmlns:p15="http://schemas.microsoft.com/office/powerpoint/2012/main" showMasterPhAnim="0" showMasterSp="0">
-  <p:cSld>
-    <p:spTree>
-      <p:nvGrpSpPr>
-        <p:cNvPr id="486" name="Shape 486"/>
-        <p:cNvGrpSpPr/>
-        <p:nvPr/>
-      </p:nvGrpSpPr>
-      <p:grpSpPr>
-        <a:xfrm>
-          <a:off x="0" y="0"/>
-          <a:ext cx="0" cy="0"/>
-          <a:chOff x="0" y="0"/>
-          <a:chExt cx="0" cy="0"/>
-        </a:xfrm>
-      </p:grpSpPr>
-      <p:sp>
-        <p:nvSpPr>
-          <p:cNvPr id="487" name="Google Shape;487;g5b0df8d172_0_176:notes"/>
-          <p:cNvSpPr/>
-          <p:nvPr>
-            <p:ph idx="2" type="sldImg"/>
-          </p:nvPr>
-        </p:nvSpPr>
-        <p:spPr>
-          <a:xfrm>
-            <a:off x="1143200" y="685800"/>
-            <a:ext cx="4572300" cy="3429000"/>
-          </a:xfrm>
-          <a:custGeom>
-            <a:rect b="b" l="l" r="r" t="t"/>
-            <a:pathLst>
-              <a:path extrusionOk="0" h="120000" w="120000">
-                <a:moveTo>
-                  <a:pt x="0" y="0"/>
-                </a:moveTo>
-                <a:lnTo>
-                  <a:pt x="120000" y="0"/>
-                </a:lnTo>
-                <a:lnTo>
-                  <a:pt x="120000" y="120000"/>
-                </a:lnTo>
-                <a:lnTo>
-                  <a:pt x="0" y="120000"/>
-                </a:lnTo>
-                <a:close/>
-              </a:path>
-            </a:pathLst>
-          </a:custGeom>
-        </p:spPr>
-      </p:sp>
-      <p:sp>
-        <p:nvSpPr>
-          <p:cNvPr id="488" name="Google Shape;488;g5b0df8d172_0_176:notes"/>
-          <p:cNvSpPr txBox="1"/>
-          <p:nvPr>
-            <p:ph idx="1" type="body"/>
-          </p:nvPr>
-        </p:nvSpPr>
-        <p:spPr>
-          <a:xfrm>
-            <a:off x="685800" y="4343400"/>
-            <a:ext cx="5486400" cy="4114800"/>
-          </a:xfrm>
-          <a:prstGeom prst="rect">
-            <a:avLst/>
-          </a:prstGeom>
-        </p:spPr>
-        <p:txBody>
-          <a:bodyPr anchorCtr="0" anchor="t" bIns="91425" lIns="91425" spcFirstLastPara="1" rIns="91425" wrap="square" tIns="91425">
-            <a:noAutofit/>
-          </a:bodyPr>
-          <a:lstStyle/>
-          <a:p>
-            <a:pPr indent="0" lvl="0" marL="0" rtl="0" algn="l">
-              <a:spcBef>
-                <a:spcPts val="0"/>
-              </a:spcBef>
-              <a:spcAft>
-                <a:spcPts val="0"/>
-              </a:spcAft>
-              <a:buNone/>
-            </a:pPr>
-            <a:br>
-              <a:rPr lang="en-GB"/>
-            </a:br>
-            <a:endParaRPr/>
-          </a:p>
-        </p:txBody>
-      </p:sp>
-    </p:spTree>
-  </p:cSld>
-  <p:clrMapOvr>
-    <a:masterClrMapping/>
-  </p:clrMapOvr>
-</p:notes>
-</file>
-
-<file path=ppt/notesSlides/notesSlide38.xml><?xml version="1.0" encoding="utf-8"?>
-<p:notes xmlns:a="http://schemas.openxmlformats.org/drawingml/2006/main" xmlns:r="http://schemas.openxmlformats.org/officeDocument/2006/relationships" xmlns:mc="http://schemas.openxmlformats.org/markup-compatibility/2006" xmlns:mv="urn:schemas-microsoft-com:mac:vml" xmlns:p="http://schemas.openxmlformats.org/presentationml/2006/main" xmlns:c="http://schemas.openxmlformats.org/drawingml/2006/chart" xmlns:dgm="http://schemas.openxmlformats.org/drawingml/2006/diagram" xmlns:o="urn:schemas-microsoft-com:office:office" xmlns:v="urn:schemas-microsoft-com:vml" xmlns:pvml="urn:schemas-microsoft-com:office:powerpoint" xmlns:com="http://schemas.openxmlformats.org/drawingml/2006/compatibility" xmlns:p14="http://schemas.microsoft.com/office/powerpoint/2010/main" xmlns:p15="http://schemas.microsoft.com/office/powerpoint/2012/main" showMasterPhAnim="0" showMasterSp="0">
-  <p:cSld>
-    <p:spTree>
-      <p:nvGrpSpPr>
-        <p:cNvPr id="492" name="Shape 492"/>
-        <p:cNvGrpSpPr/>
-        <p:nvPr/>
-      </p:nvGrpSpPr>
-      <p:grpSpPr>
-        <a:xfrm>
-          <a:off x="0" y="0"/>
-          <a:ext cx="0" cy="0"/>
-          <a:chOff x="0" y="0"/>
-          <a:chExt cx="0" cy="0"/>
-        </a:xfrm>
-      </p:grpSpPr>
-      <p:sp>
-        <p:nvSpPr>
-          <p:cNvPr id="493" name="Google Shape;493;g5b0df8d172_0_0:notes"/>
-          <p:cNvSpPr/>
-          <p:nvPr>
-            <p:ph idx="2" type="sldImg"/>
-          </p:nvPr>
-        </p:nvSpPr>
-        <p:spPr>
-          <a:xfrm>
-            <a:off x="1143200" y="685800"/>
-            <a:ext cx="4572300" cy="3429000"/>
-          </a:xfrm>
-          <a:custGeom>
-            <a:rect b="b" l="l" r="r" t="t"/>
-            <a:pathLst>
-              <a:path extrusionOk="0" h="120000" w="120000">
-                <a:moveTo>
-                  <a:pt x="0" y="0"/>
-                </a:moveTo>
-                <a:lnTo>
-                  <a:pt x="120000" y="0"/>
-                </a:lnTo>
-                <a:lnTo>
-                  <a:pt x="120000" y="120000"/>
-                </a:lnTo>
-                <a:lnTo>
-                  <a:pt x="0" y="120000"/>
-                </a:lnTo>
-                <a:close/>
-              </a:path>
-            </a:pathLst>
-          </a:custGeom>
-        </p:spPr>
-      </p:sp>
-      <p:sp>
-        <p:nvSpPr>
-          <p:cNvPr id="494" name="Google Shape;494;g5b0df8d172_0_0:notes"/>
-          <p:cNvSpPr txBox="1"/>
-          <p:nvPr>
-            <p:ph idx="1" type="body"/>
-          </p:nvPr>
-        </p:nvSpPr>
-        <p:spPr>
-          <a:xfrm>
-            <a:off x="685800" y="4343400"/>
-            <a:ext cx="5486400" cy="4114800"/>
-          </a:xfrm>
-          <a:prstGeom prst="rect">
-            <a:avLst/>
-          </a:prstGeom>
-        </p:spPr>
-        <p:txBody>
-          <a:bodyPr anchorCtr="0" anchor="t" bIns="91425" lIns="91425" spcFirstLastPara="1" rIns="91425" wrap="square" tIns="91425">
-            <a:noAutofit/>
-          </a:bodyPr>
-          <a:lstStyle/>
-          <a:p>
-            <a:pPr indent="0" lvl="0" marL="0" rtl="0" algn="l">
-              <a:spcBef>
-                <a:spcPts val="0"/>
-              </a:spcBef>
-              <a:spcAft>
-                <a:spcPts val="0"/>
-              </a:spcAft>
-              <a:buNone/>
-            </a:pPr>
-            <a:r>
-              <a:t/>
-            </a:r>
-            <a:endParaRPr/>
-          </a:p>
-        </p:txBody>
-      </p:sp>
-    </p:spTree>
-  </p:cSld>
-  <p:clrMapOvr>
-    <a:masterClrMapping/>
-  </p:clrMapOvr>
-</p:notes>
-</file>
-
-<file path=ppt/notesSlides/notesSlide39.xml><?xml version="1.0" encoding="utf-8"?>
-<p:notes xmlns:a="http://schemas.openxmlformats.org/drawingml/2006/main" xmlns:r="http://schemas.openxmlformats.org/officeDocument/2006/relationships" xmlns:mc="http://schemas.openxmlformats.org/markup-compatibility/2006" xmlns:mv="urn:schemas-microsoft-com:mac:vml" xmlns:p="http://schemas.openxmlformats.org/presentationml/2006/main" xmlns:c="http://schemas.openxmlformats.org/drawingml/2006/chart" xmlns:dgm="http://schemas.openxmlformats.org/drawingml/2006/diagram" xmlns:o="urn:schemas-microsoft-com:office:office" xmlns:v="urn:schemas-microsoft-com:vml" xmlns:pvml="urn:schemas-microsoft-com:office:powerpoint" xmlns:com="http://schemas.openxmlformats.org/drawingml/2006/compatibility" xmlns:p14="http://schemas.microsoft.com/office/powerpoint/2010/main" xmlns:p15="http://schemas.microsoft.com/office/powerpoint/2012/main" showMasterPhAnim="0" showMasterSp="0">
-  <p:cSld>
-    <p:spTree>
-      <p:nvGrpSpPr>
-        <p:cNvPr id="499" name="Shape 499"/>
-        <p:cNvGrpSpPr/>
-        <p:nvPr/>
-      </p:nvGrpSpPr>
-      <p:grpSpPr>
-        <a:xfrm>
-          <a:off x="0" y="0"/>
-          <a:ext cx="0" cy="0"/>
-          <a:chOff x="0" y="0"/>
-          <a:chExt cx="0" cy="0"/>
-        </a:xfrm>
-      </p:grpSpPr>
-      <p:sp>
-        <p:nvSpPr>
-          <p:cNvPr id="500" name="Google Shape;500;g5d0e2d422d_5_0:notes"/>
-          <p:cNvSpPr/>
-          <p:nvPr>
-            <p:ph idx="2" type="sldImg"/>
-          </p:nvPr>
-        </p:nvSpPr>
-        <p:spPr>
-          <a:xfrm>
-            <a:off x="1143309" y="685800"/>
-            <a:ext cx="4572000" cy="3429000"/>
-          </a:xfrm>
-          <a:custGeom>
-            <a:rect b="b" l="l" r="r" t="t"/>
-            <a:pathLst>
-              <a:path extrusionOk="0" h="120000" w="120000">
-                <a:moveTo>
-                  <a:pt x="0" y="0"/>
-                </a:moveTo>
-                <a:lnTo>
-                  <a:pt x="120000" y="0"/>
-                </a:lnTo>
-                <a:lnTo>
-                  <a:pt x="120000" y="120000"/>
-                </a:lnTo>
-                <a:lnTo>
-                  <a:pt x="0" y="120000"/>
-                </a:lnTo>
-                <a:close/>
-              </a:path>
-            </a:pathLst>
-          </a:custGeom>
-        </p:spPr>
-      </p:sp>
-      <p:sp>
-        <p:nvSpPr>
-          <p:cNvPr id="501" name="Google Shape;501;g5d0e2d422d_5_0:notes"/>
+          <p:cNvPr id="452" name="Google Shape;452;g5ceefdf5ba_0_0:notes"/>
           <p:cNvSpPr txBox="1"/>
           <p:nvPr>
             <p:ph idx="1" type="body"/>
@@ -4527,204 +4147,6 @@
             <a:r>
               <a:rPr lang="en-GB"/>
               <a:t>Neural networks are used to learn more complex, non-linear relationships between your input data. So why do we call them neural networks?  (Slide)</a:t>
-            </a:r>
-            <a:endParaRPr/>
-          </a:p>
-        </p:txBody>
-      </p:sp>
-    </p:spTree>
-  </p:cSld>
-  <p:clrMapOvr>
-    <a:masterClrMapping/>
-  </p:clrMapOvr>
-</p:notes>
-</file>
-
-<file path=ppt/notesSlides/notesSlide40.xml><?xml version="1.0" encoding="utf-8"?>
-<p:notes xmlns:a="http://schemas.openxmlformats.org/drawingml/2006/main" xmlns:r="http://schemas.openxmlformats.org/officeDocument/2006/relationships" xmlns:mc="http://schemas.openxmlformats.org/markup-compatibility/2006" xmlns:mv="urn:schemas-microsoft-com:mac:vml" xmlns:p="http://schemas.openxmlformats.org/presentationml/2006/main" xmlns:c="http://schemas.openxmlformats.org/drawingml/2006/chart" xmlns:dgm="http://schemas.openxmlformats.org/drawingml/2006/diagram" xmlns:o="urn:schemas-microsoft-com:office:office" xmlns:v="urn:schemas-microsoft-com:vml" xmlns:pvml="urn:schemas-microsoft-com:office:powerpoint" xmlns:com="http://schemas.openxmlformats.org/drawingml/2006/compatibility" xmlns:p14="http://schemas.microsoft.com/office/powerpoint/2010/main" xmlns:p15="http://schemas.microsoft.com/office/powerpoint/2012/main" showMasterPhAnim="0" showMasterSp="0">
-  <p:cSld>
-    <p:spTree>
-      <p:nvGrpSpPr>
-        <p:cNvPr id="505" name="Shape 505"/>
-        <p:cNvGrpSpPr/>
-        <p:nvPr/>
-      </p:nvGrpSpPr>
-      <p:grpSpPr>
-        <a:xfrm>
-          <a:off x="0" y="0"/>
-          <a:ext cx="0" cy="0"/>
-          <a:chOff x="0" y="0"/>
-          <a:chExt cx="0" cy="0"/>
-        </a:xfrm>
-      </p:grpSpPr>
-      <p:sp>
-        <p:nvSpPr>
-          <p:cNvPr id="506" name="Google Shape;506;g5d0e2d422d_4_0:notes"/>
-          <p:cNvSpPr/>
-          <p:nvPr>
-            <p:ph idx="2" type="sldImg"/>
-          </p:nvPr>
-        </p:nvSpPr>
-        <p:spPr>
-          <a:xfrm>
-            <a:off x="1143225" y="685800"/>
-            <a:ext cx="4572300" cy="3429000"/>
-          </a:xfrm>
-          <a:custGeom>
-            <a:rect b="b" l="l" r="r" t="t"/>
-            <a:pathLst>
-              <a:path extrusionOk="0" h="120000" w="120000">
-                <a:moveTo>
-                  <a:pt x="0" y="0"/>
-                </a:moveTo>
-                <a:lnTo>
-                  <a:pt x="120000" y="0"/>
-                </a:lnTo>
-                <a:lnTo>
-                  <a:pt x="120000" y="120000"/>
-                </a:lnTo>
-                <a:lnTo>
-                  <a:pt x="0" y="120000"/>
-                </a:lnTo>
-                <a:close/>
-              </a:path>
-            </a:pathLst>
-          </a:custGeom>
-        </p:spPr>
-      </p:sp>
-      <p:sp>
-        <p:nvSpPr>
-          <p:cNvPr id="507" name="Google Shape;507;g5d0e2d422d_4_0:notes"/>
-          <p:cNvSpPr txBox="1"/>
-          <p:nvPr>
-            <p:ph idx="1" type="body"/>
-          </p:nvPr>
-        </p:nvSpPr>
-        <p:spPr>
-          <a:xfrm>
-            <a:off x="685800" y="4343400"/>
-            <a:ext cx="5486400" cy="4114800"/>
-          </a:xfrm>
-          <a:prstGeom prst="rect">
-            <a:avLst/>
-          </a:prstGeom>
-        </p:spPr>
-        <p:txBody>
-          <a:bodyPr anchorCtr="0" anchor="t" bIns="91425" lIns="91425" spcFirstLastPara="1" rIns="91425" wrap="square" tIns="91425">
-            <a:noAutofit/>
-          </a:bodyPr>
-          <a:lstStyle/>
-          <a:p>
-            <a:pPr indent="0" lvl="0" marL="0" rtl="0" algn="l">
-              <a:spcBef>
-                <a:spcPts val="0"/>
-              </a:spcBef>
-              <a:spcAft>
-                <a:spcPts val="0"/>
-              </a:spcAft>
-              <a:buNone/>
-            </a:pPr>
-            <a:r>
-              <a:t/>
-            </a:r>
-            <a:endParaRPr/>
-          </a:p>
-        </p:txBody>
-      </p:sp>
-    </p:spTree>
-  </p:cSld>
-  <p:clrMapOvr>
-    <a:masterClrMapping/>
-  </p:clrMapOvr>
-</p:notes>
-</file>
-
-<file path=ppt/notesSlides/notesSlide41.xml><?xml version="1.0" encoding="utf-8"?>
-<p:notes xmlns:a="http://schemas.openxmlformats.org/drawingml/2006/main" xmlns:r="http://schemas.openxmlformats.org/officeDocument/2006/relationships" xmlns:mc="http://schemas.openxmlformats.org/markup-compatibility/2006" xmlns:mv="urn:schemas-microsoft-com:mac:vml" xmlns:p="http://schemas.openxmlformats.org/presentationml/2006/main" xmlns:c="http://schemas.openxmlformats.org/drawingml/2006/chart" xmlns:dgm="http://schemas.openxmlformats.org/drawingml/2006/diagram" xmlns:o="urn:schemas-microsoft-com:office:office" xmlns:v="urn:schemas-microsoft-com:vml" xmlns:pvml="urn:schemas-microsoft-com:office:powerpoint" xmlns:com="http://schemas.openxmlformats.org/drawingml/2006/compatibility" xmlns:p14="http://schemas.microsoft.com/office/powerpoint/2010/main" xmlns:p15="http://schemas.microsoft.com/office/powerpoint/2012/main" showMasterPhAnim="0" showMasterSp="0">
-  <p:cSld>
-    <p:spTree>
-      <p:nvGrpSpPr>
-        <p:cNvPr id="512" name="Shape 512"/>
-        <p:cNvGrpSpPr/>
-        <p:nvPr/>
-      </p:nvGrpSpPr>
-      <p:grpSpPr>
-        <a:xfrm>
-          <a:off x="0" y="0"/>
-          <a:ext cx="0" cy="0"/>
-          <a:chOff x="0" y="0"/>
-          <a:chExt cx="0" cy="0"/>
-        </a:xfrm>
-      </p:grpSpPr>
-      <p:sp>
-        <p:nvSpPr>
-          <p:cNvPr id="513" name="Google Shape;513;g5ceefdf5ba_0_0:notes"/>
-          <p:cNvSpPr/>
-          <p:nvPr>
-            <p:ph idx="2" type="sldImg"/>
-          </p:nvPr>
-        </p:nvSpPr>
-        <p:spPr>
-          <a:xfrm>
-            <a:off x="1143200" y="685800"/>
-            <a:ext cx="4572300" cy="3429000"/>
-          </a:xfrm>
-          <a:custGeom>
-            <a:rect b="b" l="l" r="r" t="t"/>
-            <a:pathLst>
-              <a:path extrusionOk="0" h="120000" w="120000">
-                <a:moveTo>
-                  <a:pt x="0" y="0"/>
-                </a:moveTo>
-                <a:lnTo>
-                  <a:pt x="120000" y="0"/>
-                </a:lnTo>
-                <a:lnTo>
-                  <a:pt x="120000" y="120000"/>
-                </a:lnTo>
-                <a:lnTo>
-                  <a:pt x="0" y="120000"/>
-                </a:lnTo>
-                <a:close/>
-              </a:path>
-            </a:pathLst>
-          </a:custGeom>
-        </p:spPr>
-      </p:sp>
-      <p:sp>
-        <p:nvSpPr>
-          <p:cNvPr id="514" name="Google Shape;514;g5ceefdf5ba_0_0:notes"/>
-          <p:cNvSpPr txBox="1"/>
-          <p:nvPr>
-            <p:ph idx="1" type="body"/>
-          </p:nvPr>
-        </p:nvSpPr>
-        <p:spPr>
-          <a:xfrm>
-            <a:off x="685800" y="4343400"/>
-            <a:ext cx="5486400" cy="4114800"/>
-          </a:xfrm>
-          <a:prstGeom prst="rect">
-            <a:avLst/>
-          </a:prstGeom>
-        </p:spPr>
-        <p:txBody>
-          <a:bodyPr anchorCtr="0" anchor="t" bIns="91425" lIns="91425" spcFirstLastPara="1" rIns="91425" wrap="square" tIns="91425">
-            <a:noAutofit/>
-          </a:bodyPr>
-          <a:lstStyle/>
-          <a:p>
-            <a:pPr indent="0" lvl="0" marL="0" rtl="0" algn="l">
-              <a:spcBef>
-                <a:spcPts val="0"/>
-              </a:spcBef>
-              <a:spcAft>
-                <a:spcPts val="0"/>
-              </a:spcAft>
-              <a:buNone/>
-            </a:pPr>
-            <a:r>
-              <a:t/>
             </a:r>
             <a:endParaRPr/>
           </a:p>
@@ -28436,8 +27858,8 @@
         </p:blipFill>
         <p:spPr>
           <a:xfrm>
-            <a:off x="1341004" y="3870647"/>
-            <a:ext cx="5840213" cy="921550"/>
+            <a:off x="1186974" y="3723926"/>
+            <a:ext cx="6770050" cy="1068275"/>
           </a:xfrm>
           <a:prstGeom prst="rect">
             <a:avLst/>
@@ -28520,8 +27942,8 @@
         </p:blipFill>
         <p:spPr>
           <a:xfrm>
-            <a:off x="3369550" y="4990271"/>
-            <a:ext cx="2664875" cy="1342850"/>
+            <a:off x="2970575" y="4982625"/>
+            <a:ext cx="3510900" cy="1769172"/>
           </a:xfrm>
           <a:prstGeom prst="rect">
             <a:avLst/>
@@ -28595,7 +28017,7 @@
                   <a:srgbClr val="CC0000"/>
                 </a:solidFill>
               </a:rPr>
-              <a:t>Backpropagation - A Simple Example</a:t>
+              <a:t>Backpropagation</a:t>
             </a:r>
             <a:endParaRPr sz="2400"/>
           </a:p>
@@ -28690,8 +28112,8 @@
         </p:nvSpPr>
         <p:spPr>
           <a:xfrm>
-            <a:off x="7566500" y="6168700"/>
-            <a:ext cx="953700" cy="442800"/>
+            <a:off x="6863650" y="6028500"/>
+            <a:ext cx="1740900" cy="582900"/>
           </a:xfrm>
           <a:prstGeom prst="rect">
             <a:avLst/>
@@ -28717,7 +28139,7 @@
               <a:buNone/>
             </a:pPr>
             <a:r>
-              <a:rPr lang="en-GB" sz="800" u="sng">
+              <a:rPr lang="en-GB" sz="1200" u="sng">
                 <a:solidFill>
                   <a:schemeClr val="hlink"/>
                 </a:solidFill>
@@ -28729,7 +28151,7 @@
               </a:rPr>
               <a:t>Youtube Source</a:t>
             </a:r>
-            <a:endParaRPr sz="800">
+            <a:endParaRPr sz="1200">
               <a:latin typeface="Source Sans Pro"/>
               <a:ea typeface="Source Sans Pro"/>
               <a:cs typeface="Source Sans Pro"/>
@@ -28754,92 +28176,8 @@
         </p:blipFill>
         <p:spPr>
           <a:xfrm>
-            <a:off x="5941837" y="3087875"/>
-            <a:ext cx="1883699" cy="2270099"/>
-          </a:xfrm>
-          <a:prstGeom prst="rect">
-            <a:avLst/>
-          </a:prstGeom>
-          <a:noFill/>
-          <a:ln>
-            <a:noFill/>
-          </a:ln>
-        </p:spPr>
-      </p:pic>
-      <p:pic>
-        <p:nvPicPr>
-          <p:cNvPr id="404" name="Google Shape;404;p62"/>
-          <p:cNvPicPr preferRelativeResize="0"/>
-          <p:nvPr/>
-        </p:nvPicPr>
-        <p:blipFill>
-          <a:blip r:embed="rId5">
-            <a:alphaModFix/>
-          </a:blip>
-          <a:stretch>
-            <a:fillRect/>
-          </a:stretch>
-        </p:blipFill>
-        <p:spPr>
-          <a:xfrm>
-            <a:off x="7226450" y="1596734"/>
-            <a:ext cx="503250" cy="480712"/>
-          </a:xfrm>
-          <a:prstGeom prst="rect">
-            <a:avLst/>
-          </a:prstGeom>
-          <a:noFill/>
-          <a:ln>
-            <a:noFill/>
-          </a:ln>
-        </p:spPr>
-      </p:pic>
-      <p:pic>
-        <p:nvPicPr>
-          <p:cNvPr id="405" name="Google Shape;405;p62"/>
-          <p:cNvPicPr preferRelativeResize="0"/>
-          <p:nvPr/>
-        </p:nvPicPr>
-        <p:blipFill>
-          <a:blip r:embed="rId6">
-            <a:alphaModFix/>
-          </a:blip>
-          <a:stretch>
-            <a:fillRect/>
-          </a:stretch>
-        </p:blipFill>
-        <p:spPr>
-          <a:xfrm>
-            <a:off x="5275784" y="1596726"/>
-            <a:ext cx="2911392" cy="1243300"/>
-          </a:xfrm>
-          <a:prstGeom prst="rect">
-            <a:avLst/>
-          </a:prstGeom>
-          <a:noFill/>
-          <a:ln>
-            <a:noFill/>
-          </a:ln>
-        </p:spPr>
-      </p:pic>
-      <p:pic>
-        <p:nvPicPr>
-          <p:cNvPr id="406" name="Google Shape;406;p62"/>
-          <p:cNvPicPr preferRelativeResize="0"/>
-          <p:nvPr/>
-        </p:nvPicPr>
-        <p:blipFill>
-          <a:blip r:embed="rId7">
-            <a:alphaModFix/>
-          </a:blip>
-          <a:stretch>
-            <a:fillRect/>
-          </a:stretch>
-        </p:blipFill>
-        <p:spPr>
-          <a:xfrm>
-            <a:off x="786150" y="1964351"/>
-            <a:ext cx="4190549" cy="3215875"/>
+            <a:off x="553113" y="1570226"/>
+            <a:ext cx="8399968" cy="4375974"/>
           </a:xfrm>
           <a:prstGeom prst="rect">
             <a:avLst/>
@@ -28863,7 +28201,7 @@
   <p:cSld>
     <p:spTree>
       <p:nvGrpSpPr>
-        <p:cNvPr id="410" name="Shape 410"/>
+        <p:cNvPr id="407" name="Shape 407"/>
         <p:cNvGrpSpPr/>
         <p:nvPr/>
       </p:nvGrpSpPr>
@@ -28877,7 +28215,7 @@
       </p:grpSpPr>
       <p:sp>
         <p:nvSpPr>
-          <p:cNvPr id="411" name="Google Shape;411;p63"/>
+          <p:cNvPr id="408" name="Google Shape;408;p63"/>
           <p:cNvSpPr txBox="1"/>
           <p:nvPr>
             <p:ph type="title"/>
@@ -28913,232 +28251,15 @@
                   <a:srgbClr val="CC0000"/>
                 </a:solidFill>
               </a:rPr>
-              <a:t>Backpropagation - A Simple Example</a:t>
-            </a:r>
-            <a:endParaRPr sz="2400"/>
+              <a:t>So Now What?</a:t>
+            </a:r>
+            <a:endParaRPr/>
           </a:p>
         </p:txBody>
       </p:sp>
       <p:sp>
         <p:nvSpPr>
-          <p:cNvPr id="412" name="Google Shape;412;p63"/>
-          <p:cNvSpPr txBox="1"/>
-          <p:nvPr>
-            <p:ph idx="4294967295" type="body"/>
-          </p:nvPr>
-        </p:nvSpPr>
-        <p:spPr>
-          <a:xfrm>
-            <a:off x="786150" y="1682267"/>
-            <a:ext cx="7571700" cy="4764900"/>
-          </a:xfrm>
-          <a:prstGeom prst="rect">
-            <a:avLst/>
-          </a:prstGeom>
-        </p:spPr>
-        <p:txBody>
-          <a:bodyPr anchorCtr="0" anchor="t" bIns="91425" lIns="91425" spcFirstLastPara="1" rIns="91425" wrap="square" tIns="91425">
-            <a:noAutofit/>
-          </a:bodyPr>
-          <a:lstStyle/>
-          <a:p>
-            <a:pPr indent="0" lvl="0" marL="0" rtl="0" algn="l">
-              <a:spcBef>
-                <a:spcPts val="0"/>
-              </a:spcBef>
-              <a:spcAft>
-                <a:spcPts val="0"/>
-              </a:spcAft>
-              <a:buNone/>
-            </a:pPr>
-            <a:r>
-              <a:rPr lang="en-GB" sz="1800">
-                <a:solidFill>
-                  <a:schemeClr val="dk1"/>
-                </a:solidFill>
-                <a:latin typeface="Roboto Slab"/>
-                <a:ea typeface="Roboto Slab"/>
-                <a:cs typeface="Roboto Slab"/>
-                <a:sym typeface="Roboto Slab"/>
-              </a:rPr>
-              <a:t>To compute the gradients that help update each parameter in the neural network, we </a:t>
-            </a:r>
-            <a:r>
-              <a:rPr lang="en-GB" sz="1800">
-                <a:solidFill>
-                  <a:schemeClr val="dk1"/>
-                </a:solidFill>
-                <a:latin typeface="Roboto Slab"/>
-                <a:ea typeface="Roboto Slab"/>
-                <a:cs typeface="Roboto Slab"/>
-                <a:sym typeface="Roboto Slab"/>
-              </a:rPr>
-              <a:t>Start from the output neuron of the NN:</a:t>
-            </a:r>
-            <a:endParaRPr sz="1800">
-              <a:solidFill>
-                <a:schemeClr val="dk1"/>
-              </a:solidFill>
-              <a:latin typeface="Roboto Slab"/>
-              <a:ea typeface="Roboto Slab"/>
-              <a:cs typeface="Roboto Slab"/>
-              <a:sym typeface="Roboto Slab"/>
-            </a:endParaRPr>
-          </a:p>
-          <a:p>
-            <a:pPr indent="0" lvl="0" marL="0" rtl="0" algn="l">
-              <a:spcBef>
-                <a:spcPts val="0"/>
-              </a:spcBef>
-              <a:spcAft>
-                <a:spcPts val="0"/>
-              </a:spcAft>
-              <a:buNone/>
-            </a:pPr>
-            <a:r>
-              <a:t/>
-            </a:r>
-            <a:endParaRPr sz="1800">
-              <a:solidFill>
-                <a:schemeClr val="dk1"/>
-              </a:solidFill>
-              <a:latin typeface="Roboto Slab"/>
-              <a:ea typeface="Roboto Slab"/>
-              <a:cs typeface="Roboto Slab"/>
-              <a:sym typeface="Roboto Slab"/>
-            </a:endParaRPr>
-          </a:p>
-          <a:p>
-            <a:pPr indent="0" lvl="0" marL="0" rtl="0" algn="l">
-              <a:spcBef>
-                <a:spcPts val="0"/>
-              </a:spcBef>
-              <a:spcAft>
-                <a:spcPts val="0"/>
-              </a:spcAft>
-              <a:buNone/>
-            </a:pPr>
-            <a:r>
-              <a:rPr lang="en-GB" sz="1800">
-                <a:solidFill>
-                  <a:schemeClr val="dk1"/>
-                </a:solidFill>
-                <a:latin typeface="Roboto Slab"/>
-                <a:ea typeface="Roboto Slab"/>
-                <a:cs typeface="Roboto Slab"/>
-                <a:sym typeface="Roboto Slab"/>
-              </a:rPr>
-              <a:t>Looking for the ratio, or the rate of change, that the weight w</a:t>
-            </a:r>
-            <a:r>
-              <a:rPr baseline="30000" lang="en-GB" sz="1800">
-                <a:solidFill>
-                  <a:schemeClr val="dk1"/>
-                </a:solidFill>
-                <a:latin typeface="Roboto Slab"/>
-                <a:ea typeface="Roboto Slab"/>
-                <a:cs typeface="Roboto Slab"/>
-                <a:sym typeface="Roboto Slab"/>
-              </a:rPr>
-              <a:t>L</a:t>
-            </a:r>
-            <a:r>
-              <a:rPr lang="en-GB" sz="1800">
-                <a:solidFill>
-                  <a:schemeClr val="dk1"/>
-                </a:solidFill>
-                <a:latin typeface="Roboto Slab"/>
-                <a:ea typeface="Roboto Slab"/>
-                <a:cs typeface="Roboto Slab"/>
-                <a:sym typeface="Roboto Slab"/>
-              </a:rPr>
-              <a:t> has on C</a:t>
-            </a:r>
-            <a:r>
-              <a:rPr baseline="-25000" lang="en-GB" sz="1800">
-                <a:solidFill>
-                  <a:schemeClr val="dk1"/>
-                </a:solidFill>
-                <a:latin typeface="Roboto Slab"/>
-                <a:ea typeface="Roboto Slab"/>
-                <a:cs typeface="Roboto Slab"/>
-                <a:sym typeface="Roboto Slab"/>
-              </a:rPr>
-              <a:t>0</a:t>
-            </a:r>
-            <a:r>
-              <a:rPr lang="en-GB" sz="1800">
-                <a:solidFill>
-                  <a:schemeClr val="dk1"/>
-                </a:solidFill>
-                <a:latin typeface="Roboto Slab"/>
-                <a:ea typeface="Roboto Slab"/>
-                <a:cs typeface="Roboto Slab"/>
-                <a:sym typeface="Roboto Slab"/>
-              </a:rPr>
-              <a:t>:</a:t>
-            </a:r>
-            <a:endParaRPr sz="1800">
-              <a:solidFill>
-                <a:schemeClr val="dk1"/>
-              </a:solidFill>
-              <a:latin typeface="Roboto Slab"/>
-              <a:ea typeface="Roboto Slab"/>
-              <a:cs typeface="Roboto Slab"/>
-              <a:sym typeface="Roboto Slab"/>
-            </a:endParaRPr>
-          </a:p>
-          <a:p>
-            <a:pPr indent="0" lvl="0" marL="0" rtl="0" algn="l">
-              <a:spcBef>
-                <a:spcPts val="0"/>
-              </a:spcBef>
-              <a:spcAft>
-                <a:spcPts val="0"/>
-              </a:spcAft>
-              <a:buNone/>
-            </a:pPr>
-            <a:r>
-              <a:t/>
-            </a:r>
-            <a:endParaRPr sz="1800">
-              <a:solidFill>
-                <a:schemeClr val="dk1"/>
-              </a:solidFill>
-              <a:latin typeface="Roboto Slab"/>
-              <a:ea typeface="Roboto Slab"/>
-              <a:cs typeface="Roboto Slab"/>
-              <a:sym typeface="Roboto Slab"/>
-            </a:endParaRPr>
-          </a:p>
-          <a:p>
-            <a:pPr indent="0" lvl="0" marL="0" rtl="0" algn="l">
-              <a:spcBef>
-                <a:spcPts val="0"/>
-              </a:spcBef>
-              <a:spcAft>
-                <a:spcPts val="0"/>
-              </a:spcAft>
-              <a:buNone/>
-            </a:pPr>
-            <a:r>
-              <a:t/>
-            </a:r>
-            <a:endParaRPr sz="1800">
-              <a:solidFill>
-                <a:schemeClr val="dk1"/>
-              </a:solidFill>
-              <a:latin typeface="Roboto Slab"/>
-              <a:ea typeface="Roboto Slab"/>
-              <a:cs typeface="Roboto Slab"/>
-              <a:sym typeface="Roboto Slab"/>
-            </a:endParaRPr>
-          </a:p>
-        </p:txBody>
-      </p:sp>
-      <p:sp>
-        <p:nvSpPr>
-          <p:cNvPr id="413" name="Google Shape;413;p63"/>
+          <p:cNvPr id="409" name="Google Shape;409;p63"/>
           <p:cNvSpPr txBox="1"/>
           <p:nvPr>
             <p:ph idx="12" type="sldNum"/>
@@ -29172,24 +28293,20 @@
               <a:rPr lang="en-GB"/>
               <a:t>‹#›</a:t>
             </a:fld>
-            <a:fld id="{00000000-1234-1234-1234-123412341234}" type="slidenum">
-              <a:rPr lang="en-GB"/>
-              <a:t>‹#›</a:t>
-            </a:fld>
             <a:endParaRPr/>
           </a:p>
         </p:txBody>
       </p:sp>
       <p:sp>
         <p:nvSpPr>
-          <p:cNvPr id="414" name="Google Shape;414;p63"/>
+          <p:cNvPr id="410" name="Google Shape;410;p63"/>
           <p:cNvSpPr txBox="1"/>
           <p:nvPr/>
         </p:nvSpPr>
         <p:spPr>
           <a:xfrm>
-            <a:off x="5442175" y="6028500"/>
-            <a:ext cx="3510900" cy="723300"/>
+            <a:off x="5499000" y="3002700"/>
+            <a:ext cx="3096000" cy="753600"/>
           </a:xfrm>
           <a:prstGeom prst="rect">
             <a:avLst/>
@@ -29217,20 +28334,20 @@
             <a:r>
               <a:t/>
             </a:r>
-            <a:endParaRPr sz="800"/>
+            <a:endParaRPr/>
           </a:p>
         </p:txBody>
       </p:sp>
       <p:sp>
         <p:nvSpPr>
-          <p:cNvPr id="415" name="Google Shape;415;p63"/>
+          <p:cNvPr id="411" name="Google Shape;411;p63"/>
           <p:cNvSpPr txBox="1"/>
           <p:nvPr/>
         </p:nvSpPr>
         <p:spPr>
           <a:xfrm>
-            <a:off x="7566500" y="6168700"/>
-            <a:ext cx="953700" cy="442800"/>
+            <a:off x="866050" y="1401179"/>
+            <a:ext cx="7052400" cy="4868400"/>
           </a:xfrm>
           <a:prstGeom prst="rect">
             <a:avLst/>
@@ -29246,45 +28363,449 @@
           </a:bodyPr>
           <a:lstStyle/>
           <a:p>
-            <a:pPr indent="0" lvl="0" marL="0" rtl="0" algn="l">
-              <a:spcBef>
-                <a:spcPts val="0"/>
-              </a:spcBef>
-              <a:spcAft>
-                <a:spcPts val="0"/>
-              </a:spcAft>
-              <a:buNone/>
-            </a:pPr>
-            <a:r>
-              <a:rPr lang="en-GB" sz="800" u="sng">
-                <a:solidFill>
-                  <a:schemeClr val="hlink"/>
-                </a:solidFill>
-                <a:latin typeface="Source Sans Pro"/>
-                <a:ea typeface="Source Sans Pro"/>
-                <a:cs typeface="Source Sans Pro"/>
-                <a:sym typeface="Source Sans Pro"/>
-                <a:hlinkClick r:id="rId3"/>
+            <a:pPr indent="0" lvl="0" marL="0" rtl="0" algn="just">
+              <a:spcBef>
+                <a:spcPts val="0"/>
+              </a:spcBef>
+              <a:spcAft>
+                <a:spcPts val="0"/>
+              </a:spcAft>
+              <a:buClr>
+                <a:schemeClr val="dk1"/>
+              </a:buClr>
+              <a:buSzPts val="1100"/>
+              <a:buFont typeface="Arial"/>
+              <a:buNone/>
+            </a:pPr>
+            <a:r>
+              <a:rPr lang="en-GB" sz="1800">
+                <a:solidFill>
+                  <a:schemeClr val="dk1"/>
+                </a:solidFill>
+                <a:latin typeface="Roboto Slab"/>
+                <a:ea typeface="Roboto Slab"/>
+                <a:cs typeface="Roboto Slab"/>
+                <a:sym typeface="Roboto Slab"/>
               </a:rPr>
-              <a:t>Youtube Source</a:t>
-            </a:r>
-            <a:endParaRPr sz="800">
-              <a:latin typeface="Source Sans Pro"/>
-              <a:ea typeface="Source Sans Pro"/>
-              <a:cs typeface="Source Sans Pro"/>
-              <a:sym typeface="Source Sans Pro"/>
+              <a:t>Initialize weights to small random numbers</a:t>
+            </a:r>
+            <a:endParaRPr sz="1800">
+              <a:solidFill>
+                <a:schemeClr val="dk1"/>
+              </a:solidFill>
+              <a:latin typeface="Roboto Slab"/>
+              <a:ea typeface="Roboto Slab"/>
+              <a:cs typeface="Roboto Slab"/>
+              <a:sym typeface="Roboto Slab"/>
+            </a:endParaRPr>
+          </a:p>
+          <a:p>
+            <a:pPr indent="0" lvl="0" marL="0" rtl="0" algn="just">
+              <a:spcBef>
+                <a:spcPts val="0"/>
+              </a:spcBef>
+              <a:spcAft>
+                <a:spcPts val="0"/>
+              </a:spcAft>
+              <a:buClr>
+                <a:schemeClr val="dk1"/>
+              </a:buClr>
+              <a:buSzPts val="1100"/>
+              <a:buFont typeface="Arial"/>
+              <a:buNone/>
+            </a:pPr>
+            <a:r>
+              <a:t/>
+            </a:r>
+            <a:endParaRPr sz="1800">
+              <a:solidFill>
+                <a:schemeClr val="dk1"/>
+              </a:solidFill>
+              <a:latin typeface="Roboto Slab"/>
+              <a:ea typeface="Roboto Slab"/>
+              <a:cs typeface="Roboto Slab"/>
+              <a:sym typeface="Roboto Slab"/>
+            </a:endParaRPr>
+          </a:p>
+          <a:p>
+            <a:pPr indent="0" lvl="0" marL="0" rtl="0" algn="just">
+              <a:spcBef>
+                <a:spcPts val="0"/>
+              </a:spcBef>
+              <a:spcAft>
+                <a:spcPts val="0"/>
+              </a:spcAft>
+              <a:buClr>
+                <a:schemeClr val="dk1"/>
+              </a:buClr>
+              <a:buSzPts val="1100"/>
+              <a:buFont typeface="Arial"/>
+              <a:buNone/>
+            </a:pPr>
+            <a:r>
+              <a:rPr lang="en-GB" sz="1800">
+                <a:solidFill>
+                  <a:schemeClr val="dk1"/>
+                </a:solidFill>
+                <a:latin typeface="Roboto Slab"/>
+                <a:ea typeface="Roboto Slab"/>
+                <a:cs typeface="Roboto Slab"/>
+                <a:sym typeface="Roboto Slab"/>
+              </a:rPr>
+              <a:t>Repeat following until convergence -</a:t>
+            </a:r>
+            <a:endParaRPr sz="1800">
+              <a:solidFill>
+                <a:schemeClr val="dk1"/>
+              </a:solidFill>
+              <a:latin typeface="Roboto Slab"/>
+              <a:ea typeface="Roboto Slab"/>
+              <a:cs typeface="Roboto Slab"/>
+              <a:sym typeface="Roboto Slab"/>
+            </a:endParaRPr>
+          </a:p>
+          <a:p>
+            <a:pPr indent="-342900" lvl="0" marL="457200" rtl="0" algn="just">
+              <a:spcBef>
+                <a:spcPts val="0"/>
+              </a:spcBef>
+              <a:spcAft>
+                <a:spcPts val="0"/>
+              </a:spcAft>
+              <a:buClr>
+                <a:schemeClr val="dk1"/>
+              </a:buClr>
+              <a:buSzPts val="1800"/>
+              <a:buFont typeface="Roboto Slab"/>
+              <a:buAutoNum type="arabicPeriod"/>
+            </a:pPr>
+            <a:r>
+              <a:rPr lang="en-GB" sz="1800">
+                <a:solidFill>
+                  <a:schemeClr val="dk1"/>
+                </a:solidFill>
+                <a:latin typeface="Roboto Slab"/>
+                <a:ea typeface="Roboto Slab"/>
+                <a:cs typeface="Roboto Slab"/>
+                <a:sym typeface="Roboto Slab"/>
+              </a:rPr>
+              <a:t>Forward pass</a:t>
+            </a:r>
+            <a:endParaRPr sz="1800">
+              <a:solidFill>
+                <a:schemeClr val="dk1"/>
+              </a:solidFill>
+              <a:latin typeface="Roboto Slab"/>
+              <a:ea typeface="Roboto Slab"/>
+              <a:cs typeface="Roboto Slab"/>
+              <a:sym typeface="Roboto Slab"/>
+            </a:endParaRPr>
+          </a:p>
+          <a:p>
+            <a:pPr indent="-342900" lvl="0" marL="457200" rtl="0" algn="just">
+              <a:spcBef>
+                <a:spcPts val="0"/>
+              </a:spcBef>
+              <a:spcAft>
+                <a:spcPts val="0"/>
+              </a:spcAft>
+              <a:buClr>
+                <a:schemeClr val="dk1"/>
+              </a:buClr>
+              <a:buSzPts val="1800"/>
+              <a:buFont typeface="Roboto Slab"/>
+              <a:buAutoNum type="arabicPeriod"/>
+            </a:pPr>
+            <a:r>
+              <a:rPr lang="en-GB" sz="1800">
+                <a:solidFill>
+                  <a:schemeClr val="dk1"/>
+                </a:solidFill>
+                <a:latin typeface="Roboto Slab"/>
+                <a:ea typeface="Roboto Slab"/>
+                <a:cs typeface="Roboto Slab"/>
+                <a:sym typeface="Roboto Slab"/>
+              </a:rPr>
+              <a:t>Backpropagation</a:t>
+            </a:r>
+            <a:endParaRPr sz="1800">
+              <a:solidFill>
+                <a:schemeClr val="dk1"/>
+              </a:solidFill>
+              <a:latin typeface="Roboto Slab"/>
+              <a:ea typeface="Roboto Slab"/>
+              <a:cs typeface="Roboto Slab"/>
+              <a:sym typeface="Roboto Slab"/>
+            </a:endParaRPr>
+          </a:p>
+          <a:p>
+            <a:pPr indent="-342900" lvl="1" marL="914400" rtl="0" algn="just">
+              <a:spcBef>
+                <a:spcPts val="0"/>
+              </a:spcBef>
+              <a:spcAft>
+                <a:spcPts val="0"/>
+              </a:spcAft>
+              <a:buClr>
+                <a:schemeClr val="dk1"/>
+              </a:buClr>
+              <a:buSzPts val="1800"/>
+              <a:buFont typeface="Roboto Slab"/>
+              <a:buAutoNum type="alphaLcPeriod"/>
+            </a:pPr>
+            <a:r>
+              <a:rPr lang="en-GB" sz="1800">
+                <a:solidFill>
+                  <a:schemeClr val="dk1"/>
+                </a:solidFill>
+                <a:latin typeface="Roboto Slab"/>
+                <a:ea typeface="Roboto Slab"/>
+                <a:cs typeface="Roboto Slab"/>
+                <a:sym typeface="Roboto Slab"/>
+              </a:rPr>
+              <a:t>Compute share of error at the output unit</a:t>
+            </a:r>
+            <a:endParaRPr sz="1800">
+              <a:solidFill>
+                <a:schemeClr val="dk1"/>
+              </a:solidFill>
+              <a:latin typeface="Roboto Slab"/>
+              <a:ea typeface="Roboto Slab"/>
+              <a:cs typeface="Roboto Slab"/>
+              <a:sym typeface="Roboto Slab"/>
+            </a:endParaRPr>
+          </a:p>
+          <a:p>
+            <a:pPr indent="-342900" lvl="1" marL="914400" rtl="0" algn="just">
+              <a:spcBef>
+                <a:spcPts val="0"/>
+              </a:spcBef>
+              <a:spcAft>
+                <a:spcPts val="0"/>
+              </a:spcAft>
+              <a:buClr>
+                <a:schemeClr val="dk1"/>
+              </a:buClr>
+              <a:buSzPts val="1800"/>
+              <a:buFont typeface="Roboto Slab"/>
+              <a:buAutoNum type="alphaLcPeriod"/>
+            </a:pPr>
+            <a:r>
+              <a:rPr lang="en-GB" sz="1800">
+                <a:solidFill>
+                  <a:schemeClr val="dk1"/>
+                </a:solidFill>
+                <a:latin typeface="Roboto Slab"/>
+                <a:ea typeface="Roboto Slab"/>
+                <a:cs typeface="Roboto Slab"/>
+                <a:sym typeface="Roboto Slab"/>
+              </a:rPr>
+              <a:t>Propagate share of error for hidden units </a:t>
+            </a:r>
+            <a:endParaRPr sz="1800">
+              <a:solidFill>
+                <a:schemeClr val="dk1"/>
+              </a:solidFill>
+              <a:latin typeface="Roboto Slab"/>
+              <a:ea typeface="Roboto Slab"/>
+              <a:cs typeface="Roboto Slab"/>
+              <a:sym typeface="Roboto Slab"/>
+            </a:endParaRPr>
+          </a:p>
+          <a:p>
+            <a:pPr indent="-342900" lvl="0" marL="457200" rtl="0" algn="just">
+              <a:spcBef>
+                <a:spcPts val="0"/>
+              </a:spcBef>
+              <a:spcAft>
+                <a:spcPts val="0"/>
+              </a:spcAft>
+              <a:buClr>
+                <a:schemeClr val="dk1"/>
+              </a:buClr>
+              <a:buSzPts val="1800"/>
+              <a:buFont typeface="Roboto Slab"/>
+              <a:buAutoNum type="arabicPeriod"/>
+            </a:pPr>
+            <a:r>
+              <a:rPr b="1" lang="en-GB" sz="1800">
+                <a:solidFill>
+                  <a:schemeClr val="dk1"/>
+                </a:solidFill>
+                <a:latin typeface="Roboto Slab"/>
+                <a:ea typeface="Roboto Slab"/>
+                <a:cs typeface="Roboto Slab"/>
+                <a:sym typeface="Roboto Slab"/>
+              </a:rPr>
+              <a:t>Gradient Descent: Update each network weight based on gradient</a:t>
+            </a:r>
+            <a:endParaRPr b="1" sz="1800">
+              <a:solidFill>
+                <a:schemeClr val="dk1"/>
+              </a:solidFill>
+              <a:latin typeface="Roboto Slab"/>
+              <a:ea typeface="Roboto Slab"/>
+              <a:cs typeface="Roboto Slab"/>
+              <a:sym typeface="Roboto Slab"/>
+            </a:endParaRPr>
+          </a:p>
+          <a:p>
+            <a:pPr indent="0" lvl="0" marL="0" rtl="0" algn="just">
+              <a:spcBef>
+                <a:spcPts val="0"/>
+              </a:spcBef>
+              <a:spcAft>
+                <a:spcPts val="0"/>
+              </a:spcAft>
+              <a:buNone/>
+            </a:pPr>
+            <a:r>
+              <a:t/>
+            </a:r>
+            <a:endParaRPr sz="1800">
+              <a:solidFill>
+                <a:schemeClr val="dk1"/>
+              </a:solidFill>
+              <a:latin typeface="Roboto Slab"/>
+              <a:ea typeface="Roboto Slab"/>
+              <a:cs typeface="Roboto Slab"/>
+              <a:sym typeface="Roboto Slab"/>
+            </a:endParaRPr>
+          </a:p>
+          <a:p>
+            <a:pPr indent="0" lvl="0" marL="0" rtl="0" algn="just">
+              <a:spcBef>
+                <a:spcPts val="0"/>
+              </a:spcBef>
+              <a:spcAft>
+                <a:spcPts val="0"/>
+              </a:spcAft>
+              <a:buNone/>
+            </a:pPr>
+            <a:r>
+              <a:t/>
+            </a:r>
+            <a:endParaRPr sz="1800">
+              <a:solidFill>
+                <a:schemeClr val="dk1"/>
+              </a:solidFill>
+              <a:latin typeface="Roboto Slab"/>
+              <a:ea typeface="Roboto Slab"/>
+              <a:cs typeface="Roboto Slab"/>
+              <a:sym typeface="Roboto Slab"/>
+            </a:endParaRPr>
+          </a:p>
+          <a:p>
+            <a:pPr indent="0" lvl="0" marL="0" rtl="0" algn="just">
+              <a:spcBef>
+                <a:spcPts val="0"/>
+              </a:spcBef>
+              <a:spcAft>
+                <a:spcPts val="0"/>
+              </a:spcAft>
+              <a:buNone/>
+            </a:pPr>
+            <a:r>
+              <a:t/>
+            </a:r>
+            <a:endParaRPr sz="1800">
+              <a:solidFill>
+                <a:schemeClr val="dk1"/>
+              </a:solidFill>
+              <a:latin typeface="Roboto Slab"/>
+              <a:ea typeface="Roboto Slab"/>
+              <a:cs typeface="Roboto Slab"/>
+              <a:sym typeface="Roboto Slab"/>
+            </a:endParaRPr>
+          </a:p>
+          <a:p>
+            <a:pPr indent="0" lvl="0" marL="0" rtl="0" algn="just">
+              <a:spcBef>
+                <a:spcPts val="0"/>
+              </a:spcBef>
+              <a:spcAft>
+                <a:spcPts val="0"/>
+              </a:spcAft>
+              <a:buNone/>
+            </a:pPr>
+            <a:r>
+              <a:t/>
+            </a:r>
+            <a:endParaRPr sz="1800">
+              <a:solidFill>
+                <a:schemeClr val="dk1"/>
+              </a:solidFill>
+              <a:latin typeface="Roboto Slab"/>
+              <a:ea typeface="Roboto Slab"/>
+              <a:cs typeface="Roboto Slab"/>
+              <a:sym typeface="Roboto Slab"/>
+            </a:endParaRPr>
+          </a:p>
+          <a:p>
+            <a:pPr indent="0" lvl="0" marL="0" rtl="0" algn="just">
+              <a:spcBef>
+                <a:spcPts val="0"/>
+              </a:spcBef>
+              <a:spcAft>
+                <a:spcPts val="0"/>
+              </a:spcAft>
+              <a:buNone/>
+            </a:pPr>
+            <a:r>
+              <a:t/>
+            </a:r>
+            <a:endParaRPr sz="1800">
+              <a:solidFill>
+                <a:schemeClr val="dk1"/>
+              </a:solidFill>
+              <a:latin typeface="Roboto Slab"/>
+              <a:ea typeface="Roboto Slab"/>
+              <a:cs typeface="Roboto Slab"/>
+              <a:sym typeface="Roboto Slab"/>
+            </a:endParaRPr>
+          </a:p>
+          <a:p>
+            <a:pPr indent="0" lvl="0" marL="0" rtl="0" algn="just">
+              <a:spcBef>
+                <a:spcPts val="0"/>
+              </a:spcBef>
+              <a:spcAft>
+                <a:spcPts val="0"/>
+              </a:spcAft>
+              <a:buNone/>
+            </a:pPr>
+            <a:r>
+              <a:rPr lang="en-GB" sz="1800">
+                <a:solidFill>
+                  <a:schemeClr val="dk1"/>
+                </a:solidFill>
+                <a:latin typeface="Roboto Slab"/>
+                <a:ea typeface="Roboto Slab"/>
+                <a:cs typeface="Roboto Slab"/>
+                <a:sym typeface="Roboto Slab"/>
+              </a:rPr>
+              <a:t>α is the “learning” rate - we want to choose a low value so that the weight update doesn’t oscillate the network too much (weights will not converge to optimal value)</a:t>
+            </a:r>
+            <a:endParaRPr sz="1800">
+              <a:solidFill>
+                <a:schemeClr val="dk1"/>
+              </a:solidFill>
+              <a:latin typeface="Roboto Slab"/>
+              <a:ea typeface="Roboto Slab"/>
+              <a:cs typeface="Roboto Slab"/>
+              <a:sym typeface="Roboto Slab"/>
             </a:endParaRPr>
           </a:p>
         </p:txBody>
       </p:sp>
       <p:pic>
         <p:nvPicPr>
-          <p:cNvPr id="416" name="Google Shape;416;p63"/>
+          <p:cNvPr id="412" name="Google Shape;412;p63"/>
           <p:cNvPicPr preferRelativeResize="0"/>
           <p:nvPr/>
         </p:nvPicPr>
         <p:blipFill>
-          <a:blip r:embed="rId4">
+          <a:blip r:embed="rId3">
             <a:alphaModFix/>
           </a:blip>
           <a:stretch>
@@ -29293,71 +28814,21 @@
         </p:blipFill>
         <p:spPr>
           <a:xfrm>
-            <a:off x="5168000" y="3327250"/>
-            <a:ext cx="2010483" cy="2422849"/>
+            <a:off x="1782175" y="4241327"/>
+            <a:ext cx="3096000" cy="846298"/>
           </a:xfrm>
           <a:prstGeom prst="rect">
             <a:avLst/>
           </a:prstGeom>
           <a:noFill/>
-          <a:ln>
-            <a:noFill/>
-          </a:ln>
-        </p:spPr>
-      </p:pic>
-      <p:pic>
-        <p:nvPicPr>
-          <p:cNvPr id="417" name="Google Shape;417;p63"/>
-          <p:cNvPicPr preferRelativeResize="0"/>
-          <p:nvPr/>
-        </p:nvPicPr>
-        <p:blipFill>
-          <a:blip r:embed="rId5">
-            <a:alphaModFix/>
-          </a:blip>
-          <a:stretch>
-            <a:fillRect/>
-          </a:stretch>
-        </p:blipFill>
-        <p:spPr>
-          <a:xfrm>
-            <a:off x="1636400" y="2574453"/>
-            <a:ext cx="548700" cy="524124"/>
-          </a:xfrm>
-          <a:prstGeom prst="rect">
-            <a:avLst/>
-          </a:prstGeom>
-          <a:noFill/>
-          <a:ln>
-            <a:noFill/>
-          </a:ln>
-        </p:spPr>
-      </p:pic>
-      <p:pic>
-        <p:nvPicPr>
-          <p:cNvPr id="418" name="Google Shape;418;p63"/>
-          <p:cNvPicPr preferRelativeResize="0"/>
-          <p:nvPr/>
-        </p:nvPicPr>
-        <p:blipFill>
-          <a:blip r:embed="rId6">
-            <a:alphaModFix/>
-          </a:blip>
-          <a:stretch>
-            <a:fillRect/>
-          </a:stretch>
-        </p:blipFill>
-        <p:spPr>
-          <a:xfrm>
-            <a:off x="1349475" y="3327251"/>
-            <a:ext cx="3157201" cy="2422850"/>
-          </a:xfrm>
-          <a:prstGeom prst="rect">
-            <a:avLst/>
-          </a:prstGeom>
-          <a:noFill/>
-          <a:ln>
-            <a:noFill/>
+          <a:ln cap="flat" cmpd="sng" w="9525">
+            <a:solidFill>
+              <a:srgbClr val="FF0000"/>
+            </a:solidFill>
+            <a:prstDash val="solid"/>
+            <a:round/>
+            <a:headEnd len="sm" w="sm" type="none"/>
+            <a:tailEnd len="sm" w="sm" type="none"/>
           </a:ln>
         </p:spPr>
       </p:pic>
@@ -29732,7 +29203,7 @@
   <p:cSld>
     <p:spTree>
       <p:nvGrpSpPr>
-        <p:cNvPr id="422" name="Shape 422"/>
+        <p:cNvPr id="416" name="Shape 416"/>
         <p:cNvGrpSpPr/>
         <p:nvPr/>
       </p:nvGrpSpPr>
@@ -29746,7 +29217,385 @@
       </p:grpSpPr>
       <p:sp>
         <p:nvSpPr>
-          <p:cNvPr id="423" name="Google Shape;423;p64"/>
+          <p:cNvPr id="417" name="Google Shape;417;p64"/>
+          <p:cNvSpPr txBox="1"/>
+          <p:nvPr>
+            <p:ph idx="12" type="sldNum"/>
+          </p:nvPr>
+        </p:nvSpPr>
+        <p:spPr>
+          <a:xfrm>
+            <a:off x="8404384" y="6333134"/>
+            <a:ext cx="548700" cy="524700"/>
+          </a:xfrm>
+          <a:prstGeom prst="rect">
+            <a:avLst/>
+          </a:prstGeom>
+        </p:spPr>
+        <p:txBody>
+          <a:bodyPr anchorCtr="0" anchor="t" bIns="91425" lIns="91425" spcFirstLastPara="1" rIns="91425" wrap="square" tIns="91425">
+            <a:noAutofit/>
+          </a:bodyPr>
+          <a:lstStyle/>
+          <a:p>
+            <a:pPr indent="0" lvl="0" marL="0" rtl="0" algn="r">
+              <a:spcBef>
+                <a:spcPts val="0"/>
+              </a:spcBef>
+              <a:spcAft>
+                <a:spcPts val="0"/>
+              </a:spcAft>
+              <a:buNone/>
+            </a:pPr>
+            <a:fld id="{00000000-1234-1234-1234-123412341234}" type="slidenum">
+              <a:rPr lang="en-GB"/>
+              <a:t>‹#›</a:t>
+            </a:fld>
+            <a:endParaRPr/>
+          </a:p>
+        </p:txBody>
+      </p:sp>
+      <p:sp>
+        <p:nvSpPr>
+          <p:cNvPr id="418" name="Google Shape;418;p64"/>
+          <p:cNvSpPr txBox="1"/>
+          <p:nvPr/>
+        </p:nvSpPr>
+        <p:spPr>
+          <a:xfrm>
+            <a:off x="5499000" y="3002700"/>
+            <a:ext cx="3096000" cy="753600"/>
+          </a:xfrm>
+          <a:prstGeom prst="rect">
+            <a:avLst/>
+          </a:prstGeom>
+          <a:noFill/>
+          <a:ln>
+            <a:noFill/>
+          </a:ln>
+        </p:spPr>
+        <p:txBody>
+          <a:bodyPr anchorCtr="0" anchor="t" bIns="91425" lIns="91425" spcFirstLastPara="1" rIns="91425" wrap="square" tIns="91425">
+            <a:noAutofit/>
+          </a:bodyPr>
+          <a:lstStyle/>
+          <a:p>
+            <a:pPr indent="0" lvl="0" marL="0" rtl="0" algn="l">
+              <a:spcBef>
+                <a:spcPts val="0"/>
+              </a:spcBef>
+              <a:spcAft>
+                <a:spcPts val="0"/>
+              </a:spcAft>
+              <a:buNone/>
+            </a:pPr>
+            <a:r>
+              <a:t/>
+            </a:r>
+            <a:endParaRPr/>
+          </a:p>
+        </p:txBody>
+      </p:sp>
+      <p:sp>
+        <p:nvSpPr>
+          <p:cNvPr id="419" name="Google Shape;419;p64"/>
+          <p:cNvSpPr txBox="1"/>
+          <p:nvPr/>
+        </p:nvSpPr>
+        <p:spPr>
+          <a:xfrm>
+            <a:off x="786150" y="1856825"/>
+            <a:ext cx="7142700" cy="4476300"/>
+          </a:xfrm>
+          <a:prstGeom prst="rect">
+            <a:avLst/>
+          </a:prstGeom>
+          <a:noFill/>
+          <a:ln>
+            <a:noFill/>
+          </a:ln>
+        </p:spPr>
+        <p:txBody>
+          <a:bodyPr anchorCtr="0" anchor="t" bIns="91425" lIns="91425" spcFirstLastPara="1" rIns="91425" wrap="square" tIns="91425">
+            <a:noAutofit/>
+          </a:bodyPr>
+          <a:lstStyle/>
+          <a:p>
+            <a:pPr indent="0" lvl="0" marL="0" rtl="0" algn="l">
+              <a:spcBef>
+                <a:spcPts val="0"/>
+              </a:spcBef>
+              <a:spcAft>
+                <a:spcPts val="0"/>
+              </a:spcAft>
+              <a:buNone/>
+            </a:pPr>
+            <a:r>
+              <a:rPr b="1" lang="en-GB" sz="1800">
+                <a:latin typeface="Roboto Slab"/>
+                <a:ea typeface="Roboto Slab"/>
+                <a:cs typeface="Roboto Slab"/>
+                <a:sym typeface="Roboto Slab"/>
+              </a:rPr>
+              <a:t>Stochastic Gradient Descent</a:t>
+            </a:r>
+            <a:r>
+              <a:rPr lang="en-GB" sz="1800">
+                <a:latin typeface="Roboto Slab"/>
+                <a:ea typeface="Roboto Slab"/>
+                <a:cs typeface="Roboto Slab"/>
+                <a:sym typeface="Roboto Slab"/>
+              </a:rPr>
+              <a:t>: compute error using a single sample at a time, update weights, repeat</a:t>
+            </a:r>
+            <a:endParaRPr sz="1800">
+              <a:latin typeface="Roboto Slab"/>
+              <a:ea typeface="Roboto Slab"/>
+              <a:cs typeface="Roboto Slab"/>
+              <a:sym typeface="Roboto Slab"/>
+            </a:endParaRPr>
+          </a:p>
+          <a:p>
+            <a:pPr indent="0" lvl="0" marL="0" rtl="0" algn="l">
+              <a:spcBef>
+                <a:spcPts val="0"/>
+              </a:spcBef>
+              <a:spcAft>
+                <a:spcPts val="0"/>
+              </a:spcAft>
+              <a:buNone/>
+            </a:pPr>
+            <a:r>
+              <a:t/>
+            </a:r>
+            <a:endParaRPr sz="1800">
+              <a:latin typeface="Roboto Slab"/>
+              <a:ea typeface="Roboto Slab"/>
+              <a:cs typeface="Roboto Slab"/>
+              <a:sym typeface="Roboto Slab"/>
+            </a:endParaRPr>
+          </a:p>
+          <a:p>
+            <a:pPr indent="0" lvl="0" marL="0" rtl="0" algn="l">
+              <a:spcBef>
+                <a:spcPts val="0"/>
+              </a:spcBef>
+              <a:spcAft>
+                <a:spcPts val="0"/>
+              </a:spcAft>
+              <a:buNone/>
+            </a:pPr>
+            <a:r>
+              <a:t/>
+            </a:r>
+            <a:endParaRPr sz="1800">
+              <a:latin typeface="Roboto Slab"/>
+              <a:ea typeface="Roboto Slab"/>
+              <a:cs typeface="Roboto Slab"/>
+              <a:sym typeface="Roboto Slab"/>
+            </a:endParaRPr>
+          </a:p>
+          <a:p>
+            <a:pPr indent="0" lvl="0" marL="0" rtl="0" algn="l">
+              <a:spcBef>
+                <a:spcPts val="0"/>
+              </a:spcBef>
+              <a:spcAft>
+                <a:spcPts val="0"/>
+              </a:spcAft>
+              <a:buNone/>
+            </a:pPr>
+            <a:r>
+              <a:rPr b="1" lang="en-GB" sz="1800">
+                <a:latin typeface="Roboto Slab"/>
+                <a:ea typeface="Roboto Slab"/>
+                <a:cs typeface="Roboto Slab"/>
+                <a:sym typeface="Roboto Slab"/>
+              </a:rPr>
+              <a:t>Batch Gradient Descent</a:t>
+            </a:r>
+            <a:r>
+              <a:rPr lang="en-GB" sz="1800">
+                <a:latin typeface="Roboto Slab"/>
+                <a:ea typeface="Roboto Slab"/>
+                <a:cs typeface="Roboto Slab"/>
+                <a:sym typeface="Roboto Slab"/>
+              </a:rPr>
+              <a:t>: compute error on all examples, update weights based on error, repeat</a:t>
+            </a:r>
+            <a:endParaRPr sz="1800">
+              <a:latin typeface="Roboto Slab"/>
+              <a:ea typeface="Roboto Slab"/>
+              <a:cs typeface="Roboto Slab"/>
+              <a:sym typeface="Roboto Slab"/>
+            </a:endParaRPr>
+          </a:p>
+          <a:p>
+            <a:pPr indent="0" lvl="0" marL="0" rtl="0" algn="l">
+              <a:spcBef>
+                <a:spcPts val="0"/>
+              </a:spcBef>
+              <a:spcAft>
+                <a:spcPts val="0"/>
+              </a:spcAft>
+              <a:buNone/>
+            </a:pPr>
+            <a:r>
+              <a:t/>
+            </a:r>
+            <a:endParaRPr sz="1800">
+              <a:latin typeface="Roboto Slab"/>
+              <a:ea typeface="Roboto Slab"/>
+              <a:cs typeface="Roboto Slab"/>
+              <a:sym typeface="Roboto Slab"/>
+            </a:endParaRPr>
+          </a:p>
+          <a:p>
+            <a:pPr indent="0" lvl="0" marL="0" rtl="0" algn="l">
+              <a:spcBef>
+                <a:spcPts val="0"/>
+              </a:spcBef>
+              <a:spcAft>
+                <a:spcPts val="0"/>
+              </a:spcAft>
+              <a:buNone/>
+            </a:pPr>
+            <a:r>
+              <a:t/>
+            </a:r>
+            <a:endParaRPr sz="1800">
+              <a:latin typeface="Roboto Slab"/>
+              <a:ea typeface="Roboto Slab"/>
+              <a:cs typeface="Roboto Slab"/>
+              <a:sym typeface="Roboto Slab"/>
+            </a:endParaRPr>
+          </a:p>
+          <a:p>
+            <a:pPr indent="0" lvl="0" marL="0" rtl="0" algn="l">
+              <a:spcBef>
+                <a:spcPts val="0"/>
+              </a:spcBef>
+              <a:spcAft>
+                <a:spcPts val="0"/>
+              </a:spcAft>
+              <a:buNone/>
+            </a:pPr>
+            <a:r>
+              <a:rPr b="1" lang="en-GB" sz="1800">
+                <a:latin typeface="Roboto Slab"/>
+                <a:ea typeface="Roboto Slab"/>
+                <a:cs typeface="Roboto Slab"/>
+                <a:sym typeface="Roboto Slab"/>
+              </a:rPr>
+              <a:t>Mini-batch Gradient Descent</a:t>
+            </a:r>
+            <a:r>
+              <a:rPr lang="en-GB" sz="1800">
+                <a:latin typeface="Roboto Slab"/>
+                <a:ea typeface="Roboto Slab"/>
+                <a:cs typeface="Roboto Slab"/>
+                <a:sym typeface="Roboto Slab"/>
+              </a:rPr>
+              <a:t>: randomly select a subset from the training data, calculate error on subset, update weights, repeat</a:t>
+            </a:r>
+            <a:endParaRPr sz="1800">
+              <a:latin typeface="Roboto Slab"/>
+              <a:ea typeface="Roboto Slab"/>
+              <a:cs typeface="Roboto Slab"/>
+              <a:sym typeface="Roboto Slab"/>
+            </a:endParaRPr>
+          </a:p>
+          <a:p>
+            <a:pPr indent="0" lvl="0" marL="0" rtl="0" algn="l">
+              <a:spcBef>
+                <a:spcPts val="0"/>
+              </a:spcBef>
+              <a:spcAft>
+                <a:spcPts val="0"/>
+              </a:spcAft>
+              <a:buNone/>
+            </a:pPr>
+            <a:r>
+              <a:t/>
+            </a:r>
+            <a:endParaRPr sz="1800">
+              <a:latin typeface="Roboto Slab"/>
+              <a:ea typeface="Roboto Slab"/>
+              <a:cs typeface="Roboto Slab"/>
+              <a:sym typeface="Roboto Slab"/>
+            </a:endParaRPr>
+          </a:p>
+          <a:p>
+            <a:pPr indent="0" lvl="0" marL="0" rtl="0" algn="l">
+              <a:spcBef>
+                <a:spcPts val="0"/>
+              </a:spcBef>
+              <a:spcAft>
+                <a:spcPts val="0"/>
+              </a:spcAft>
+              <a:buNone/>
+            </a:pPr>
+            <a:r>
+              <a:rPr lang="en-GB" sz="1800">
+                <a:latin typeface="Roboto Slab"/>
+                <a:ea typeface="Roboto Slab"/>
+                <a:cs typeface="Roboto Slab"/>
+                <a:sym typeface="Roboto Slab"/>
+              </a:rPr>
+              <a:t>** Most Commonly Done in Practice </a:t>
+            </a:r>
+            <a:endParaRPr sz="1800">
+              <a:latin typeface="Roboto Slab"/>
+              <a:ea typeface="Roboto Slab"/>
+              <a:cs typeface="Roboto Slab"/>
+              <a:sym typeface="Roboto Slab"/>
+            </a:endParaRPr>
+          </a:p>
+          <a:p>
+            <a:pPr indent="0" lvl="0" marL="0" rtl="0" algn="l">
+              <a:spcBef>
+                <a:spcPts val="0"/>
+              </a:spcBef>
+              <a:spcAft>
+                <a:spcPts val="0"/>
+              </a:spcAft>
+              <a:buNone/>
+            </a:pPr>
+            <a:r>
+              <a:t/>
+            </a:r>
+            <a:endParaRPr sz="1800">
+              <a:latin typeface="Roboto Slab"/>
+              <a:ea typeface="Roboto Slab"/>
+              <a:cs typeface="Roboto Slab"/>
+              <a:sym typeface="Roboto Slab"/>
+            </a:endParaRPr>
+          </a:p>
+          <a:p>
+            <a:pPr indent="0" lvl="0" marL="0" rtl="0" algn="l">
+              <a:spcBef>
+                <a:spcPts val="0"/>
+              </a:spcBef>
+              <a:spcAft>
+                <a:spcPts val="0"/>
+              </a:spcAft>
+              <a:buNone/>
+            </a:pPr>
+            <a:r>
+              <a:t/>
+            </a:r>
+            <a:endParaRPr sz="1800">
+              <a:latin typeface="Roboto Slab"/>
+              <a:ea typeface="Roboto Slab"/>
+              <a:cs typeface="Roboto Slab"/>
+              <a:sym typeface="Roboto Slab"/>
+            </a:endParaRPr>
+          </a:p>
+        </p:txBody>
+      </p:sp>
+      <p:sp>
+        <p:nvSpPr>
+          <p:cNvPr id="420" name="Google Shape;420;p64"/>
           <p:cNvSpPr txBox="1"/>
           <p:nvPr>
             <p:ph type="title"/>
@@ -29782,7 +29631,76 @@
                   <a:srgbClr val="CC0000"/>
                 </a:solidFill>
               </a:rPr>
-              <a:t>Backpropagation - A Simple Example</a:t>
+              <a:t>Forms of Gradient Descent</a:t>
+            </a:r>
+            <a:endParaRPr/>
+          </a:p>
+        </p:txBody>
+      </p:sp>
+    </p:spTree>
+  </p:cSld>
+  <p:clrMapOvr>
+    <a:masterClrMapping/>
+  </p:clrMapOvr>
+</p:sld>
+</file>
+
+<file path=ppt/slides/slide31.xml><?xml version="1.0" encoding="utf-8"?>
+<p:sld xmlns:a="http://schemas.openxmlformats.org/drawingml/2006/main" xmlns:r="http://schemas.openxmlformats.org/officeDocument/2006/relationships" xmlns:mc="http://schemas.openxmlformats.org/markup-compatibility/2006" xmlns:mv="urn:schemas-microsoft-com:mac:vml" xmlns:p="http://schemas.openxmlformats.org/presentationml/2006/main" xmlns:c="http://schemas.openxmlformats.org/drawingml/2006/chart" xmlns:dgm="http://schemas.openxmlformats.org/drawingml/2006/diagram" xmlns:o="urn:schemas-microsoft-com:office:office" xmlns:v="urn:schemas-microsoft-com:vml" xmlns:pvml="urn:schemas-microsoft-com:office:powerpoint" xmlns:com="http://schemas.openxmlformats.org/drawingml/2006/compatibility" xmlns:p14="http://schemas.microsoft.com/office/powerpoint/2010/main" xmlns:p15="http://schemas.microsoft.com/office/powerpoint/2012/main">
+  <p:cSld>
+    <p:spTree>
+      <p:nvGrpSpPr>
+        <p:cNvPr id="424" name="Shape 424"/>
+        <p:cNvGrpSpPr/>
+        <p:nvPr/>
+      </p:nvGrpSpPr>
+      <p:grpSpPr>
+        <a:xfrm>
+          <a:off x="0" y="0"/>
+          <a:ext cx="0" cy="0"/>
+          <a:chOff x="0" y="0"/>
+          <a:chExt cx="0" cy="0"/>
+        </a:xfrm>
+      </p:grpSpPr>
+      <p:sp>
+        <p:nvSpPr>
+          <p:cNvPr id="425" name="Google Shape;425;p65"/>
+          <p:cNvSpPr txBox="1"/>
+          <p:nvPr>
+            <p:ph type="title"/>
+          </p:nvPr>
+        </p:nvSpPr>
+        <p:spPr>
+          <a:xfrm>
+            <a:off x="786150" y="410826"/>
+            <a:ext cx="7571700" cy="936900"/>
+          </a:xfrm>
+          <a:prstGeom prst="rect">
+            <a:avLst/>
+          </a:prstGeom>
+        </p:spPr>
+        <p:txBody>
+          <a:bodyPr anchorCtr="0" anchor="b" bIns="91425" lIns="91425" spcFirstLastPara="1" rIns="91425" wrap="square" tIns="91425">
+            <a:noAutofit/>
+          </a:bodyPr>
+          <a:lstStyle/>
+          <a:p>
+            <a:pPr indent="0" lvl="0" marL="0" rtl="0" algn="l">
+              <a:spcBef>
+                <a:spcPts val="0"/>
+              </a:spcBef>
+              <a:spcAft>
+                <a:spcPts val="0"/>
+              </a:spcAft>
+              <a:buNone/>
+            </a:pPr>
+            <a:r>
+              <a:rPr lang="en-GB" sz="2400">
+                <a:solidFill>
+                  <a:srgbClr val="CC0000"/>
+                </a:solidFill>
+              </a:rPr>
+              <a:t>Picking 𝛼 - Adaptive Learning Rates</a:t>
             </a:r>
             <a:endParaRPr sz="2400"/>
           </a:p>
@@ -29790,16 +29708,16 @@
       </p:sp>
       <p:sp>
         <p:nvSpPr>
-          <p:cNvPr id="424" name="Google Shape;424;p64"/>
+          <p:cNvPr id="426" name="Google Shape;426;p65"/>
           <p:cNvSpPr txBox="1"/>
           <p:nvPr>
-            <p:ph idx="4294967295" type="body"/>
+            <p:ph idx="1" type="body"/>
           </p:nvPr>
         </p:nvSpPr>
         <p:spPr>
           <a:xfrm>
-            <a:off x="786175" y="1375767"/>
-            <a:ext cx="7571700" cy="4764900"/>
+            <a:off x="539850" y="1682375"/>
+            <a:ext cx="8064300" cy="5069400"/>
           </a:xfrm>
           <a:prstGeom prst="rect">
             <a:avLst/>
@@ -29811,14 +29729,19 @@
           </a:bodyPr>
           <a:lstStyle/>
           <a:p>
-            <a:pPr indent="0" lvl="0" marL="0" rtl="0" algn="l">
-              <a:spcBef>
-                <a:spcPts val="0"/>
-              </a:spcBef>
-              <a:spcAft>
-                <a:spcPts val="0"/>
-              </a:spcAft>
-              <a:buNone/>
+            <a:pPr indent="-342900" lvl="0" marL="457200" rtl="0" algn="l">
+              <a:spcBef>
+                <a:spcPts val="0"/>
+              </a:spcBef>
+              <a:spcAft>
+                <a:spcPts val="0"/>
+              </a:spcAft>
+              <a:buClr>
+                <a:schemeClr val="dk1"/>
+              </a:buClr>
+              <a:buSzPts val="1800"/>
+              <a:buFont typeface="Roboto Slab"/>
+              <a:buChar char="●"/>
             </a:pPr>
             <a:r>
               <a:rPr lang="en-GB" sz="1800">
@@ -29830,7 +29753,19 @@
                 <a:cs typeface="Roboto Slab"/>
                 <a:sym typeface="Roboto Slab"/>
               </a:rPr>
-              <a:t>To compute the gradients that help update each parameter in the neural network, we Start from the output neuron of the NN:</a:t>
+              <a:t>O</a:t>
+            </a:r>
+            <a:r>
+              <a:rPr lang="en-GB" sz="1800">
+                <a:solidFill>
+                  <a:schemeClr val="dk1"/>
+                </a:solidFill>
+                <a:latin typeface="Roboto Slab"/>
+                <a:ea typeface="Roboto Slab"/>
+                <a:cs typeface="Roboto Slab"/>
+                <a:sym typeface="Roboto Slab"/>
+              </a:rPr>
+              <a:t>ptimization methods that are used in practice compute more optimal learning rates for better performance</a:t>
             </a:r>
             <a:endParaRPr sz="1800">
               <a:solidFill>
@@ -29843,17 +29778,43 @@
             </a:endParaRPr>
           </a:p>
           <a:p>
-            <a:pPr indent="0" lvl="0" marL="0" rtl="0" algn="l">
-              <a:spcBef>
-                <a:spcPts val="0"/>
-              </a:spcBef>
-              <a:spcAft>
-                <a:spcPts val="0"/>
-              </a:spcAft>
-              <a:buNone/>
-            </a:pPr>
-            <a:r>
-              <a:t/>
+            <a:pPr indent="-342900" lvl="0" marL="457200" rtl="0" algn="l">
+              <a:spcBef>
+                <a:spcPts val="0"/>
+              </a:spcBef>
+              <a:spcAft>
+                <a:spcPts val="0"/>
+              </a:spcAft>
+              <a:buClr>
+                <a:schemeClr val="dk1"/>
+              </a:buClr>
+              <a:buSzPts val="1800"/>
+              <a:buFont typeface="Roboto Slab"/>
+              <a:buChar char="●"/>
+            </a:pPr>
+            <a:r>
+              <a:rPr lang="en-GB" sz="1800">
+                <a:solidFill>
+                  <a:schemeClr val="dk1"/>
+                </a:solidFill>
+                <a:latin typeface="Roboto Slab"/>
+                <a:ea typeface="Roboto Slab"/>
+                <a:cs typeface="Roboto Slab"/>
+                <a:sym typeface="Roboto Slab"/>
+              </a:rPr>
+              <a:t>. </a:t>
+            </a:r>
+            <a:r>
+              <a:rPr lang="en-GB" sz="1800">
+                <a:solidFill>
+                  <a:schemeClr val="dk1"/>
+                </a:solidFill>
+                <a:latin typeface="Roboto Slab"/>
+                <a:ea typeface="Roboto Slab"/>
+                <a:cs typeface="Roboto Slab"/>
+                <a:sym typeface="Roboto Slab"/>
+              </a:rPr>
+              <a:t>Typically, we use larger learning rates at the beginning (to take bigger steps towards a local minima) and start to slow down as we get closer to the desired value (once again, to not oscillate too much)</a:t>
             </a:r>
             <a:endParaRPr sz="1800">
               <a:solidFill>
@@ -29876,64 +29837,7 @@
               <a:buNone/>
             </a:pPr>
             <a:r>
-              <a:rPr lang="en-GB" sz="1800">
-                <a:solidFill>
-                  <a:schemeClr val="dk1"/>
-                </a:solidFill>
-                <a:latin typeface="Roboto Slab"/>
-                <a:ea typeface="Roboto Slab"/>
-                <a:cs typeface="Roboto Slab"/>
-                <a:sym typeface="Roboto Slab"/>
-              </a:rPr>
-              <a:t>Looking for the ratio, or the rate of change, that the weight w</a:t>
-            </a:r>
-            <a:r>
-              <a:rPr baseline="30000" lang="en-GB" sz="1800">
-                <a:solidFill>
-                  <a:schemeClr val="dk1"/>
-                </a:solidFill>
-                <a:latin typeface="Roboto Slab"/>
-                <a:ea typeface="Roboto Slab"/>
-                <a:cs typeface="Roboto Slab"/>
-                <a:sym typeface="Roboto Slab"/>
-              </a:rPr>
-              <a:t>L</a:t>
-            </a:r>
-            <a:r>
-              <a:rPr lang="en-GB" sz="1800">
-                <a:solidFill>
-                  <a:schemeClr val="dk1"/>
-                </a:solidFill>
-                <a:latin typeface="Roboto Slab"/>
-                <a:ea typeface="Roboto Slab"/>
-                <a:cs typeface="Roboto Slab"/>
-                <a:sym typeface="Roboto Slab"/>
-              </a:rPr>
-              <a:t> has on C</a:t>
-            </a:r>
-            <a:r>
-              <a:rPr baseline="-25000" lang="en-GB" sz="1800">
-                <a:solidFill>
-                  <a:schemeClr val="dk1"/>
-                </a:solidFill>
-                <a:latin typeface="Roboto Slab"/>
-                <a:ea typeface="Roboto Slab"/>
-                <a:cs typeface="Roboto Slab"/>
-                <a:sym typeface="Roboto Slab"/>
-              </a:rPr>
-              <a:t>0</a:t>
-            </a:r>
-            <a:r>
-              <a:rPr lang="en-GB" sz="1800">
-                <a:solidFill>
-                  <a:schemeClr val="dk1"/>
-                </a:solidFill>
-                <a:latin typeface="Roboto Slab"/>
-                <a:ea typeface="Roboto Slab"/>
-                <a:cs typeface="Roboto Slab"/>
-                <a:sym typeface="Roboto Slab"/>
-              </a:rPr>
-              <a:t>:</a:t>
+              <a:t/>
             </a:r>
             <a:endParaRPr sz="1800">
               <a:solidFill>
@@ -29956,7 +29860,28 @@
               <a:buNone/>
             </a:pPr>
             <a:r>
-              <a:t/>
+              <a:rPr lang="en-GB" sz="1800">
+                <a:solidFill>
+                  <a:schemeClr val="dk1"/>
+                </a:solidFill>
+                <a:latin typeface="Roboto Slab"/>
+                <a:ea typeface="Roboto Slab"/>
+                <a:cs typeface="Roboto Slab"/>
+                <a:sym typeface="Roboto Slab"/>
+              </a:rPr>
+              <a:t>E.g. </a:t>
+            </a:r>
+            <a:r>
+              <a:rPr lang="en-GB" sz="1800">
+                <a:solidFill>
+                  <a:schemeClr val="dk1"/>
+                </a:solidFill>
+                <a:latin typeface="Roboto Slab"/>
+                <a:ea typeface="Roboto Slab"/>
+                <a:cs typeface="Roboto Slab"/>
+                <a:sym typeface="Roboto Slab"/>
+              </a:rPr>
+              <a:t>ADAM, RMSProp, Adagrad, etc.</a:t>
             </a:r>
             <a:endParaRPr sz="1800">
               <a:solidFill>
@@ -29979,7 +29904,17 @@
               <a:buNone/>
             </a:pPr>
             <a:r>
-              <a:t/>
+              <a:rPr lang="en-GB" sz="1800" u="sng">
+                <a:solidFill>
+                  <a:schemeClr val="hlink"/>
+                </a:solidFill>
+                <a:latin typeface="Roboto Slab"/>
+                <a:ea typeface="Roboto Slab"/>
+                <a:cs typeface="Roboto Slab"/>
+                <a:sym typeface="Roboto Slab"/>
+                <a:hlinkClick r:id="rId3"/>
+              </a:rPr>
+              <a:t>More Information on Stochastic Gradient Descent and Different Optimization Methods</a:t>
             </a:r>
             <a:endParaRPr sz="1800">
               <a:solidFill>
@@ -29991,11 +29926,57 @@
               <a:sym typeface="Roboto Slab"/>
             </a:endParaRPr>
           </a:p>
+          <a:p>
+            <a:pPr indent="0" lvl="0" marL="0" rtl="0" algn="l">
+              <a:spcBef>
+                <a:spcPts val="0"/>
+              </a:spcBef>
+              <a:spcAft>
+                <a:spcPts val="0"/>
+              </a:spcAft>
+              <a:buNone/>
+            </a:pPr>
+            <a:r>
+              <a:t/>
+            </a:r>
+            <a:endParaRPr sz="1800">
+              <a:solidFill>
+                <a:schemeClr val="dk1"/>
+              </a:solidFill>
+              <a:latin typeface="Roboto Slab"/>
+              <a:ea typeface="Roboto Slab"/>
+              <a:cs typeface="Roboto Slab"/>
+              <a:sym typeface="Roboto Slab"/>
+            </a:endParaRPr>
+          </a:p>
+          <a:p>
+            <a:pPr indent="0" lvl="0" marL="0" rtl="0" algn="l">
+              <a:spcBef>
+                <a:spcPts val="0"/>
+              </a:spcBef>
+              <a:spcAft>
+                <a:spcPts val="0"/>
+              </a:spcAft>
+              <a:buNone/>
+            </a:pPr>
+            <a:r>
+              <a:t/>
+            </a:r>
+            <a:endParaRPr sz="1800">
+              <a:solidFill>
+                <a:schemeClr val="dk1"/>
+              </a:solidFill>
+              <a:latin typeface="Roboto Slab"/>
+              <a:ea typeface="Roboto Slab"/>
+              <a:cs typeface="Roboto Slab"/>
+              <a:sym typeface="Roboto Slab"/>
+            </a:endParaRPr>
+          </a:p>
         </p:txBody>
       </p:sp>
       <p:sp>
         <p:nvSpPr>
-          <p:cNvPr id="425" name="Google Shape;425;p64"/>
+          <p:cNvPr id="427" name="Google Shape;427;p65"/>
           <p:cNvSpPr txBox="1"/>
           <p:nvPr>
             <p:ph idx="12" type="sldNum"/>
@@ -30035,13 +30016,13 @@
       </p:sp>
       <p:sp>
         <p:nvSpPr>
-          <p:cNvPr id="426" name="Google Shape;426;p64"/>
+          <p:cNvPr id="428" name="Google Shape;428;p65"/>
           <p:cNvSpPr txBox="1"/>
           <p:nvPr/>
         </p:nvSpPr>
         <p:spPr>
           <a:xfrm>
-            <a:off x="5442175" y="6028500"/>
+            <a:off x="5339575" y="6028475"/>
             <a:ext cx="3510900" cy="723300"/>
           </a:xfrm>
           <a:prstGeom prst="rect">
@@ -30074,65 +30055,9 @@
           </a:p>
         </p:txBody>
       </p:sp>
-      <p:sp>
-        <p:nvSpPr>
-          <p:cNvPr id="427" name="Google Shape;427;p64"/>
-          <p:cNvSpPr txBox="1"/>
-          <p:nvPr/>
-        </p:nvSpPr>
-        <p:spPr>
-          <a:xfrm>
-            <a:off x="7566500" y="6168700"/>
-            <a:ext cx="953700" cy="442800"/>
-          </a:xfrm>
-          <a:prstGeom prst="rect">
-            <a:avLst/>
-          </a:prstGeom>
-          <a:noFill/>
-          <a:ln>
-            <a:noFill/>
-          </a:ln>
-        </p:spPr>
-        <p:txBody>
-          <a:bodyPr anchorCtr="0" anchor="t" bIns="91425" lIns="91425" spcFirstLastPara="1" rIns="91425" wrap="square" tIns="91425">
-            <a:noAutofit/>
-          </a:bodyPr>
-          <a:lstStyle/>
-          <a:p>
-            <a:pPr indent="0" lvl="0" marL="0" rtl="0" algn="l">
-              <a:spcBef>
-                <a:spcPts val="0"/>
-              </a:spcBef>
-              <a:spcAft>
-                <a:spcPts val="0"/>
-              </a:spcAft>
-              <a:buNone/>
-            </a:pPr>
-            <a:r>
-              <a:rPr lang="en-GB" sz="800" u="sng">
-                <a:solidFill>
-                  <a:schemeClr val="hlink"/>
-                </a:solidFill>
-                <a:latin typeface="Source Sans Pro"/>
-                <a:ea typeface="Source Sans Pro"/>
-                <a:cs typeface="Source Sans Pro"/>
-                <a:sym typeface="Source Sans Pro"/>
-                <a:hlinkClick r:id="rId3"/>
-              </a:rPr>
-              <a:t>Youtube Source</a:t>
-            </a:r>
-            <a:endParaRPr sz="800">
-              <a:latin typeface="Source Sans Pro"/>
-              <a:ea typeface="Source Sans Pro"/>
-              <a:cs typeface="Source Sans Pro"/>
-              <a:sym typeface="Source Sans Pro"/>
-            </a:endParaRPr>
-          </a:p>
-        </p:txBody>
-      </p:sp>
       <p:pic>
         <p:nvPicPr>
-          <p:cNvPr id="428" name="Google Shape;428;p64"/>
+          <p:cNvPr id="429" name="Google Shape;429;p65"/>
           <p:cNvPicPr preferRelativeResize="0"/>
           <p:nvPr/>
         </p:nvPicPr>
@@ -30146,354 +30071,8 @@
         </p:blipFill>
         <p:spPr>
           <a:xfrm>
-            <a:off x="1636400" y="2574453"/>
-            <a:ext cx="548700" cy="524124"/>
-          </a:xfrm>
-          <a:prstGeom prst="rect">
-            <a:avLst/>
-          </a:prstGeom>
-          <a:noFill/>
-          <a:ln>
-            <a:noFill/>
-          </a:ln>
-        </p:spPr>
-      </p:pic>
-      <p:pic>
-        <p:nvPicPr>
-          <p:cNvPr id="429" name="Google Shape;429;p64"/>
-          <p:cNvPicPr preferRelativeResize="0"/>
-          <p:nvPr/>
-        </p:nvPicPr>
-        <p:blipFill>
-          <a:blip r:embed="rId5">
-            <a:alphaModFix/>
-          </a:blip>
-          <a:stretch>
-            <a:fillRect/>
-          </a:stretch>
-        </p:blipFill>
-        <p:spPr>
-          <a:xfrm>
-            <a:off x="6342450" y="3428992"/>
-            <a:ext cx="1613438" cy="1944393"/>
-          </a:xfrm>
-          <a:prstGeom prst="rect">
-            <a:avLst/>
-          </a:prstGeom>
-          <a:noFill/>
-          <a:ln>
-            <a:noFill/>
-          </a:ln>
-        </p:spPr>
-      </p:pic>
-      <p:pic>
-        <p:nvPicPr>
-          <p:cNvPr id="430" name="Google Shape;430;p64"/>
-          <p:cNvPicPr preferRelativeResize="0"/>
-          <p:nvPr/>
-        </p:nvPicPr>
-        <p:blipFill>
-          <a:blip r:embed="rId6">
-            <a:alphaModFix/>
-          </a:blip>
-          <a:stretch>
-            <a:fillRect/>
-          </a:stretch>
-        </p:blipFill>
-        <p:spPr>
-          <a:xfrm>
-            <a:off x="1006625" y="3744525"/>
-            <a:ext cx="3215523" cy="1171369"/>
-          </a:xfrm>
-          <a:prstGeom prst="rect">
-            <a:avLst/>
-          </a:prstGeom>
-          <a:noFill/>
-          <a:ln>
-            <a:noFill/>
-          </a:ln>
-        </p:spPr>
-      </p:pic>
-    </p:spTree>
-  </p:cSld>
-  <p:clrMapOvr>
-    <a:masterClrMapping/>
-  </p:clrMapOvr>
-</p:sld>
-</file>
-
-<file path=ppt/slides/slide31.xml><?xml version="1.0" encoding="utf-8"?>
-<p:sld xmlns:a="http://schemas.openxmlformats.org/drawingml/2006/main" xmlns:r="http://schemas.openxmlformats.org/officeDocument/2006/relationships" xmlns:mc="http://schemas.openxmlformats.org/markup-compatibility/2006" xmlns:mv="urn:schemas-microsoft-com:mac:vml" xmlns:p="http://schemas.openxmlformats.org/presentationml/2006/main" xmlns:c="http://schemas.openxmlformats.org/drawingml/2006/chart" xmlns:dgm="http://schemas.openxmlformats.org/drawingml/2006/diagram" xmlns:o="urn:schemas-microsoft-com:office:office" xmlns:v="urn:schemas-microsoft-com:vml" xmlns:pvml="urn:schemas-microsoft-com:office:powerpoint" xmlns:com="http://schemas.openxmlformats.org/drawingml/2006/compatibility" xmlns:p14="http://schemas.microsoft.com/office/powerpoint/2010/main" xmlns:p15="http://schemas.microsoft.com/office/powerpoint/2012/main">
-  <p:cSld>
-    <p:spTree>
-      <p:nvGrpSpPr>
-        <p:cNvPr id="434" name="Shape 434"/>
-        <p:cNvGrpSpPr/>
-        <p:nvPr/>
-      </p:nvGrpSpPr>
-      <p:grpSpPr>
-        <a:xfrm>
-          <a:off x="0" y="0"/>
-          <a:ext cx="0" cy="0"/>
-          <a:chOff x="0" y="0"/>
-          <a:chExt cx="0" cy="0"/>
-        </a:xfrm>
-      </p:grpSpPr>
-      <p:sp>
-        <p:nvSpPr>
-          <p:cNvPr id="435" name="Google Shape;435;p65"/>
-          <p:cNvSpPr txBox="1"/>
-          <p:nvPr>
-            <p:ph type="title"/>
-          </p:nvPr>
-        </p:nvSpPr>
-        <p:spPr>
-          <a:xfrm>
-            <a:off x="786150" y="410826"/>
-            <a:ext cx="7571700" cy="936900"/>
-          </a:xfrm>
-          <a:prstGeom prst="rect">
-            <a:avLst/>
-          </a:prstGeom>
-        </p:spPr>
-        <p:txBody>
-          <a:bodyPr anchorCtr="0" anchor="b" bIns="91425" lIns="91425" spcFirstLastPara="1" rIns="91425" wrap="square" tIns="91425">
-            <a:noAutofit/>
-          </a:bodyPr>
-          <a:lstStyle/>
-          <a:p>
-            <a:pPr indent="0" lvl="0" marL="0" rtl="0" algn="l">
-              <a:spcBef>
-                <a:spcPts val="0"/>
-              </a:spcBef>
-              <a:spcAft>
-                <a:spcPts val="0"/>
-              </a:spcAft>
-              <a:buNone/>
-            </a:pPr>
-            <a:r>
-              <a:rPr lang="en-GB" sz="2400">
-                <a:solidFill>
-                  <a:srgbClr val="CC0000"/>
-                </a:solidFill>
-              </a:rPr>
-              <a:t>Backpropagation - A Simple Example</a:t>
-            </a:r>
-            <a:endParaRPr sz="2400"/>
-          </a:p>
-        </p:txBody>
-      </p:sp>
-      <p:sp>
-        <p:nvSpPr>
-          <p:cNvPr id="436" name="Google Shape;436;p65"/>
-          <p:cNvSpPr txBox="1"/>
-          <p:nvPr>
-            <p:ph idx="12" type="sldNum"/>
-          </p:nvPr>
-        </p:nvSpPr>
-        <p:spPr>
-          <a:xfrm>
-            <a:off x="8404384" y="6333134"/>
-            <a:ext cx="548700" cy="524700"/>
-          </a:xfrm>
-          <a:prstGeom prst="rect">
-            <a:avLst/>
-          </a:prstGeom>
-        </p:spPr>
-        <p:txBody>
-          <a:bodyPr anchorCtr="0" anchor="t" bIns="91425" lIns="91425" spcFirstLastPara="1" rIns="91425" wrap="square" tIns="91425">
-            <a:noAutofit/>
-          </a:bodyPr>
-          <a:lstStyle/>
-          <a:p>
-            <a:pPr indent="0" lvl="0" marL="0" rtl="0" algn="r">
-              <a:spcBef>
-                <a:spcPts val="0"/>
-              </a:spcBef>
-              <a:spcAft>
-                <a:spcPts val="0"/>
-              </a:spcAft>
-              <a:buNone/>
-            </a:pPr>
-            <a:fld id="{00000000-1234-1234-1234-123412341234}" type="slidenum">
-              <a:rPr lang="en-GB"/>
-              <a:t>‹#›</a:t>
-            </a:fld>
-            <a:endParaRPr/>
-          </a:p>
-        </p:txBody>
-      </p:sp>
-      <p:sp>
-        <p:nvSpPr>
-          <p:cNvPr id="437" name="Google Shape;437;p65"/>
-          <p:cNvSpPr txBox="1"/>
-          <p:nvPr/>
-        </p:nvSpPr>
-        <p:spPr>
-          <a:xfrm>
-            <a:off x="5442175" y="6028500"/>
-            <a:ext cx="3510900" cy="723300"/>
-          </a:xfrm>
-          <a:prstGeom prst="rect">
-            <a:avLst/>
-          </a:prstGeom>
-          <a:noFill/>
-          <a:ln>
-            <a:noFill/>
-          </a:ln>
-        </p:spPr>
-        <p:txBody>
-          <a:bodyPr anchorCtr="0" anchor="t" bIns="91425" lIns="91425" spcFirstLastPara="1" rIns="91425" wrap="square" tIns="91425">
-            <a:noAutofit/>
-          </a:bodyPr>
-          <a:lstStyle/>
-          <a:p>
-            <a:pPr indent="0" lvl="0" marL="0" rtl="0" algn="l">
-              <a:spcBef>
-                <a:spcPts val="0"/>
-              </a:spcBef>
-              <a:spcAft>
-                <a:spcPts val="0"/>
-              </a:spcAft>
-              <a:buNone/>
-            </a:pPr>
-            <a:r>
-              <a:t/>
-            </a:r>
-            <a:endParaRPr sz="800"/>
-          </a:p>
-        </p:txBody>
-      </p:sp>
-      <p:sp>
-        <p:nvSpPr>
-          <p:cNvPr id="438" name="Google Shape;438;p65"/>
-          <p:cNvSpPr txBox="1"/>
-          <p:nvPr/>
-        </p:nvSpPr>
-        <p:spPr>
-          <a:xfrm>
-            <a:off x="7566500" y="6168700"/>
-            <a:ext cx="953700" cy="442800"/>
-          </a:xfrm>
-          <a:prstGeom prst="rect">
-            <a:avLst/>
-          </a:prstGeom>
-          <a:noFill/>
-          <a:ln>
-            <a:noFill/>
-          </a:ln>
-        </p:spPr>
-        <p:txBody>
-          <a:bodyPr anchorCtr="0" anchor="t" bIns="91425" lIns="91425" spcFirstLastPara="1" rIns="91425" wrap="square" tIns="91425">
-            <a:noAutofit/>
-          </a:bodyPr>
-          <a:lstStyle/>
-          <a:p>
-            <a:pPr indent="0" lvl="0" marL="0" rtl="0" algn="l">
-              <a:spcBef>
-                <a:spcPts val="0"/>
-              </a:spcBef>
-              <a:spcAft>
-                <a:spcPts val="0"/>
-              </a:spcAft>
-              <a:buNone/>
-            </a:pPr>
-            <a:r>
-              <a:rPr lang="en-GB" sz="800" u="sng">
-                <a:solidFill>
-                  <a:schemeClr val="hlink"/>
-                </a:solidFill>
-                <a:latin typeface="Source Sans Pro"/>
-                <a:ea typeface="Source Sans Pro"/>
-                <a:cs typeface="Source Sans Pro"/>
-                <a:sym typeface="Source Sans Pro"/>
-                <a:hlinkClick r:id="rId3"/>
-              </a:rPr>
-              <a:t>Youtube Source</a:t>
-            </a:r>
-            <a:endParaRPr sz="800">
-              <a:latin typeface="Source Sans Pro"/>
-              <a:ea typeface="Source Sans Pro"/>
-              <a:cs typeface="Source Sans Pro"/>
-              <a:sym typeface="Source Sans Pro"/>
-            </a:endParaRPr>
-          </a:p>
-        </p:txBody>
-      </p:sp>
-      <p:pic>
-        <p:nvPicPr>
-          <p:cNvPr id="439" name="Google Shape;439;p65"/>
-          <p:cNvPicPr preferRelativeResize="0"/>
-          <p:nvPr/>
-        </p:nvPicPr>
-        <p:blipFill>
-          <a:blip r:embed="rId4">
-            <a:alphaModFix/>
-          </a:blip>
-          <a:stretch>
-            <a:fillRect/>
-          </a:stretch>
-        </p:blipFill>
-        <p:spPr>
-          <a:xfrm>
-            <a:off x="4688050" y="1968500"/>
-            <a:ext cx="1953725" cy="2354499"/>
-          </a:xfrm>
-          <a:prstGeom prst="rect">
-            <a:avLst/>
-          </a:prstGeom>
-          <a:noFill/>
-          <a:ln>
-            <a:noFill/>
-          </a:ln>
-        </p:spPr>
-      </p:pic>
-      <p:pic>
-        <p:nvPicPr>
-          <p:cNvPr id="440" name="Google Shape;440;p65"/>
-          <p:cNvPicPr preferRelativeResize="0"/>
-          <p:nvPr/>
-        </p:nvPicPr>
-        <p:blipFill>
-          <a:blip r:embed="rId5">
-            <a:alphaModFix/>
-          </a:blip>
-          <a:stretch>
-            <a:fillRect/>
-          </a:stretch>
-        </p:blipFill>
-        <p:spPr>
-          <a:xfrm>
-            <a:off x="1067800" y="1797054"/>
-            <a:ext cx="2683818" cy="977681"/>
-          </a:xfrm>
-          <a:prstGeom prst="rect">
-            <a:avLst/>
-          </a:prstGeom>
-          <a:noFill/>
-          <a:ln>
-            <a:noFill/>
-          </a:ln>
-        </p:spPr>
-      </p:pic>
-      <p:pic>
-        <p:nvPicPr>
-          <p:cNvPr id="441" name="Google Shape;441;p65"/>
-          <p:cNvPicPr preferRelativeResize="0"/>
-          <p:nvPr/>
-        </p:nvPicPr>
-        <p:blipFill>
-          <a:blip r:embed="rId6">
-            <a:alphaModFix/>
-          </a:blip>
-          <a:stretch>
-            <a:fillRect/>
-          </a:stretch>
-        </p:blipFill>
-        <p:spPr>
-          <a:xfrm>
-            <a:off x="1825700" y="3224042"/>
-            <a:ext cx="1363931" cy="1263825"/>
+            <a:off x="1812875" y="4644674"/>
+            <a:ext cx="5518249" cy="2213325"/>
           </a:xfrm>
           <a:prstGeom prst="rect">
             <a:avLst/>
@@ -30517,7 +30096,7 @@
   <p:cSld>
     <p:spTree>
       <p:nvGrpSpPr>
-        <p:cNvPr id="445" name="Shape 445"/>
+        <p:cNvPr id="433" name="Shape 433"/>
         <p:cNvGrpSpPr/>
         <p:nvPr/>
       </p:nvGrpSpPr>
@@ -30531,7 +30110,116 @@
       </p:grpSpPr>
       <p:sp>
         <p:nvSpPr>
-          <p:cNvPr id="446" name="Google Shape;446;p66"/>
+          <p:cNvPr id="434" name="Google Shape;434;p66"/>
+          <p:cNvSpPr txBox="1"/>
+          <p:nvPr>
+            <p:ph type="title"/>
+          </p:nvPr>
+        </p:nvSpPr>
+        <p:spPr>
+          <a:xfrm>
+            <a:off x="1116800" y="3056051"/>
+            <a:ext cx="7571700" cy="936900"/>
+          </a:xfrm>
+          <a:prstGeom prst="rect">
+            <a:avLst/>
+          </a:prstGeom>
+        </p:spPr>
+        <p:txBody>
+          <a:bodyPr anchorCtr="0" anchor="b" bIns="91425" lIns="91425" spcFirstLastPara="1" rIns="91425" wrap="square" tIns="91425">
+            <a:noAutofit/>
+          </a:bodyPr>
+          <a:lstStyle/>
+          <a:p>
+            <a:pPr indent="0" lvl="0" marL="0" rtl="0" algn="l">
+              <a:spcBef>
+                <a:spcPts val="0"/>
+              </a:spcBef>
+              <a:spcAft>
+                <a:spcPts val="0"/>
+              </a:spcAft>
+              <a:buNone/>
+            </a:pPr>
+            <a:r>
+              <a:rPr b="1" lang="en-GB" sz="4800">
+                <a:solidFill>
+                  <a:srgbClr val="CC0000"/>
+                </a:solidFill>
+              </a:rPr>
+              <a:t>Coding Demo</a:t>
+            </a:r>
+            <a:endParaRPr b="1" sz="4800"/>
+          </a:p>
+        </p:txBody>
+      </p:sp>
+      <p:sp>
+        <p:nvSpPr>
+          <p:cNvPr id="435" name="Google Shape;435;p66"/>
+          <p:cNvSpPr txBox="1"/>
+          <p:nvPr>
+            <p:ph idx="12" type="sldNum"/>
+          </p:nvPr>
+        </p:nvSpPr>
+        <p:spPr>
+          <a:xfrm>
+            <a:off x="8404384" y="6333134"/>
+            <a:ext cx="548700" cy="524700"/>
+          </a:xfrm>
+          <a:prstGeom prst="rect">
+            <a:avLst/>
+          </a:prstGeom>
+        </p:spPr>
+        <p:txBody>
+          <a:bodyPr anchorCtr="0" anchor="t" bIns="91425" lIns="91425" spcFirstLastPara="1" rIns="91425" wrap="square" tIns="91425">
+            <a:noAutofit/>
+          </a:bodyPr>
+          <a:lstStyle/>
+          <a:p>
+            <a:pPr indent="0" lvl="0" marL="0" rtl="0" algn="r">
+              <a:spcBef>
+                <a:spcPts val="0"/>
+              </a:spcBef>
+              <a:spcAft>
+                <a:spcPts val="0"/>
+              </a:spcAft>
+              <a:buNone/>
+            </a:pPr>
+            <a:fld id="{00000000-1234-1234-1234-123412341234}" type="slidenum">
+              <a:rPr lang="en-GB"/>
+              <a:t>‹#›</a:t>
+            </a:fld>
+            <a:endParaRPr/>
+          </a:p>
+        </p:txBody>
+      </p:sp>
+    </p:spTree>
+  </p:cSld>
+  <p:clrMapOvr>
+    <a:masterClrMapping/>
+  </p:clrMapOvr>
+</p:sld>
+</file>
+
+<file path=ppt/slides/slide33.xml><?xml version="1.0" encoding="utf-8"?>
+<p:sld xmlns:a="http://schemas.openxmlformats.org/drawingml/2006/main" xmlns:r="http://schemas.openxmlformats.org/officeDocument/2006/relationships" xmlns:mc="http://schemas.openxmlformats.org/markup-compatibility/2006" xmlns:mv="urn:schemas-microsoft-com:mac:vml" xmlns:p="http://schemas.openxmlformats.org/presentationml/2006/main" xmlns:c="http://schemas.openxmlformats.org/drawingml/2006/chart" xmlns:dgm="http://schemas.openxmlformats.org/drawingml/2006/diagram" xmlns:o="urn:schemas-microsoft-com:office:office" xmlns:v="urn:schemas-microsoft-com:vml" xmlns:pvml="urn:schemas-microsoft-com:office:powerpoint" xmlns:com="http://schemas.openxmlformats.org/drawingml/2006/compatibility" xmlns:p14="http://schemas.microsoft.com/office/powerpoint/2010/main" xmlns:p15="http://schemas.microsoft.com/office/powerpoint/2012/main">
+  <p:cSld>
+    <p:spTree>
+      <p:nvGrpSpPr>
+        <p:cNvPr id="439" name="Shape 439"/>
+        <p:cNvGrpSpPr/>
+        <p:nvPr/>
+      </p:nvGrpSpPr>
+      <p:grpSpPr>
+        <a:xfrm>
+          <a:off x="0" y="0"/>
+          <a:ext cx="0" cy="0"/>
+          <a:chOff x="0" y="0"/>
+          <a:chExt cx="0" cy="0"/>
+        </a:xfrm>
+      </p:grpSpPr>
+      <p:sp>
+        <p:nvSpPr>
+          <p:cNvPr id="440" name="Google Shape;440;p67"/>
           <p:cNvSpPr txBox="1"/>
           <p:nvPr>
             <p:ph type="title"/>
@@ -30567,15 +30255,629 @@
                   <a:srgbClr val="CC0000"/>
                 </a:solidFill>
               </a:rPr>
-              <a:t>Backpropagation - A Simple Example</a:t>
-            </a:r>
-            <a:endParaRPr/>
+              <a:t>Further Readings</a:t>
+            </a:r>
+            <a:endParaRPr sz="2400"/>
           </a:p>
         </p:txBody>
       </p:sp>
       <p:sp>
         <p:nvSpPr>
-          <p:cNvPr id="447" name="Google Shape;447;p66"/>
+          <p:cNvPr id="441" name="Google Shape;441;p67"/>
+          <p:cNvSpPr txBox="1"/>
+          <p:nvPr>
+            <p:ph idx="4294967295" type="body"/>
+          </p:nvPr>
+        </p:nvSpPr>
+        <p:spPr>
+          <a:xfrm>
+            <a:off x="786150" y="1682267"/>
+            <a:ext cx="7571700" cy="4764900"/>
+          </a:xfrm>
+          <a:prstGeom prst="rect">
+            <a:avLst/>
+          </a:prstGeom>
+        </p:spPr>
+        <p:txBody>
+          <a:bodyPr anchorCtr="0" anchor="t" bIns="91425" lIns="91425" spcFirstLastPara="1" rIns="91425" wrap="square" tIns="91425">
+            <a:noAutofit/>
+          </a:bodyPr>
+          <a:lstStyle/>
+          <a:p>
+            <a:pPr indent="0" lvl="0" marL="0" rtl="0" algn="l">
+              <a:spcBef>
+                <a:spcPts val="0"/>
+              </a:spcBef>
+              <a:spcAft>
+                <a:spcPts val="0"/>
+              </a:spcAft>
+              <a:buNone/>
+            </a:pPr>
+            <a:r>
+              <a:rPr lang="en-GB" sz="1800" u="sng">
+                <a:solidFill>
+                  <a:schemeClr val="hlink"/>
+                </a:solidFill>
+                <a:latin typeface="Roboto Slab"/>
+                <a:ea typeface="Roboto Slab"/>
+                <a:cs typeface="Roboto Slab"/>
+                <a:sym typeface="Roboto Slab"/>
+                <a:hlinkClick r:id="rId3"/>
+              </a:rPr>
+              <a:t>Deep Learning Chapter 6</a:t>
+            </a:r>
+            <a:r>
+              <a:rPr lang="en-GB" sz="1800">
+                <a:solidFill>
+                  <a:schemeClr val="dk1"/>
+                </a:solidFill>
+                <a:latin typeface="Roboto Slab"/>
+                <a:ea typeface="Roboto Slab"/>
+                <a:cs typeface="Roboto Slab"/>
+                <a:sym typeface="Roboto Slab"/>
+              </a:rPr>
+              <a:t> - Ian GoodFellow, Yoshua Bengio, and Aaron Courville</a:t>
+            </a:r>
+            <a:endParaRPr sz="1800">
+              <a:solidFill>
+                <a:schemeClr val="dk1"/>
+              </a:solidFill>
+              <a:latin typeface="Roboto Slab"/>
+              <a:ea typeface="Roboto Slab"/>
+              <a:cs typeface="Roboto Slab"/>
+              <a:sym typeface="Roboto Slab"/>
+            </a:endParaRPr>
+          </a:p>
+          <a:p>
+            <a:pPr indent="0" lvl="0" marL="0" rtl="0" algn="l">
+              <a:spcBef>
+                <a:spcPts val="0"/>
+              </a:spcBef>
+              <a:spcAft>
+                <a:spcPts val="0"/>
+              </a:spcAft>
+              <a:buNone/>
+            </a:pPr>
+            <a:r>
+              <a:t/>
+            </a:r>
+            <a:endParaRPr sz="1800">
+              <a:solidFill>
+                <a:schemeClr val="dk1"/>
+              </a:solidFill>
+              <a:latin typeface="Roboto Slab"/>
+              <a:ea typeface="Roboto Slab"/>
+              <a:cs typeface="Roboto Slab"/>
+              <a:sym typeface="Roboto Slab"/>
+            </a:endParaRPr>
+          </a:p>
+          <a:p>
+            <a:pPr indent="0" lvl="0" marL="0" rtl="0" algn="l">
+              <a:spcBef>
+                <a:spcPts val="0"/>
+              </a:spcBef>
+              <a:spcAft>
+                <a:spcPts val="0"/>
+              </a:spcAft>
+              <a:buNone/>
+            </a:pPr>
+            <a:r>
+              <a:rPr lang="en-GB" sz="1800" u="sng">
+                <a:solidFill>
+                  <a:schemeClr val="hlink"/>
+                </a:solidFill>
+                <a:latin typeface="Roboto Slab"/>
+                <a:ea typeface="Roboto Slab"/>
+                <a:cs typeface="Roboto Slab"/>
+                <a:sym typeface="Roboto Slab"/>
+                <a:hlinkClick r:id="rId4"/>
+              </a:rPr>
+              <a:t>Article of Backpropagation and Gradient Descent</a:t>
+            </a:r>
+            <a:endParaRPr sz="1800">
+              <a:solidFill>
+                <a:schemeClr val="dk1"/>
+              </a:solidFill>
+              <a:latin typeface="Roboto Slab"/>
+              <a:ea typeface="Roboto Slab"/>
+              <a:cs typeface="Roboto Slab"/>
+              <a:sym typeface="Roboto Slab"/>
+            </a:endParaRPr>
+          </a:p>
+          <a:p>
+            <a:pPr indent="0" lvl="0" marL="0" rtl="0" algn="l">
+              <a:spcBef>
+                <a:spcPts val="0"/>
+              </a:spcBef>
+              <a:spcAft>
+                <a:spcPts val="0"/>
+              </a:spcAft>
+              <a:buNone/>
+            </a:pPr>
+            <a:r>
+              <a:t/>
+            </a:r>
+            <a:endParaRPr sz="1800">
+              <a:solidFill>
+                <a:schemeClr val="dk1"/>
+              </a:solidFill>
+              <a:latin typeface="Roboto Slab"/>
+              <a:ea typeface="Roboto Slab"/>
+              <a:cs typeface="Roboto Slab"/>
+              <a:sym typeface="Roboto Slab"/>
+            </a:endParaRPr>
+          </a:p>
+          <a:p>
+            <a:pPr indent="0" lvl="0" marL="0" rtl="0" algn="l">
+              <a:spcBef>
+                <a:spcPts val="0"/>
+              </a:spcBef>
+              <a:spcAft>
+                <a:spcPts val="0"/>
+              </a:spcAft>
+              <a:buNone/>
+            </a:pPr>
+            <a:r>
+              <a:rPr lang="en-GB" sz="1800" u="sng">
+                <a:solidFill>
+                  <a:schemeClr val="hlink"/>
+                </a:solidFill>
+                <a:latin typeface="Roboto Slab"/>
+                <a:ea typeface="Roboto Slab"/>
+                <a:cs typeface="Roboto Slab"/>
+                <a:sym typeface="Roboto Slab"/>
+                <a:hlinkClick r:id="rId5"/>
+              </a:rPr>
+              <a:t>How the backpropagation algorithm works</a:t>
+            </a:r>
+            <a:r>
+              <a:rPr lang="en-GB" sz="1800">
+                <a:solidFill>
+                  <a:schemeClr val="dk1"/>
+                </a:solidFill>
+                <a:latin typeface="Roboto Slab"/>
+                <a:ea typeface="Roboto Slab"/>
+                <a:cs typeface="Roboto Slab"/>
+                <a:sym typeface="Roboto Slab"/>
+              </a:rPr>
+              <a:t> - Michael Nielsen</a:t>
+            </a:r>
+            <a:endParaRPr sz="1800">
+              <a:solidFill>
+                <a:schemeClr val="dk1"/>
+              </a:solidFill>
+              <a:latin typeface="Roboto Slab"/>
+              <a:ea typeface="Roboto Slab"/>
+              <a:cs typeface="Roboto Slab"/>
+              <a:sym typeface="Roboto Slab"/>
+            </a:endParaRPr>
+          </a:p>
+          <a:p>
+            <a:pPr indent="0" lvl="0" marL="0" rtl="0" algn="l">
+              <a:spcBef>
+                <a:spcPts val="0"/>
+              </a:spcBef>
+              <a:spcAft>
+                <a:spcPts val="0"/>
+              </a:spcAft>
+              <a:buNone/>
+            </a:pPr>
+            <a:r>
+              <a:t/>
+            </a:r>
+            <a:endParaRPr sz="1800">
+              <a:solidFill>
+                <a:schemeClr val="dk1"/>
+              </a:solidFill>
+              <a:latin typeface="Roboto Slab"/>
+              <a:ea typeface="Roboto Slab"/>
+              <a:cs typeface="Roboto Slab"/>
+              <a:sym typeface="Roboto Slab"/>
+            </a:endParaRPr>
+          </a:p>
+          <a:p>
+            <a:pPr indent="0" lvl="0" marL="0" rtl="0" algn="l">
+              <a:spcBef>
+                <a:spcPts val="0"/>
+              </a:spcBef>
+              <a:spcAft>
+                <a:spcPts val="0"/>
+              </a:spcAft>
+              <a:buNone/>
+            </a:pPr>
+            <a:r>
+              <a:rPr lang="en-GB" sz="1800" u="sng">
+                <a:solidFill>
+                  <a:schemeClr val="hlink"/>
+                </a:solidFill>
+                <a:latin typeface="Roboto Slab"/>
+                <a:ea typeface="Roboto Slab"/>
+                <a:cs typeface="Roboto Slab"/>
+                <a:sym typeface="Roboto Slab"/>
+                <a:hlinkClick r:id="rId6"/>
+              </a:rPr>
+              <a:t>A Practical Guide to ReLU</a:t>
+            </a:r>
+            <a:r>
+              <a:rPr lang="en-GB" sz="1800">
+                <a:solidFill>
+                  <a:schemeClr val="dk1"/>
+                </a:solidFill>
+                <a:latin typeface="Roboto Slab"/>
+                <a:ea typeface="Roboto Slab"/>
+                <a:cs typeface="Roboto Slab"/>
+                <a:sym typeface="Roboto Slab"/>
+              </a:rPr>
+              <a:t> </a:t>
+            </a:r>
+            <a:endParaRPr sz="1800">
+              <a:solidFill>
+                <a:schemeClr val="dk1"/>
+              </a:solidFill>
+              <a:latin typeface="Roboto Slab"/>
+              <a:ea typeface="Roboto Slab"/>
+              <a:cs typeface="Roboto Slab"/>
+              <a:sym typeface="Roboto Slab"/>
+            </a:endParaRPr>
+          </a:p>
+          <a:p>
+            <a:pPr indent="0" lvl="0" marL="0" rtl="0" algn="l">
+              <a:spcBef>
+                <a:spcPts val="0"/>
+              </a:spcBef>
+              <a:spcAft>
+                <a:spcPts val="0"/>
+              </a:spcAft>
+              <a:buNone/>
+            </a:pPr>
+            <a:r>
+              <a:t/>
+            </a:r>
+            <a:endParaRPr sz="1800">
+              <a:solidFill>
+                <a:schemeClr val="dk1"/>
+              </a:solidFill>
+              <a:latin typeface="Roboto Slab"/>
+              <a:ea typeface="Roboto Slab"/>
+              <a:cs typeface="Roboto Slab"/>
+              <a:sym typeface="Roboto Slab"/>
+            </a:endParaRPr>
+          </a:p>
+          <a:p>
+            <a:pPr indent="0" lvl="0" marL="0" rtl="0" algn="l">
+              <a:spcBef>
+                <a:spcPts val="0"/>
+              </a:spcBef>
+              <a:spcAft>
+                <a:spcPts val="0"/>
+              </a:spcAft>
+              <a:buNone/>
+            </a:pPr>
+            <a:r>
+              <a:rPr lang="en-GB" sz="1800" u="sng">
+                <a:solidFill>
+                  <a:schemeClr val="hlink"/>
+                </a:solidFill>
+                <a:latin typeface="Roboto Slab"/>
+                <a:ea typeface="Roboto Slab"/>
+                <a:cs typeface="Roboto Slab"/>
+                <a:sym typeface="Roboto Slab"/>
+                <a:hlinkClick r:id="rId7"/>
+              </a:rPr>
+              <a:t>Empirical Evaluation of Rectified Activations in Convolution</a:t>
+            </a:r>
+            <a:endParaRPr sz="1800">
+              <a:solidFill>
+                <a:schemeClr val="dk1"/>
+              </a:solidFill>
+              <a:latin typeface="Roboto Slab"/>
+              <a:ea typeface="Roboto Slab"/>
+              <a:cs typeface="Roboto Slab"/>
+              <a:sym typeface="Roboto Slab"/>
+            </a:endParaRPr>
+          </a:p>
+          <a:p>
+            <a:pPr indent="0" lvl="0" marL="0" rtl="0" algn="l">
+              <a:spcBef>
+                <a:spcPts val="0"/>
+              </a:spcBef>
+              <a:spcAft>
+                <a:spcPts val="0"/>
+              </a:spcAft>
+              <a:buNone/>
+            </a:pPr>
+            <a:r>
+              <a:rPr lang="en-GB" sz="1800" u="sng">
+                <a:solidFill>
+                  <a:schemeClr val="hlink"/>
+                </a:solidFill>
+                <a:latin typeface="Roboto Slab"/>
+                <a:ea typeface="Roboto Slab"/>
+                <a:cs typeface="Roboto Slab"/>
+                <a:sym typeface="Roboto Slab"/>
+                <a:hlinkClick r:id="rId8"/>
+              </a:rPr>
+              <a:t>Network</a:t>
+            </a:r>
+            <a:r>
+              <a:rPr lang="en-GB" sz="1800">
+                <a:solidFill>
+                  <a:schemeClr val="dk1"/>
+                </a:solidFill>
+                <a:latin typeface="Roboto Slab"/>
+                <a:ea typeface="Roboto Slab"/>
+                <a:cs typeface="Roboto Slab"/>
+                <a:sym typeface="Roboto Slab"/>
+              </a:rPr>
+              <a:t> (Xu et al. 2015)</a:t>
+            </a:r>
+            <a:endParaRPr sz="1800">
+              <a:solidFill>
+                <a:schemeClr val="dk1"/>
+              </a:solidFill>
+              <a:latin typeface="Roboto Slab"/>
+              <a:ea typeface="Roboto Slab"/>
+              <a:cs typeface="Roboto Slab"/>
+              <a:sym typeface="Roboto Slab"/>
+            </a:endParaRPr>
+          </a:p>
+          <a:p>
+            <a:pPr indent="0" lvl="0" marL="0" rtl="0" algn="l">
+              <a:spcBef>
+                <a:spcPts val="0"/>
+              </a:spcBef>
+              <a:spcAft>
+                <a:spcPts val="0"/>
+              </a:spcAft>
+              <a:buNone/>
+            </a:pPr>
+            <a:r>
+              <a:t/>
+            </a:r>
+            <a:endParaRPr sz="1800">
+              <a:solidFill>
+                <a:schemeClr val="dk1"/>
+              </a:solidFill>
+              <a:latin typeface="Roboto Slab"/>
+              <a:ea typeface="Roboto Slab"/>
+              <a:cs typeface="Roboto Slab"/>
+              <a:sym typeface="Roboto Slab"/>
+            </a:endParaRPr>
+          </a:p>
+          <a:p>
+            <a:pPr indent="0" lvl="0" marL="0" rtl="0" algn="l">
+              <a:spcBef>
+                <a:spcPts val="0"/>
+              </a:spcBef>
+              <a:spcAft>
+                <a:spcPts val="0"/>
+              </a:spcAft>
+              <a:buNone/>
+            </a:pPr>
+            <a:r>
+              <a:rPr lang="en-GB" sz="1800" u="sng">
+                <a:solidFill>
+                  <a:schemeClr val="hlink"/>
+                </a:solidFill>
+                <a:latin typeface="Roboto Slab"/>
+                <a:ea typeface="Roboto Slab"/>
+                <a:cs typeface="Roboto Slab"/>
+                <a:sym typeface="Roboto Slab"/>
+                <a:hlinkClick r:id="rId9"/>
+              </a:rPr>
+              <a:t>Visualizing Neural Networks from a Manifold Perspective</a:t>
+            </a:r>
+            <a:r>
+              <a:rPr lang="en-GB" sz="1800">
+                <a:solidFill>
+                  <a:schemeClr val="dk1"/>
+                </a:solidFill>
+                <a:latin typeface="Roboto Slab"/>
+                <a:ea typeface="Roboto Slab"/>
+                <a:cs typeface="Roboto Slab"/>
+                <a:sym typeface="Roboto Slab"/>
+              </a:rPr>
+              <a:t> (Olah 2014)</a:t>
+            </a:r>
+            <a:endParaRPr sz="1800">
+              <a:solidFill>
+                <a:schemeClr val="dk1"/>
+              </a:solidFill>
+              <a:latin typeface="Roboto Slab"/>
+              <a:ea typeface="Roboto Slab"/>
+              <a:cs typeface="Roboto Slab"/>
+              <a:sym typeface="Roboto Slab"/>
+            </a:endParaRPr>
+          </a:p>
+          <a:p>
+            <a:pPr indent="0" lvl="0" marL="0" rtl="0" algn="l">
+              <a:spcBef>
+                <a:spcPts val="0"/>
+              </a:spcBef>
+              <a:spcAft>
+                <a:spcPts val="0"/>
+              </a:spcAft>
+              <a:buNone/>
+            </a:pPr>
+            <a:r>
+              <a:t/>
+            </a:r>
+            <a:endParaRPr sz="1800">
+              <a:solidFill>
+                <a:schemeClr val="dk1"/>
+              </a:solidFill>
+              <a:latin typeface="Roboto Slab"/>
+              <a:ea typeface="Roboto Slab"/>
+              <a:cs typeface="Roboto Slab"/>
+              <a:sym typeface="Roboto Slab"/>
+            </a:endParaRPr>
+          </a:p>
+          <a:p>
+            <a:pPr indent="0" lvl="0" marL="0" rtl="0" algn="l">
+              <a:spcBef>
+                <a:spcPts val="0"/>
+              </a:spcBef>
+              <a:spcAft>
+                <a:spcPts val="0"/>
+              </a:spcAft>
+              <a:buNone/>
+            </a:pPr>
+            <a:r>
+              <a:t/>
+            </a:r>
+            <a:endParaRPr sz="1800">
+              <a:solidFill>
+                <a:schemeClr val="dk1"/>
+              </a:solidFill>
+              <a:latin typeface="Roboto Slab"/>
+              <a:ea typeface="Roboto Slab"/>
+              <a:cs typeface="Roboto Slab"/>
+              <a:sym typeface="Roboto Slab"/>
+            </a:endParaRPr>
+          </a:p>
+          <a:p>
+            <a:pPr indent="0" lvl="0" marL="0" rtl="0" algn="l">
+              <a:spcBef>
+                <a:spcPts val="0"/>
+              </a:spcBef>
+              <a:spcAft>
+                <a:spcPts val="0"/>
+              </a:spcAft>
+              <a:buNone/>
+            </a:pPr>
+            <a:r>
+              <a:t/>
+            </a:r>
+            <a:endParaRPr sz="1800">
+              <a:solidFill>
+                <a:schemeClr val="dk1"/>
+              </a:solidFill>
+              <a:latin typeface="Roboto Slab"/>
+              <a:ea typeface="Roboto Slab"/>
+              <a:cs typeface="Roboto Slab"/>
+              <a:sym typeface="Roboto Slab"/>
+            </a:endParaRPr>
+          </a:p>
+          <a:p>
+            <a:pPr indent="0" lvl="0" marL="0" rtl="0" algn="l">
+              <a:spcBef>
+                <a:spcPts val="0"/>
+              </a:spcBef>
+              <a:spcAft>
+                <a:spcPts val="0"/>
+              </a:spcAft>
+              <a:buNone/>
+            </a:pPr>
+            <a:r>
+              <a:t/>
+            </a:r>
+            <a:endParaRPr sz="1800">
+              <a:solidFill>
+                <a:schemeClr val="dk1"/>
+              </a:solidFill>
+              <a:latin typeface="Roboto Slab"/>
+              <a:ea typeface="Roboto Slab"/>
+              <a:cs typeface="Roboto Slab"/>
+              <a:sym typeface="Roboto Slab"/>
+            </a:endParaRPr>
+          </a:p>
+          <a:p>
+            <a:pPr indent="0" lvl="0" marL="0" rtl="0" algn="l">
+              <a:spcBef>
+                <a:spcPts val="0"/>
+              </a:spcBef>
+              <a:spcAft>
+                <a:spcPts val="0"/>
+              </a:spcAft>
+              <a:buNone/>
+            </a:pPr>
+            <a:r>
+              <a:t/>
+            </a:r>
+            <a:endParaRPr sz="1800">
+              <a:solidFill>
+                <a:schemeClr val="dk1"/>
+              </a:solidFill>
+              <a:latin typeface="Roboto Slab"/>
+              <a:ea typeface="Roboto Slab"/>
+              <a:cs typeface="Roboto Slab"/>
+              <a:sym typeface="Roboto Slab"/>
+            </a:endParaRPr>
+          </a:p>
+          <a:p>
+            <a:pPr indent="0" lvl="0" marL="0" rtl="0" algn="l">
+              <a:spcBef>
+                <a:spcPts val="0"/>
+              </a:spcBef>
+              <a:spcAft>
+                <a:spcPts val="0"/>
+              </a:spcAft>
+              <a:buNone/>
+            </a:pPr>
+            <a:r>
+              <a:t/>
+            </a:r>
+            <a:endParaRPr sz="1800">
+              <a:solidFill>
+                <a:schemeClr val="dk1"/>
+              </a:solidFill>
+              <a:latin typeface="Roboto Slab"/>
+              <a:ea typeface="Roboto Slab"/>
+              <a:cs typeface="Roboto Slab"/>
+              <a:sym typeface="Roboto Slab"/>
+            </a:endParaRPr>
+          </a:p>
+          <a:p>
+            <a:pPr indent="0" lvl="0" marL="0" rtl="0" algn="l">
+              <a:spcBef>
+                <a:spcPts val="0"/>
+              </a:spcBef>
+              <a:spcAft>
+                <a:spcPts val="0"/>
+              </a:spcAft>
+              <a:buNone/>
+            </a:pPr>
+            <a:r>
+              <a:t/>
+            </a:r>
+            <a:endParaRPr sz="1800">
+              <a:solidFill>
+                <a:schemeClr val="dk1"/>
+              </a:solidFill>
+              <a:latin typeface="Roboto Slab"/>
+              <a:ea typeface="Roboto Slab"/>
+              <a:cs typeface="Roboto Slab"/>
+              <a:sym typeface="Roboto Slab"/>
+            </a:endParaRPr>
+          </a:p>
+          <a:p>
+            <a:pPr indent="0" lvl="0" marL="0" rtl="0" algn="l">
+              <a:spcBef>
+                <a:spcPts val="0"/>
+              </a:spcBef>
+              <a:spcAft>
+                <a:spcPts val="0"/>
+              </a:spcAft>
+              <a:buNone/>
+            </a:pPr>
+            <a:r>
+              <a:t/>
+            </a:r>
+            <a:endParaRPr sz="1800">
+              <a:solidFill>
+                <a:schemeClr val="dk1"/>
+              </a:solidFill>
+              <a:latin typeface="Roboto Slab"/>
+              <a:ea typeface="Roboto Slab"/>
+              <a:cs typeface="Roboto Slab"/>
+              <a:sym typeface="Roboto Slab"/>
+            </a:endParaRPr>
+          </a:p>
+        </p:txBody>
+      </p:sp>
+      <p:sp>
+        <p:nvSpPr>
+          <p:cNvPr id="442" name="Google Shape;442;p67"/>
           <p:cNvSpPr txBox="1"/>
           <p:nvPr>
             <p:ph idx="12" type="sldNum"/>
@@ -30606,154 +30908,21 @@
               <a:buNone/>
             </a:pPr>
             <a:fld id="{00000000-1234-1234-1234-123412341234}" type="slidenum">
-              <a:rPr lang="en-GB"/>
+              <a:rPr lang="en-GB">
+                <a:solidFill>
+                  <a:srgbClr val="0091EA"/>
+                </a:solidFill>
+              </a:rPr>
               <a:t>‹#›</a:t>
             </a:fld>
-            <a:endParaRPr/>
+            <a:endParaRPr>
+              <a:solidFill>
+                <a:srgbClr val="0091EA"/>
+              </a:solidFill>
+            </a:endParaRPr>
           </a:p>
         </p:txBody>
       </p:sp>
-      <p:sp>
-        <p:nvSpPr>
-          <p:cNvPr id="448" name="Google Shape;448;p66"/>
-          <p:cNvSpPr txBox="1"/>
-          <p:nvPr/>
-        </p:nvSpPr>
-        <p:spPr>
-          <a:xfrm>
-            <a:off x="5499000" y="3002700"/>
-            <a:ext cx="3096000" cy="753600"/>
-          </a:xfrm>
-          <a:prstGeom prst="rect">
-            <a:avLst/>
-          </a:prstGeom>
-          <a:noFill/>
-          <a:ln>
-            <a:noFill/>
-          </a:ln>
-        </p:spPr>
-        <p:txBody>
-          <a:bodyPr anchorCtr="0" anchor="t" bIns="91425" lIns="91425" spcFirstLastPara="1" rIns="91425" wrap="square" tIns="91425">
-            <a:noAutofit/>
-          </a:bodyPr>
-          <a:lstStyle/>
-          <a:p>
-            <a:pPr indent="0" lvl="0" marL="0" rtl="0" algn="l">
-              <a:spcBef>
-                <a:spcPts val="0"/>
-              </a:spcBef>
-              <a:spcAft>
-                <a:spcPts val="0"/>
-              </a:spcAft>
-              <a:buNone/>
-            </a:pPr>
-            <a:r>
-              <a:t/>
-            </a:r>
-            <a:endParaRPr/>
-          </a:p>
-        </p:txBody>
-      </p:sp>
-      <p:sp>
-        <p:nvSpPr>
-          <p:cNvPr id="449" name="Google Shape;449;p66"/>
-          <p:cNvSpPr txBox="1"/>
-          <p:nvPr/>
-        </p:nvSpPr>
-        <p:spPr>
-          <a:xfrm>
-            <a:off x="893550" y="3756300"/>
-            <a:ext cx="6485700" cy="524700"/>
-          </a:xfrm>
-          <a:prstGeom prst="rect">
-            <a:avLst/>
-          </a:prstGeom>
-          <a:noFill/>
-          <a:ln>
-            <a:noFill/>
-          </a:ln>
-        </p:spPr>
-        <p:txBody>
-          <a:bodyPr anchorCtr="0" anchor="t" bIns="91425" lIns="91425" spcFirstLastPara="1" rIns="91425" wrap="square" tIns="91425">
-            <a:noAutofit/>
-          </a:bodyPr>
-          <a:lstStyle/>
-          <a:p>
-            <a:pPr indent="0" lvl="0" marL="0" rtl="0" algn="l">
-              <a:spcBef>
-                <a:spcPts val="0"/>
-              </a:spcBef>
-              <a:spcAft>
-                <a:spcPts val="0"/>
-              </a:spcAft>
-              <a:buNone/>
-            </a:pPr>
-            <a:r>
-              <a:rPr lang="en-GB" sz="1600"/>
-              <a:t>:</a:t>
-            </a:r>
-            <a:endParaRPr sz="1600"/>
-          </a:p>
-          <a:p>
-            <a:pPr indent="0" lvl="0" marL="0" rtl="0" algn="l">
-              <a:spcBef>
-                <a:spcPts val="0"/>
-              </a:spcBef>
-              <a:spcAft>
-                <a:spcPts val="0"/>
-              </a:spcAft>
-              <a:buNone/>
-            </a:pPr>
-            <a:r>
-              <a:t/>
-            </a:r>
-            <a:endParaRPr sz="1600"/>
-          </a:p>
-          <a:p>
-            <a:pPr indent="0" lvl="0" marL="0" rtl="0" algn="l">
-              <a:spcBef>
-                <a:spcPts val="0"/>
-              </a:spcBef>
-              <a:spcAft>
-                <a:spcPts val="0"/>
-              </a:spcAft>
-              <a:buNone/>
-            </a:pPr>
-            <a:r>
-              <a:t/>
-            </a:r>
-            <a:endParaRPr/>
-          </a:p>
-        </p:txBody>
-      </p:sp>
-      <p:pic>
-        <p:nvPicPr>
-          <p:cNvPr id="450" name="Google Shape;450;p66"/>
-          <p:cNvPicPr preferRelativeResize="0"/>
-          <p:nvPr/>
-        </p:nvPicPr>
-        <p:blipFill>
-          <a:blip r:embed="rId3">
-            <a:alphaModFix/>
-          </a:blip>
-          <a:stretch>
-            <a:fillRect/>
-          </a:stretch>
-        </p:blipFill>
-        <p:spPr>
-          <a:xfrm>
-            <a:off x="1275075" y="1489500"/>
-            <a:ext cx="4945370" cy="2724544"/>
-          </a:xfrm>
-          <a:prstGeom prst="rect">
-            <a:avLst/>
-          </a:prstGeom>
-          <a:noFill/>
-          <a:ln>
-            <a:noFill/>
-          </a:ln>
-        </p:spPr>
-      </p:pic>
     </p:spTree>
   </p:cSld>
   <p:clrMapOvr>
@@ -30762,12 +30931,12 @@
 </p:sld>
 </file>
 
-<file path=ppt/slides/slide33.xml><?xml version="1.0" encoding="utf-8"?>
+<file path=ppt/slides/slide34.xml><?xml version="1.0" encoding="utf-8"?>
 <p:sld xmlns:a="http://schemas.openxmlformats.org/drawingml/2006/main" xmlns:r="http://schemas.openxmlformats.org/officeDocument/2006/relationships" xmlns:mc="http://schemas.openxmlformats.org/markup-compatibility/2006" xmlns:mv="urn:schemas-microsoft-com:mac:vml" xmlns:p="http://schemas.openxmlformats.org/presentationml/2006/main" xmlns:c="http://schemas.openxmlformats.org/drawingml/2006/chart" xmlns:dgm="http://schemas.openxmlformats.org/drawingml/2006/diagram" xmlns:o="urn:schemas-microsoft-com:office:office" xmlns:v="urn:schemas-microsoft-com:vml" xmlns:pvml="urn:schemas-microsoft-com:office:powerpoint" xmlns:com="http://schemas.openxmlformats.org/drawingml/2006/compatibility" xmlns:p14="http://schemas.microsoft.com/office/powerpoint/2010/main" xmlns:p15="http://schemas.microsoft.com/office/powerpoint/2012/main">
   <p:cSld>
     <p:spTree>
       <p:nvGrpSpPr>
-        <p:cNvPr id="454" name="Shape 454"/>
+        <p:cNvPr id="446" name="Shape 446"/>
         <p:cNvGrpSpPr/>
         <p:nvPr/>
       </p:nvGrpSpPr>
@@ -30781,16 +30950,16 @@
       </p:grpSpPr>
       <p:sp>
         <p:nvSpPr>
-          <p:cNvPr id="455" name="Google Shape;455;p67"/>
+          <p:cNvPr id="447" name="Google Shape;447;p68"/>
           <p:cNvSpPr txBox="1"/>
           <p:nvPr>
-            <p:ph type="title"/>
+            <p:ph idx="4294967295" type="ctrTitle"/>
           </p:nvPr>
         </p:nvSpPr>
         <p:spPr>
           <a:xfrm>
-            <a:off x="786150" y="410826"/>
-            <a:ext cx="7571700" cy="936900"/>
+            <a:off x="1277250" y="1235825"/>
+            <a:ext cx="5262300" cy="2193300"/>
           </a:xfrm>
           <a:prstGeom prst="rect">
             <a:avLst/>
@@ -30812,20 +30981,343 @@
               <a:buNone/>
             </a:pPr>
             <a:r>
-              <a:rPr lang="en-GB" sz="2400">
+              <a:rPr b="1" lang="en-GB" sz="6000">
                 <a:solidFill>
                   <a:srgbClr val="CC0000"/>
                 </a:solidFill>
               </a:rPr>
-              <a:t>Backpropagation - A Simple Example c</a:t>
-            </a:r>
-            <a:endParaRPr/>
+              <a:t>Homework</a:t>
+            </a:r>
+            <a:br>
+              <a:rPr b="1" lang="en-GB" sz="6000">
+                <a:solidFill>
+                  <a:srgbClr val="CC0000"/>
+                </a:solidFill>
+              </a:rPr>
+            </a:br>
+            <a:r>
+              <a:rPr b="1" lang="en-GB" sz="6000">
+                <a:solidFill>
+                  <a:srgbClr val="CC0000"/>
+                </a:solidFill>
+              </a:rPr>
+              <a:t>Assignment</a:t>
+            </a:r>
+            <a:endParaRPr b="1" sz="6000">
+              <a:solidFill>
+                <a:srgbClr val="CC0000"/>
+              </a:solidFill>
+            </a:endParaRPr>
           </a:p>
         </p:txBody>
       </p:sp>
       <p:sp>
         <p:nvSpPr>
-          <p:cNvPr id="456" name="Google Shape;456;p67"/>
+          <p:cNvPr id="448" name="Google Shape;448;p68"/>
+          <p:cNvSpPr txBox="1"/>
+          <p:nvPr>
+            <p:ph idx="12" type="sldNum"/>
+          </p:nvPr>
+        </p:nvSpPr>
+        <p:spPr>
+          <a:xfrm>
+            <a:off x="8404384" y="6333134"/>
+            <a:ext cx="548700" cy="525000"/>
+          </a:xfrm>
+          <a:prstGeom prst="rect">
+            <a:avLst/>
+          </a:prstGeom>
+        </p:spPr>
+        <p:txBody>
+          <a:bodyPr anchorCtr="0" anchor="t" bIns="91425" lIns="91425" spcFirstLastPara="1" rIns="91425" wrap="square" tIns="91425">
+            <a:noAutofit/>
+          </a:bodyPr>
+          <a:lstStyle/>
+          <a:p>
+            <a:pPr indent="0" lvl="0" marL="0" rtl="0" algn="r">
+              <a:spcBef>
+                <a:spcPts val="0"/>
+              </a:spcBef>
+              <a:spcAft>
+                <a:spcPts val="0"/>
+              </a:spcAft>
+              <a:buNone/>
+            </a:pPr>
+            <a:fld id="{00000000-1234-1234-1234-123412341234}" type="slidenum">
+              <a:rPr lang="en-GB"/>
+              <a:t>‹#›</a:t>
+            </a:fld>
+            <a:endParaRPr/>
+          </a:p>
+        </p:txBody>
+      </p:sp>
+      <p:sp>
+        <p:nvSpPr>
+          <p:cNvPr id="449" name="Google Shape;449;p68"/>
+          <p:cNvSpPr txBox="1"/>
+          <p:nvPr>
+            <p:ph idx="4294967295" type="body"/>
+          </p:nvPr>
+        </p:nvSpPr>
+        <p:spPr>
+          <a:xfrm>
+            <a:off x="318400" y="3612400"/>
+            <a:ext cx="8339700" cy="1800600"/>
+          </a:xfrm>
+          <a:prstGeom prst="rect">
+            <a:avLst/>
+          </a:prstGeom>
+        </p:spPr>
+        <p:txBody>
+          <a:bodyPr anchorCtr="0" anchor="t" bIns="91425" lIns="91425" spcFirstLastPara="1" rIns="91425" wrap="square" tIns="91425">
+            <a:noAutofit/>
+          </a:bodyPr>
+          <a:lstStyle/>
+          <a:p>
+            <a:pPr indent="0" lvl="0" marL="914400" rtl="0" algn="l">
+              <a:spcBef>
+                <a:spcPts val="0"/>
+              </a:spcBef>
+              <a:spcAft>
+                <a:spcPts val="0"/>
+              </a:spcAft>
+              <a:buNone/>
+            </a:pPr>
+            <a:r>
+              <a:rPr b="1" lang="en-GB" sz="2000">
+                <a:solidFill>
+                  <a:schemeClr val="dk1"/>
+                </a:solidFill>
+                <a:latin typeface="Roboto Slab"/>
+                <a:ea typeface="Roboto Slab"/>
+                <a:cs typeface="Roboto Slab"/>
+                <a:sym typeface="Roboto Slab"/>
+              </a:rPr>
+              <a:t>Theoretical Recap and Feed Forward Neural Networks</a:t>
+            </a:r>
+            <a:endParaRPr b="1" sz="2000">
+              <a:solidFill>
+                <a:schemeClr val="dk1"/>
+              </a:solidFill>
+              <a:latin typeface="Roboto Slab"/>
+              <a:ea typeface="Roboto Slab"/>
+              <a:cs typeface="Roboto Slab"/>
+              <a:sym typeface="Roboto Slab"/>
+            </a:endParaRPr>
+          </a:p>
+          <a:p>
+            <a:pPr indent="0" lvl="0" marL="914400" rtl="0" algn="l">
+              <a:spcBef>
+                <a:spcPts val="0"/>
+              </a:spcBef>
+              <a:spcAft>
+                <a:spcPts val="0"/>
+              </a:spcAft>
+              <a:buNone/>
+            </a:pPr>
+            <a:r>
+              <a:t/>
+            </a:r>
+            <a:endParaRPr b="1" sz="2000">
+              <a:solidFill>
+                <a:schemeClr val="dk1"/>
+              </a:solidFill>
+              <a:latin typeface="Roboto Slab"/>
+              <a:ea typeface="Roboto Slab"/>
+              <a:cs typeface="Roboto Slab"/>
+              <a:sym typeface="Roboto Slab"/>
+            </a:endParaRPr>
+          </a:p>
+          <a:p>
+            <a:pPr indent="0" lvl="0" marL="914400" rtl="0" algn="l">
+              <a:spcBef>
+                <a:spcPts val="0"/>
+              </a:spcBef>
+              <a:spcAft>
+                <a:spcPts val="0"/>
+              </a:spcAft>
+              <a:buNone/>
+            </a:pPr>
+            <a:r>
+              <a:rPr b="1" lang="en-GB" sz="2000">
+                <a:solidFill>
+                  <a:srgbClr val="1155CC"/>
+                </a:solidFill>
+                <a:latin typeface="Roboto Slab"/>
+                <a:ea typeface="Roboto Slab"/>
+                <a:cs typeface="Roboto Slab"/>
+                <a:sym typeface="Roboto Slab"/>
+              </a:rPr>
+              <a:t>Assignment7-TheoryRecapAndFeedForwardNN.ipynb</a:t>
+            </a:r>
+            <a:r>
+              <a:rPr b="1" lang="en-GB" sz="2000">
+                <a:solidFill>
+                  <a:schemeClr val="dk1"/>
+                </a:solidFill>
+                <a:latin typeface="Roboto Slab"/>
+                <a:ea typeface="Roboto Slab"/>
+                <a:cs typeface="Roboto Slab"/>
+                <a:sym typeface="Roboto Slab"/>
+              </a:rPr>
+              <a:t> </a:t>
+            </a:r>
+            <a:endParaRPr b="1" sz="2000">
+              <a:solidFill>
+                <a:schemeClr val="dk1"/>
+              </a:solidFill>
+              <a:latin typeface="Roboto Slab"/>
+              <a:ea typeface="Roboto Slab"/>
+              <a:cs typeface="Roboto Slab"/>
+              <a:sym typeface="Roboto Slab"/>
+            </a:endParaRPr>
+          </a:p>
+          <a:p>
+            <a:pPr indent="0" lvl="0" marL="0" rtl="0" algn="l">
+              <a:spcBef>
+                <a:spcPts val="0"/>
+              </a:spcBef>
+              <a:spcAft>
+                <a:spcPts val="0"/>
+              </a:spcAft>
+              <a:buClr>
+                <a:schemeClr val="dk1"/>
+              </a:buClr>
+              <a:buSzPts val="1100"/>
+              <a:buFont typeface="Arial"/>
+              <a:buNone/>
+            </a:pPr>
+            <a:r>
+              <a:t/>
+            </a:r>
+            <a:endParaRPr sz="2000">
+              <a:solidFill>
+                <a:schemeClr val="dk1"/>
+              </a:solidFill>
+              <a:latin typeface="Roboto Slab"/>
+              <a:ea typeface="Roboto Slab"/>
+              <a:cs typeface="Roboto Slab"/>
+              <a:sym typeface="Roboto Slab"/>
+            </a:endParaRPr>
+          </a:p>
+        </p:txBody>
+      </p:sp>
+    </p:spTree>
+  </p:cSld>
+  <p:clrMapOvr>
+    <a:masterClrMapping/>
+  </p:clrMapOvr>
+</p:sld>
+</file>
+
+<file path=ppt/slides/slide35.xml><?xml version="1.0" encoding="utf-8"?>
+<p:sld xmlns:a="http://schemas.openxmlformats.org/drawingml/2006/main" xmlns:r="http://schemas.openxmlformats.org/officeDocument/2006/relationships" xmlns:mc="http://schemas.openxmlformats.org/markup-compatibility/2006" xmlns:mv="urn:schemas-microsoft-com:mac:vml" xmlns:p="http://schemas.openxmlformats.org/presentationml/2006/main" xmlns:c="http://schemas.openxmlformats.org/drawingml/2006/chart" xmlns:dgm="http://schemas.openxmlformats.org/drawingml/2006/diagram" xmlns:o="urn:schemas-microsoft-com:office:office" xmlns:v="urn:schemas-microsoft-com:vml" xmlns:pvml="urn:schemas-microsoft-com:office:powerpoint" xmlns:com="http://schemas.openxmlformats.org/drawingml/2006/compatibility" xmlns:p14="http://schemas.microsoft.com/office/powerpoint/2010/main" xmlns:p15="http://schemas.microsoft.com/office/powerpoint/2012/main">
+  <p:cSld>
+    <p:spTree>
+      <p:nvGrpSpPr>
+        <p:cNvPr id="453" name="Shape 453"/>
+        <p:cNvGrpSpPr/>
+        <p:nvPr/>
+      </p:nvGrpSpPr>
+      <p:grpSpPr>
+        <a:xfrm>
+          <a:off x="0" y="0"/>
+          <a:ext cx="0" cy="0"/>
+          <a:chOff x="0" y="0"/>
+          <a:chExt cx="0" cy="0"/>
+        </a:xfrm>
+      </p:grpSpPr>
+      <p:sp>
+        <p:nvSpPr>
+          <p:cNvPr id="454" name="Google Shape;454;p69"/>
+          <p:cNvSpPr txBox="1"/>
+          <p:nvPr>
+            <p:ph idx="4294967295" type="ctrTitle"/>
+          </p:nvPr>
+        </p:nvSpPr>
+        <p:spPr>
+          <a:xfrm>
+            <a:off x="1180675" y="1628073"/>
+            <a:ext cx="7772400" cy="1546500"/>
+          </a:xfrm>
+          <a:prstGeom prst="rect">
+            <a:avLst/>
+          </a:prstGeom>
+        </p:spPr>
+        <p:txBody>
+          <a:bodyPr anchorCtr="0" anchor="b" bIns="91425" lIns="91425" spcFirstLastPara="1" rIns="91425" wrap="square" tIns="91425">
+            <a:noAutofit/>
+          </a:bodyPr>
+          <a:lstStyle/>
+          <a:p>
+            <a:pPr indent="0" lvl="0" marL="0" rtl="0" algn="l">
+              <a:spcBef>
+                <a:spcPts val="0"/>
+              </a:spcBef>
+              <a:spcAft>
+                <a:spcPts val="0"/>
+              </a:spcAft>
+              <a:buNone/>
+            </a:pPr>
+            <a:r>
+              <a:rPr b="1" lang="en-GB" sz="6000">
+                <a:solidFill>
+                  <a:srgbClr val="CC0000"/>
+                </a:solidFill>
+              </a:rPr>
+              <a:t>Thanks!</a:t>
+            </a:r>
+            <a:endParaRPr b="1" sz="6000">
+              <a:solidFill>
+                <a:srgbClr val="CC0000"/>
+              </a:solidFill>
+            </a:endParaRPr>
+          </a:p>
+        </p:txBody>
+      </p:sp>
+      <p:sp>
+        <p:nvSpPr>
+          <p:cNvPr id="455" name="Google Shape;455;p69"/>
+          <p:cNvSpPr txBox="1"/>
+          <p:nvPr>
+            <p:ph idx="4294967295" type="subTitle"/>
+          </p:nvPr>
+        </p:nvSpPr>
+        <p:spPr>
+          <a:xfrm>
+            <a:off x="1180675" y="3078675"/>
+            <a:ext cx="6593700" cy="1046400"/>
+          </a:xfrm>
+          <a:prstGeom prst="rect">
+            <a:avLst/>
+          </a:prstGeom>
+        </p:spPr>
+        <p:txBody>
+          <a:bodyPr anchorCtr="0" anchor="t" bIns="91425" lIns="91425" spcFirstLastPara="1" rIns="91425" wrap="square" tIns="91425">
+            <a:noAutofit/>
+          </a:bodyPr>
+          <a:lstStyle/>
+          <a:p>
+            <a:pPr indent="0" lvl="0" marL="0" rtl="0" algn="l">
+              <a:spcBef>
+                <a:spcPts val="600"/>
+              </a:spcBef>
+              <a:spcAft>
+                <a:spcPts val="0"/>
+              </a:spcAft>
+              <a:buNone/>
+            </a:pPr>
+            <a:r>
+              <a:rPr b="1" lang="en-GB" sz="3600"/>
+              <a:t>Any questions?</a:t>
+            </a:r>
+            <a:endParaRPr b="1" sz="3600"/>
+          </a:p>
+        </p:txBody>
+      </p:sp>
+      <p:sp>
+        <p:nvSpPr>
+          <p:cNvPr id="456" name="Google Shape;456;p69"/>
           <p:cNvSpPr txBox="1"/>
           <p:nvPr>
             <p:ph idx="12" type="sldNum"/>
@@ -30863,3357 +31355,9 @@
           </a:p>
         </p:txBody>
       </p:sp>
-      <p:sp>
-        <p:nvSpPr>
-          <p:cNvPr id="457" name="Google Shape;457;p67"/>
-          <p:cNvSpPr txBox="1"/>
-          <p:nvPr/>
-        </p:nvSpPr>
-        <p:spPr>
-          <a:xfrm>
-            <a:off x="5499000" y="3002700"/>
-            <a:ext cx="3096000" cy="753600"/>
-          </a:xfrm>
-          <a:prstGeom prst="rect">
-            <a:avLst/>
-          </a:prstGeom>
-          <a:noFill/>
-          <a:ln>
-            <a:noFill/>
-          </a:ln>
-        </p:spPr>
-        <p:txBody>
-          <a:bodyPr anchorCtr="0" anchor="t" bIns="91425" lIns="91425" spcFirstLastPara="1" rIns="91425" wrap="square" tIns="91425">
-            <a:noAutofit/>
-          </a:bodyPr>
-          <a:lstStyle/>
-          <a:p>
-            <a:pPr indent="0" lvl="0" marL="0" rtl="0" algn="l">
-              <a:spcBef>
-                <a:spcPts val="0"/>
-              </a:spcBef>
-              <a:spcAft>
-                <a:spcPts val="0"/>
-              </a:spcAft>
-              <a:buNone/>
-            </a:pPr>
-            <a:r>
-              <a:t/>
-            </a:r>
-            <a:endParaRPr/>
-          </a:p>
-        </p:txBody>
-      </p:sp>
-      <p:sp>
-        <p:nvSpPr>
-          <p:cNvPr id="458" name="Google Shape;458;p67"/>
-          <p:cNvSpPr txBox="1"/>
-          <p:nvPr/>
-        </p:nvSpPr>
-        <p:spPr>
-          <a:xfrm>
-            <a:off x="893550" y="3756300"/>
-            <a:ext cx="6485700" cy="524700"/>
-          </a:xfrm>
-          <a:prstGeom prst="rect">
-            <a:avLst/>
-          </a:prstGeom>
-          <a:noFill/>
-          <a:ln>
-            <a:noFill/>
-          </a:ln>
-        </p:spPr>
-        <p:txBody>
-          <a:bodyPr anchorCtr="0" anchor="t" bIns="91425" lIns="91425" spcFirstLastPara="1" rIns="91425" wrap="square" tIns="91425">
-            <a:noAutofit/>
-          </a:bodyPr>
-          <a:lstStyle/>
-          <a:p>
-            <a:pPr indent="0" lvl="0" marL="0" rtl="0" algn="l">
-              <a:spcBef>
-                <a:spcPts val="0"/>
-              </a:spcBef>
-              <a:spcAft>
-                <a:spcPts val="0"/>
-              </a:spcAft>
-              <a:buNone/>
-            </a:pPr>
-            <a:r>
-              <a:rPr lang="en-GB" sz="1600"/>
-              <a:t>:</a:t>
-            </a:r>
-            <a:endParaRPr sz="1600"/>
-          </a:p>
-          <a:p>
-            <a:pPr indent="0" lvl="0" marL="0" rtl="0" algn="l">
-              <a:spcBef>
-                <a:spcPts val="0"/>
-              </a:spcBef>
-              <a:spcAft>
-                <a:spcPts val="0"/>
-              </a:spcAft>
-              <a:buNone/>
-            </a:pPr>
-            <a:r>
-              <a:t/>
-            </a:r>
-            <a:endParaRPr sz="1600"/>
-          </a:p>
-          <a:p>
-            <a:pPr indent="0" lvl="0" marL="0" rtl="0" algn="l">
-              <a:spcBef>
-                <a:spcPts val="0"/>
-              </a:spcBef>
-              <a:spcAft>
-                <a:spcPts val="0"/>
-              </a:spcAft>
-              <a:buNone/>
-            </a:pPr>
-            <a:r>
-              <a:t/>
-            </a:r>
-            <a:endParaRPr/>
-          </a:p>
-        </p:txBody>
-      </p:sp>
-      <p:pic>
-        <p:nvPicPr>
-          <p:cNvPr id="459" name="Google Shape;459;p67"/>
-          <p:cNvPicPr preferRelativeResize="0"/>
-          <p:nvPr/>
-        </p:nvPicPr>
-        <p:blipFill>
-          <a:blip r:embed="rId3">
-            <a:alphaModFix/>
-          </a:blip>
-          <a:stretch>
-            <a:fillRect/>
-          </a:stretch>
-        </p:blipFill>
-        <p:spPr>
-          <a:xfrm>
-            <a:off x="997900" y="2335933"/>
-            <a:ext cx="4707731" cy="1893094"/>
-          </a:xfrm>
-          <a:prstGeom prst="rect">
-            <a:avLst/>
-          </a:prstGeom>
-          <a:noFill/>
-          <a:ln>
-            <a:noFill/>
-          </a:ln>
-        </p:spPr>
-      </p:pic>
-    </p:spTree>
-  </p:cSld>
-  <p:clrMapOvr>
-    <a:masterClrMapping/>
-  </p:clrMapOvr>
-</p:sld>
-</file>
-
-<file path=ppt/slides/slide34.xml><?xml version="1.0" encoding="utf-8"?>
-<p:sld xmlns:a="http://schemas.openxmlformats.org/drawingml/2006/main" xmlns:r="http://schemas.openxmlformats.org/officeDocument/2006/relationships" xmlns:mc="http://schemas.openxmlformats.org/markup-compatibility/2006" xmlns:mv="urn:schemas-microsoft-com:mac:vml" xmlns:p="http://schemas.openxmlformats.org/presentationml/2006/main" xmlns:c="http://schemas.openxmlformats.org/drawingml/2006/chart" xmlns:dgm="http://schemas.openxmlformats.org/drawingml/2006/diagram" xmlns:o="urn:schemas-microsoft-com:office:office" xmlns:v="urn:schemas-microsoft-com:vml" xmlns:pvml="urn:schemas-microsoft-com:office:powerpoint" xmlns:com="http://schemas.openxmlformats.org/drawingml/2006/compatibility" xmlns:p14="http://schemas.microsoft.com/office/powerpoint/2010/main" xmlns:p15="http://schemas.microsoft.com/office/powerpoint/2012/main">
-  <p:cSld>
-    <p:spTree>
-      <p:nvGrpSpPr>
-        <p:cNvPr id="463" name="Shape 463"/>
-        <p:cNvGrpSpPr/>
-        <p:nvPr/>
-      </p:nvGrpSpPr>
-      <p:grpSpPr>
-        <a:xfrm>
-          <a:off x="0" y="0"/>
-          <a:ext cx="0" cy="0"/>
-          <a:chOff x="0" y="0"/>
-          <a:chExt cx="0" cy="0"/>
-        </a:xfrm>
-      </p:grpSpPr>
-      <p:sp>
-        <p:nvSpPr>
-          <p:cNvPr id="464" name="Google Shape;464;p68"/>
-          <p:cNvSpPr txBox="1"/>
-          <p:nvPr>
-            <p:ph type="title"/>
-          </p:nvPr>
-        </p:nvSpPr>
-        <p:spPr>
-          <a:xfrm>
-            <a:off x="786150" y="410826"/>
-            <a:ext cx="7571700" cy="936900"/>
-          </a:xfrm>
-          <a:prstGeom prst="rect">
-            <a:avLst/>
-          </a:prstGeom>
-        </p:spPr>
-        <p:txBody>
-          <a:bodyPr anchorCtr="0" anchor="b" bIns="91425" lIns="91425" spcFirstLastPara="1" rIns="91425" wrap="square" tIns="91425">
-            <a:noAutofit/>
-          </a:bodyPr>
-          <a:lstStyle/>
-          <a:p>
-            <a:pPr indent="0" lvl="0" marL="0" rtl="0" algn="l">
-              <a:spcBef>
-                <a:spcPts val="0"/>
-              </a:spcBef>
-              <a:spcAft>
-                <a:spcPts val="0"/>
-              </a:spcAft>
-              <a:buNone/>
-            </a:pPr>
-            <a:r>
-              <a:rPr lang="en-GB" sz="2400">
-                <a:solidFill>
-                  <a:srgbClr val="CC0000"/>
-                </a:solidFill>
-              </a:rPr>
-              <a:t>So Now What?</a:t>
-            </a:r>
-            <a:endParaRPr/>
-          </a:p>
-        </p:txBody>
-      </p:sp>
-      <p:sp>
-        <p:nvSpPr>
-          <p:cNvPr id="465" name="Google Shape;465;p68"/>
-          <p:cNvSpPr txBox="1"/>
-          <p:nvPr>
-            <p:ph idx="12" type="sldNum"/>
-          </p:nvPr>
-        </p:nvSpPr>
-        <p:spPr>
-          <a:xfrm>
-            <a:off x="8404384" y="6333134"/>
-            <a:ext cx="548700" cy="524700"/>
-          </a:xfrm>
-          <a:prstGeom prst="rect">
-            <a:avLst/>
-          </a:prstGeom>
-        </p:spPr>
-        <p:txBody>
-          <a:bodyPr anchorCtr="0" anchor="t" bIns="91425" lIns="91425" spcFirstLastPara="1" rIns="91425" wrap="square" tIns="91425">
-            <a:noAutofit/>
-          </a:bodyPr>
-          <a:lstStyle/>
-          <a:p>
-            <a:pPr indent="0" lvl="0" marL="0" rtl="0" algn="r">
-              <a:spcBef>
-                <a:spcPts val="0"/>
-              </a:spcBef>
-              <a:spcAft>
-                <a:spcPts val="0"/>
-              </a:spcAft>
-              <a:buNone/>
-            </a:pPr>
-            <a:fld id="{00000000-1234-1234-1234-123412341234}" type="slidenum">
-              <a:rPr lang="en-GB"/>
-              <a:t>‹#›</a:t>
-            </a:fld>
-            <a:endParaRPr/>
-          </a:p>
-        </p:txBody>
-      </p:sp>
-      <p:sp>
-        <p:nvSpPr>
-          <p:cNvPr id="466" name="Google Shape;466;p68"/>
-          <p:cNvSpPr txBox="1"/>
-          <p:nvPr/>
-        </p:nvSpPr>
-        <p:spPr>
-          <a:xfrm>
-            <a:off x="5499000" y="3002700"/>
-            <a:ext cx="3096000" cy="753600"/>
-          </a:xfrm>
-          <a:prstGeom prst="rect">
-            <a:avLst/>
-          </a:prstGeom>
-          <a:noFill/>
-          <a:ln>
-            <a:noFill/>
-          </a:ln>
-        </p:spPr>
-        <p:txBody>
-          <a:bodyPr anchorCtr="0" anchor="t" bIns="91425" lIns="91425" spcFirstLastPara="1" rIns="91425" wrap="square" tIns="91425">
-            <a:noAutofit/>
-          </a:bodyPr>
-          <a:lstStyle/>
-          <a:p>
-            <a:pPr indent="0" lvl="0" marL="0" rtl="0" algn="l">
-              <a:spcBef>
-                <a:spcPts val="0"/>
-              </a:spcBef>
-              <a:spcAft>
-                <a:spcPts val="0"/>
-              </a:spcAft>
-              <a:buNone/>
-            </a:pPr>
-            <a:r>
-              <a:t/>
-            </a:r>
-            <a:endParaRPr/>
-          </a:p>
-        </p:txBody>
-      </p:sp>
-      <p:sp>
-        <p:nvSpPr>
-          <p:cNvPr id="467" name="Google Shape;467;p68"/>
-          <p:cNvSpPr txBox="1"/>
-          <p:nvPr/>
-        </p:nvSpPr>
-        <p:spPr>
-          <a:xfrm>
-            <a:off x="866050" y="1401179"/>
-            <a:ext cx="7052400" cy="4868400"/>
-          </a:xfrm>
-          <a:prstGeom prst="rect">
-            <a:avLst/>
-          </a:prstGeom>
-          <a:noFill/>
-          <a:ln>
-            <a:noFill/>
-          </a:ln>
-        </p:spPr>
-        <p:txBody>
-          <a:bodyPr anchorCtr="0" anchor="t" bIns="91425" lIns="91425" spcFirstLastPara="1" rIns="91425" wrap="square" tIns="91425">
-            <a:noAutofit/>
-          </a:bodyPr>
-          <a:lstStyle/>
-          <a:p>
-            <a:pPr indent="0" lvl="0" marL="0" rtl="0" algn="just">
-              <a:spcBef>
-                <a:spcPts val="0"/>
-              </a:spcBef>
-              <a:spcAft>
-                <a:spcPts val="0"/>
-              </a:spcAft>
-              <a:buClr>
-                <a:schemeClr val="dk1"/>
-              </a:buClr>
-              <a:buSzPts val="1100"/>
-              <a:buFont typeface="Arial"/>
-              <a:buNone/>
-            </a:pPr>
-            <a:r>
-              <a:rPr lang="en-GB" sz="1800">
-                <a:solidFill>
-                  <a:schemeClr val="dk1"/>
-                </a:solidFill>
-                <a:latin typeface="Roboto Slab"/>
-                <a:ea typeface="Roboto Slab"/>
-                <a:cs typeface="Roboto Slab"/>
-                <a:sym typeface="Roboto Slab"/>
-              </a:rPr>
-              <a:t>Initialize weights to small random numbers</a:t>
-            </a:r>
-            <a:endParaRPr sz="1800">
-              <a:solidFill>
-                <a:schemeClr val="dk1"/>
-              </a:solidFill>
-              <a:latin typeface="Roboto Slab"/>
-              <a:ea typeface="Roboto Slab"/>
-              <a:cs typeface="Roboto Slab"/>
-              <a:sym typeface="Roboto Slab"/>
-            </a:endParaRPr>
-          </a:p>
-          <a:p>
-            <a:pPr indent="0" lvl="0" marL="0" rtl="0" algn="just">
-              <a:spcBef>
-                <a:spcPts val="0"/>
-              </a:spcBef>
-              <a:spcAft>
-                <a:spcPts val="0"/>
-              </a:spcAft>
-              <a:buClr>
-                <a:schemeClr val="dk1"/>
-              </a:buClr>
-              <a:buSzPts val="1100"/>
-              <a:buFont typeface="Arial"/>
-              <a:buNone/>
-            </a:pPr>
-            <a:r>
-              <a:t/>
-            </a:r>
-            <a:endParaRPr sz="1800">
-              <a:solidFill>
-                <a:schemeClr val="dk1"/>
-              </a:solidFill>
-              <a:latin typeface="Roboto Slab"/>
-              <a:ea typeface="Roboto Slab"/>
-              <a:cs typeface="Roboto Slab"/>
-              <a:sym typeface="Roboto Slab"/>
-            </a:endParaRPr>
-          </a:p>
-          <a:p>
-            <a:pPr indent="0" lvl="0" marL="0" rtl="0" algn="just">
-              <a:spcBef>
-                <a:spcPts val="0"/>
-              </a:spcBef>
-              <a:spcAft>
-                <a:spcPts val="0"/>
-              </a:spcAft>
-              <a:buClr>
-                <a:schemeClr val="dk1"/>
-              </a:buClr>
-              <a:buSzPts val="1100"/>
-              <a:buFont typeface="Arial"/>
-              <a:buNone/>
-            </a:pPr>
-            <a:r>
-              <a:rPr lang="en-GB" sz="1800">
-                <a:solidFill>
-                  <a:schemeClr val="dk1"/>
-                </a:solidFill>
-                <a:latin typeface="Roboto Slab"/>
-                <a:ea typeface="Roboto Slab"/>
-                <a:cs typeface="Roboto Slab"/>
-                <a:sym typeface="Roboto Slab"/>
-              </a:rPr>
-              <a:t>Repeat following until convergence -</a:t>
-            </a:r>
-            <a:endParaRPr sz="1800">
-              <a:solidFill>
-                <a:schemeClr val="dk1"/>
-              </a:solidFill>
-              <a:latin typeface="Roboto Slab"/>
-              <a:ea typeface="Roboto Slab"/>
-              <a:cs typeface="Roboto Slab"/>
-              <a:sym typeface="Roboto Slab"/>
-            </a:endParaRPr>
-          </a:p>
-          <a:p>
-            <a:pPr indent="-342900" lvl="0" marL="457200" rtl="0" algn="just">
-              <a:spcBef>
-                <a:spcPts val="0"/>
-              </a:spcBef>
-              <a:spcAft>
-                <a:spcPts val="0"/>
-              </a:spcAft>
-              <a:buClr>
-                <a:schemeClr val="dk1"/>
-              </a:buClr>
-              <a:buSzPts val="1800"/>
-              <a:buFont typeface="Roboto Slab"/>
-              <a:buAutoNum type="arabicPeriod"/>
-            </a:pPr>
-            <a:r>
-              <a:rPr lang="en-GB" sz="1800">
-                <a:solidFill>
-                  <a:schemeClr val="dk1"/>
-                </a:solidFill>
-                <a:latin typeface="Roboto Slab"/>
-                <a:ea typeface="Roboto Slab"/>
-                <a:cs typeface="Roboto Slab"/>
-                <a:sym typeface="Roboto Slab"/>
-              </a:rPr>
-              <a:t>Forward pass</a:t>
-            </a:r>
-            <a:endParaRPr sz="1800">
-              <a:solidFill>
-                <a:schemeClr val="dk1"/>
-              </a:solidFill>
-              <a:latin typeface="Roboto Slab"/>
-              <a:ea typeface="Roboto Slab"/>
-              <a:cs typeface="Roboto Slab"/>
-              <a:sym typeface="Roboto Slab"/>
-            </a:endParaRPr>
-          </a:p>
-          <a:p>
-            <a:pPr indent="-342900" lvl="0" marL="457200" rtl="0" algn="just">
-              <a:spcBef>
-                <a:spcPts val="0"/>
-              </a:spcBef>
-              <a:spcAft>
-                <a:spcPts val="0"/>
-              </a:spcAft>
-              <a:buClr>
-                <a:schemeClr val="dk1"/>
-              </a:buClr>
-              <a:buSzPts val="1800"/>
-              <a:buFont typeface="Roboto Slab"/>
-              <a:buAutoNum type="arabicPeriod"/>
-            </a:pPr>
-            <a:r>
-              <a:rPr lang="en-GB" sz="1800">
-                <a:solidFill>
-                  <a:schemeClr val="dk1"/>
-                </a:solidFill>
-                <a:latin typeface="Roboto Slab"/>
-                <a:ea typeface="Roboto Slab"/>
-                <a:cs typeface="Roboto Slab"/>
-                <a:sym typeface="Roboto Slab"/>
-              </a:rPr>
-              <a:t>Backpropagation</a:t>
-            </a:r>
-            <a:endParaRPr sz="1800">
-              <a:solidFill>
-                <a:schemeClr val="dk1"/>
-              </a:solidFill>
-              <a:latin typeface="Roboto Slab"/>
-              <a:ea typeface="Roboto Slab"/>
-              <a:cs typeface="Roboto Slab"/>
-              <a:sym typeface="Roboto Slab"/>
-            </a:endParaRPr>
-          </a:p>
-          <a:p>
-            <a:pPr indent="-342900" lvl="1" marL="914400" rtl="0" algn="just">
-              <a:spcBef>
-                <a:spcPts val="0"/>
-              </a:spcBef>
-              <a:spcAft>
-                <a:spcPts val="0"/>
-              </a:spcAft>
-              <a:buClr>
-                <a:schemeClr val="dk1"/>
-              </a:buClr>
-              <a:buSzPts val="1800"/>
-              <a:buFont typeface="Roboto Slab"/>
-              <a:buAutoNum type="alphaLcPeriod"/>
-            </a:pPr>
-            <a:r>
-              <a:rPr lang="en-GB" sz="1800">
-                <a:solidFill>
-                  <a:schemeClr val="dk1"/>
-                </a:solidFill>
-                <a:latin typeface="Roboto Slab"/>
-                <a:ea typeface="Roboto Slab"/>
-                <a:cs typeface="Roboto Slab"/>
-                <a:sym typeface="Roboto Slab"/>
-              </a:rPr>
-              <a:t>Compute share of error at the output unit</a:t>
-            </a:r>
-            <a:endParaRPr sz="1800">
-              <a:solidFill>
-                <a:schemeClr val="dk1"/>
-              </a:solidFill>
-              <a:latin typeface="Roboto Slab"/>
-              <a:ea typeface="Roboto Slab"/>
-              <a:cs typeface="Roboto Slab"/>
-              <a:sym typeface="Roboto Slab"/>
-            </a:endParaRPr>
-          </a:p>
-          <a:p>
-            <a:pPr indent="-342900" lvl="1" marL="914400" rtl="0" algn="just">
-              <a:spcBef>
-                <a:spcPts val="0"/>
-              </a:spcBef>
-              <a:spcAft>
-                <a:spcPts val="0"/>
-              </a:spcAft>
-              <a:buClr>
-                <a:schemeClr val="dk1"/>
-              </a:buClr>
-              <a:buSzPts val="1800"/>
-              <a:buFont typeface="Roboto Slab"/>
-              <a:buAutoNum type="alphaLcPeriod"/>
-            </a:pPr>
-            <a:r>
-              <a:rPr lang="en-GB" sz="1800">
-                <a:solidFill>
-                  <a:schemeClr val="dk1"/>
-                </a:solidFill>
-                <a:latin typeface="Roboto Slab"/>
-                <a:ea typeface="Roboto Slab"/>
-                <a:cs typeface="Roboto Slab"/>
-                <a:sym typeface="Roboto Slab"/>
-              </a:rPr>
-              <a:t>Propagate share of error for hidden units </a:t>
-            </a:r>
-            <a:endParaRPr sz="1800">
-              <a:solidFill>
-                <a:schemeClr val="dk1"/>
-              </a:solidFill>
-              <a:latin typeface="Roboto Slab"/>
-              <a:ea typeface="Roboto Slab"/>
-              <a:cs typeface="Roboto Slab"/>
-              <a:sym typeface="Roboto Slab"/>
-            </a:endParaRPr>
-          </a:p>
-          <a:p>
-            <a:pPr indent="-342900" lvl="0" marL="457200" rtl="0" algn="just">
-              <a:spcBef>
-                <a:spcPts val="0"/>
-              </a:spcBef>
-              <a:spcAft>
-                <a:spcPts val="0"/>
-              </a:spcAft>
-              <a:buClr>
-                <a:schemeClr val="dk1"/>
-              </a:buClr>
-              <a:buSzPts val="1800"/>
-              <a:buFont typeface="Roboto Slab"/>
-              <a:buAutoNum type="arabicPeriod"/>
-            </a:pPr>
-            <a:r>
-              <a:rPr b="1" lang="en-GB" sz="1800">
-                <a:solidFill>
-                  <a:schemeClr val="dk1"/>
-                </a:solidFill>
-                <a:latin typeface="Roboto Slab"/>
-                <a:ea typeface="Roboto Slab"/>
-                <a:cs typeface="Roboto Slab"/>
-                <a:sym typeface="Roboto Slab"/>
-              </a:rPr>
-              <a:t>Gradient Descent: Update each network weight based on gradient</a:t>
-            </a:r>
-            <a:endParaRPr b="1" sz="1800">
-              <a:solidFill>
-                <a:schemeClr val="dk1"/>
-              </a:solidFill>
-              <a:latin typeface="Roboto Slab"/>
-              <a:ea typeface="Roboto Slab"/>
-              <a:cs typeface="Roboto Slab"/>
-              <a:sym typeface="Roboto Slab"/>
-            </a:endParaRPr>
-          </a:p>
-          <a:p>
-            <a:pPr indent="0" lvl="0" marL="0" rtl="0" algn="just">
-              <a:spcBef>
-                <a:spcPts val="0"/>
-              </a:spcBef>
-              <a:spcAft>
-                <a:spcPts val="0"/>
-              </a:spcAft>
-              <a:buNone/>
-            </a:pPr>
-            <a:r>
-              <a:t/>
-            </a:r>
-            <a:endParaRPr sz="1800">
-              <a:solidFill>
-                <a:schemeClr val="dk1"/>
-              </a:solidFill>
-              <a:latin typeface="Roboto Slab"/>
-              <a:ea typeface="Roboto Slab"/>
-              <a:cs typeface="Roboto Slab"/>
-              <a:sym typeface="Roboto Slab"/>
-            </a:endParaRPr>
-          </a:p>
-          <a:p>
-            <a:pPr indent="0" lvl="0" marL="0" rtl="0" algn="just">
-              <a:spcBef>
-                <a:spcPts val="0"/>
-              </a:spcBef>
-              <a:spcAft>
-                <a:spcPts val="0"/>
-              </a:spcAft>
-              <a:buNone/>
-            </a:pPr>
-            <a:r>
-              <a:t/>
-            </a:r>
-            <a:endParaRPr sz="1800">
-              <a:solidFill>
-                <a:schemeClr val="dk1"/>
-              </a:solidFill>
-              <a:latin typeface="Roboto Slab"/>
-              <a:ea typeface="Roboto Slab"/>
-              <a:cs typeface="Roboto Slab"/>
-              <a:sym typeface="Roboto Slab"/>
-            </a:endParaRPr>
-          </a:p>
-          <a:p>
-            <a:pPr indent="0" lvl="0" marL="0" rtl="0" algn="just">
-              <a:spcBef>
-                <a:spcPts val="0"/>
-              </a:spcBef>
-              <a:spcAft>
-                <a:spcPts val="0"/>
-              </a:spcAft>
-              <a:buNone/>
-            </a:pPr>
-            <a:r>
-              <a:t/>
-            </a:r>
-            <a:endParaRPr sz="1800">
-              <a:solidFill>
-                <a:schemeClr val="dk1"/>
-              </a:solidFill>
-              <a:latin typeface="Roboto Slab"/>
-              <a:ea typeface="Roboto Slab"/>
-              <a:cs typeface="Roboto Slab"/>
-              <a:sym typeface="Roboto Slab"/>
-            </a:endParaRPr>
-          </a:p>
-          <a:p>
-            <a:pPr indent="0" lvl="0" marL="0" rtl="0" algn="just">
-              <a:spcBef>
-                <a:spcPts val="0"/>
-              </a:spcBef>
-              <a:spcAft>
-                <a:spcPts val="0"/>
-              </a:spcAft>
-              <a:buNone/>
-            </a:pPr>
-            <a:r>
-              <a:t/>
-            </a:r>
-            <a:endParaRPr sz="1800">
-              <a:solidFill>
-                <a:schemeClr val="dk1"/>
-              </a:solidFill>
-              <a:latin typeface="Roboto Slab"/>
-              <a:ea typeface="Roboto Slab"/>
-              <a:cs typeface="Roboto Slab"/>
-              <a:sym typeface="Roboto Slab"/>
-            </a:endParaRPr>
-          </a:p>
-          <a:p>
-            <a:pPr indent="0" lvl="0" marL="0" rtl="0" algn="just">
-              <a:spcBef>
-                <a:spcPts val="0"/>
-              </a:spcBef>
-              <a:spcAft>
-                <a:spcPts val="0"/>
-              </a:spcAft>
-              <a:buNone/>
-            </a:pPr>
-            <a:r>
-              <a:t/>
-            </a:r>
-            <a:endParaRPr sz="1800">
-              <a:solidFill>
-                <a:schemeClr val="dk1"/>
-              </a:solidFill>
-              <a:latin typeface="Roboto Slab"/>
-              <a:ea typeface="Roboto Slab"/>
-              <a:cs typeface="Roboto Slab"/>
-              <a:sym typeface="Roboto Slab"/>
-            </a:endParaRPr>
-          </a:p>
-          <a:p>
-            <a:pPr indent="0" lvl="0" marL="0" rtl="0" algn="just">
-              <a:spcBef>
-                <a:spcPts val="0"/>
-              </a:spcBef>
-              <a:spcAft>
-                <a:spcPts val="0"/>
-              </a:spcAft>
-              <a:buNone/>
-            </a:pPr>
-            <a:r>
-              <a:rPr lang="en-GB" sz="1800">
-                <a:solidFill>
-                  <a:schemeClr val="dk1"/>
-                </a:solidFill>
-                <a:latin typeface="Roboto Slab"/>
-                <a:ea typeface="Roboto Slab"/>
-                <a:cs typeface="Roboto Slab"/>
-                <a:sym typeface="Roboto Slab"/>
-              </a:rPr>
-              <a:t>α is the “learning” rate - we want to choose a low value so that the weight update doesn’t oscillate the network too much (weights will not converge to optimal value)</a:t>
-            </a:r>
-            <a:endParaRPr sz="1800">
-              <a:solidFill>
-                <a:schemeClr val="dk1"/>
-              </a:solidFill>
-              <a:latin typeface="Roboto Slab"/>
-              <a:ea typeface="Roboto Slab"/>
-              <a:cs typeface="Roboto Slab"/>
-              <a:sym typeface="Roboto Slab"/>
-            </a:endParaRPr>
-          </a:p>
-        </p:txBody>
-      </p:sp>
-      <p:pic>
-        <p:nvPicPr>
-          <p:cNvPr id="468" name="Google Shape;468;p68"/>
-          <p:cNvPicPr preferRelativeResize="0"/>
-          <p:nvPr/>
-        </p:nvPicPr>
-        <p:blipFill>
-          <a:blip r:embed="rId3">
-            <a:alphaModFix/>
-          </a:blip>
-          <a:stretch>
-            <a:fillRect/>
-          </a:stretch>
-        </p:blipFill>
-        <p:spPr>
-          <a:xfrm>
-            <a:off x="1782175" y="4241327"/>
-            <a:ext cx="3096000" cy="846298"/>
-          </a:xfrm>
-          <a:prstGeom prst="rect">
-            <a:avLst/>
-          </a:prstGeom>
-          <a:noFill/>
-          <a:ln cap="flat" cmpd="sng" w="9525">
-            <a:solidFill>
-              <a:srgbClr val="FF0000"/>
-            </a:solidFill>
-            <a:prstDash val="solid"/>
-            <a:round/>
-            <a:headEnd len="sm" w="sm" type="none"/>
-            <a:tailEnd len="sm" w="sm" type="none"/>
-          </a:ln>
-        </p:spPr>
-      </p:pic>
-    </p:spTree>
-  </p:cSld>
-  <p:clrMapOvr>
-    <a:masterClrMapping/>
-  </p:clrMapOvr>
-</p:sld>
-</file>
-
-<file path=ppt/slides/slide35.xml><?xml version="1.0" encoding="utf-8"?>
-<p:sld xmlns:a="http://schemas.openxmlformats.org/drawingml/2006/main" xmlns:r="http://schemas.openxmlformats.org/officeDocument/2006/relationships" xmlns:mc="http://schemas.openxmlformats.org/markup-compatibility/2006" xmlns:mv="urn:schemas-microsoft-com:mac:vml" xmlns:p="http://schemas.openxmlformats.org/presentationml/2006/main" xmlns:c="http://schemas.openxmlformats.org/drawingml/2006/chart" xmlns:dgm="http://schemas.openxmlformats.org/drawingml/2006/diagram" xmlns:o="urn:schemas-microsoft-com:office:office" xmlns:v="urn:schemas-microsoft-com:vml" xmlns:pvml="urn:schemas-microsoft-com:office:powerpoint" xmlns:com="http://schemas.openxmlformats.org/drawingml/2006/compatibility" xmlns:p14="http://schemas.microsoft.com/office/powerpoint/2010/main" xmlns:p15="http://schemas.microsoft.com/office/powerpoint/2012/main">
-  <p:cSld>
-    <p:spTree>
-      <p:nvGrpSpPr>
-        <p:cNvPr id="472" name="Shape 472"/>
-        <p:cNvGrpSpPr/>
-        <p:nvPr/>
-      </p:nvGrpSpPr>
-      <p:grpSpPr>
-        <a:xfrm>
-          <a:off x="0" y="0"/>
-          <a:ext cx="0" cy="0"/>
-          <a:chOff x="0" y="0"/>
-          <a:chExt cx="0" cy="0"/>
-        </a:xfrm>
-      </p:grpSpPr>
-      <p:sp>
-        <p:nvSpPr>
-          <p:cNvPr id="473" name="Google Shape;473;p69"/>
-          <p:cNvSpPr txBox="1"/>
-          <p:nvPr>
-            <p:ph idx="12" type="sldNum"/>
-          </p:nvPr>
-        </p:nvSpPr>
-        <p:spPr>
-          <a:xfrm>
-            <a:off x="8404384" y="6333134"/>
-            <a:ext cx="548700" cy="524700"/>
-          </a:xfrm>
-          <a:prstGeom prst="rect">
-            <a:avLst/>
-          </a:prstGeom>
-        </p:spPr>
-        <p:txBody>
-          <a:bodyPr anchorCtr="0" anchor="t" bIns="91425" lIns="91425" spcFirstLastPara="1" rIns="91425" wrap="square" tIns="91425">
-            <a:noAutofit/>
-          </a:bodyPr>
-          <a:lstStyle/>
-          <a:p>
-            <a:pPr indent="0" lvl="0" marL="0" rtl="0" algn="r">
-              <a:spcBef>
-                <a:spcPts val="0"/>
-              </a:spcBef>
-              <a:spcAft>
-                <a:spcPts val="0"/>
-              </a:spcAft>
-              <a:buNone/>
-            </a:pPr>
-            <a:fld id="{00000000-1234-1234-1234-123412341234}" type="slidenum">
-              <a:rPr lang="en-GB"/>
-              <a:t>‹#›</a:t>
-            </a:fld>
-            <a:endParaRPr/>
-          </a:p>
-        </p:txBody>
-      </p:sp>
-      <p:sp>
-        <p:nvSpPr>
-          <p:cNvPr id="474" name="Google Shape;474;p69"/>
-          <p:cNvSpPr txBox="1"/>
-          <p:nvPr/>
-        </p:nvSpPr>
-        <p:spPr>
-          <a:xfrm>
-            <a:off x="5499000" y="3002700"/>
-            <a:ext cx="3096000" cy="753600"/>
-          </a:xfrm>
-          <a:prstGeom prst="rect">
-            <a:avLst/>
-          </a:prstGeom>
-          <a:noFill/>
-          <a:ln>
-            <a:noFill/>
-          </a:ln>
-        </p:spPr>
-        <p:txBody>
-          <a:bodyPr anchorCtr="0" anchor="t" bIns="91425" lIns="91425" spcFirstLastPara="1" rIns="91425" wrap="square" tIns="91425">
-            <a:noAutofit/>
-          </a:bodyPr>
-          <a:lstStyle/>
-          <a:p>
-            <a:pPr indent="0" lvl="0" marL="0" rtl="0" algn="l">
-              <a:spcBef>
-                <a:spcPts val="0"/>
-              </a:spcBef>
-              <a:spcAft>
-                <a:spcPts val="0"/>
-              </a:spcAft>
-              <a:buNone/>
-            </a:pPr>
-            <a:r>
-              <a:t/>
-            </a:r>
-            <a:endParaRPr/>
-          </a:p>
-        </p:txBody>
-      </p:sp>
-      <p:sp>
-        <p:nvSpPr>
-          <p:cNvPr id="475" name="Google Shape;475;p69"/>
-          <p:cNvSpPr txBox="1"/>
-          <p:nvPr/>
-        </p:nvSpPr>
-        <p:spPr>
-          <a:xfrm>
-            <a:off x="786150" y="1856825"/>
-            <a:ext cx="7142700" cy="4476300"/>
-          </a:xfrm>
-          <a:prstGeom prst="rect">
-            <a:avLst/>
-          </a:prstGeom>
-          <a:noFill/>
-          <a:ln>
-            <a:noFill/>
-          </a:ln>
-        </p:spPr>
-        <p:txBody>
-          <a:bodyPr anchorCtr="0" anchor="t" bIns="91425" lIns="91425" spcFirstLastPara="1" rIns="91425" wrap="square" tIns="91425">
-            <a:noAutofit/>
-          </a:bodyPr>
-          <a:lstStyle/>
-          <a:p>
-            <a:pPr indent="0" lvl="0" marL="0" rtl="0" algn="l">
-              <a:spcBef>
-                <a:spcPts val="0"/>
-              </a:spcBef>
-              <a:spcAft>
-                <a:spcPts val="0"/>
-              </a:spcAft>
-              <a:buNone/>
-            </a:pPr>
-            <a:r>
-              <a:rPr b="1" lang="en-GB" sz="1800">
-                <a:latin typeface="Roboto Slab"/>
-                <a:ea typeface="Roboto Slab"/>
-                <a:cs typeface="Roboto Slab"/>
-                <a:sym typeface="Roboto Slab"/>
-              </a:rPr>
-              <a:t>Stochastic Gradient Descent</a:t>
-            </a:r>
-            <a:r>
-              <a:rPr lang="en-GB" sz="1800">
-                <a:latin typeface="Roboto Slab"/>
-                <a:ea typeface="Roboto Slab"/>
-                <a:cs typeface="Roboto Slab"/>
-                <a:sym typeface="Roboto Slab"/>
-              </a:rPr>
-              <a:t>: compute error using a single sample at a time, update weights, repeat</a:t>
-            </a:r>
-            <a:endParaRPr sz="1800">
-              <a:latin typeface="Roboto Slab"/>
-              <a:ea typeface="Roboto Slab"/>
-              <a:cs typeface="Roboto Slab"/>
-              <a:sym typeface="Roboto Slab"/>
-            </a:endParaRPr>
-          </a:p>
-          <a:p>
-            <a:pPr indent="0" lvl="0" marL="0" rtl="0" algn="l">
-              <a:spcBef>
-                <a:spcPts val="0"/>
-              </a:spcBef>
-              <a:spcAft>
-                <a:spcPts val="0"/>
-              </a:spcAft>
-              <a:buNone/>
-            </a:pPr>
-            <a:r>
-              <a:t/>
-            </a:r>
-            <a:endParaRPr sz="1800">
-              <a:latin typeface="Roboto Slab"/>
-              <a:ea typeface="Roboto Slab"/>
-              <a:cs typeface="Roboto Slab"/>
-              <a:sym typeface="Roboto Slab"/>
-            </a:endParaRPr>
-          </a:p>
-          <a:p>
-            <a:pPr indent="0" lvl="0" marL="0" rtl="0" algn="l">
-              <a:spcBef>
-                <a:spcPts val="0"/>
-              </a:spcBef>
-              <a:spcAft>
-                <a:spcPts val="0"/>
-              </a:spcAft>
-              <a:buNone/>
-            </a:pPr>
-            <a:r>
-              <a:t/>
-            </a:r>
-            <a:endParaRPr sz="1800">
-              <a:latin typeface="Roboto Slab"/>
-              <a:ea typeface="Roboto Slab"/>
-              <a:cs typeface="Roboto Slab"/>
-              <a:sym typeface="Roboto Slab"/>
-            </a:endParaRPr>
-          </a:p>
-          <a:p>
-            <a:pPr indent="0" lvl="0" marL="0" rtl="0" algn="l">
-              <a:spcBef>
-                <a:spcPts val="0"/>
-              </a:spcBef>
-              <a:spcAft>
-                <a:spcPts val="0"/>
-              </a:spcAft>
-              <a:buNone/>
-            </a:pPr>
-            <a:r>
-              <a:rPr b="1" lang="en-GB" sz="1800">
-                <a:latin typeface="Roboto Slab"/>
-                <a:ea typeface="Roboto Slab"/>
-                <a:cs typeface="Roboto Slab"/>
-                <a:sym typeface="Roboto Slab"/>
-              </a:rPr>
-              <a:t>Batch Gradient Descent</a:t>
-            </a:r>
-            <a:r>
-              <a:rPr lang="en-GB" sz="1800">
-                <a:latin typeface="Roboto Slab"/>
-                <a:ea typeface="Roboto Slab"/>
-                <a:cs typeface="Roboto Slab"/>
-                <a:sym typeface="Roboto Slab"/>
-              </a:rPr>
-              <a:t>: compute error on all examples, update weights based on error, repeat</a:t>
-            </a:r>
-            <a:endParaRPr sz="1800">
-              <a:latin typeface="Roboto Slab"/>
-              <a:ea typeface="Roboto Slab"/>
-              <a:cs typeface="Roboto Slab"/>
-              <a:sym typeface="Roboto Slab"/>
-            </a:endParaRPr>
-          </a:p>
-          <a:p>
-            <a:pPr indent="0" lvl="0" marL="0" rtl="0" algn="l">
-              <a:spcBef>
-                <a:spcPts val="0"/>
-              </a:spcBef>
-              <a:spcAft>
-                <a:spcPts val="0"/>
-              </a:spcAft>
-              <a:buNone/>
-            </a:pPr>
-            <a:r>
-              <a:t/>
-            </a:r>
-            <a:endParaRPr sz="1800">
-              <a:latin typeface="Roboto Slab"/>
-              <a:ea typeface="Roboto Slab"/>
-              <a:cs typeface="Roboto Slab"/>
-              <a:sym typeface="Roboto Slab"/>
-            </a:endParaRPr>
-          </a:p>
-          <a:p>
-            <a:pPr indent="0" lvl="0" marL="0" rtl="0" algn="l">
-              <a:spcBef>
-                <a:spcPts val="0"/>
-              </a:spcBef>
-              <a:spcAft>
-                <a:spcPts val="0"/>
-              </a:spcAft>
-              <a:buNone/>
-            </a:pPr>
-            <a:r>
-              <a:t/>
-            </a:r>
-            <a:endParaRPr sz="1800">
-              <a:latin typeface="Roboto Slab"/>
-              <a:ea typeface="Roboto Slab"/>
-              <a:cs typeface="Roboto Slab"/>
-              <a:sym typeface="Roboto Slab"/>
-            </a:endParaRPr>
-          </a:p>
-          <a:p>
-            <a:pPr indent="0" lvl="0" marL="0" rtl="0" algn="l">
-              <a:spcBef>
-                <a:spcPts val="0"/>
-              </a:spcBef>
-              <a:spcAft>
-                <a:spcPts val="0"/>
-              </a:spcAft>
-              <a:buNone/>
-            </a:pPr>
-            <a:r>
-              <a:rPr b="1" lang="en-GB" sz="1800">
-                <a:latin typeface="Roboto Slab"/>
-                <a:ea typeface="Roboto Slab"/>
-                <a:cs typeface="Roboto Slab"/>
-                <a:sym typeface="Roboto Slab"/>
-              </a:rPr>
-              <a:t>Mini-batch Gradient Descent</a:t>
-            </a:r>
-            <a:r>
-              <a:rPr lang="en-GB" sz="1800">
-                <a:latin typeface="Roboto Slab"/>
-                <a:ea typeface="Roboto Slab"/>
-                <a:cs typeface="Roboto Slab"/>
-                <a:sym typeface="Roboto Slab"/>
-              </a:rPr>
-              <a:t>: randomly select a subset from the training data, calculate error on subset, update weights, repeat</a:t>
-            </a:r>
-            <a:endParaRPr sz="1800">
-              <a:latin typeface="Roboto Slab"/>
-              <a:ea typeface="Roboto Slab"/>
-              <a:cs typeface="Roboto Slab"/>
-              <a:sym typeface="Roboto Slab"/>
-            </a:endParaRPr>
-          </a:p>
-          <a:p>
-            <a:pPr indent="0" lvl="0" marL="0" rtl="0" algn="l">
-              <a:spcBef>
-                <a:spcPts val="0"/>
-              </a:spcBef>
-              <a:spcAft>
-                <a:spcPts val="0"/>
-              </a:spcAft>
-              <a:buNone/>
-            </a:pPr>
-            <a:r>
-              <a:t/>
-            </a:r>
-            <a:endParaRPr sz="1800">
-              <a:latin typeface="Roboto Slab"/>
-              <a:ea typeface="Roboto Slab"/>
-              <a:cs typeface="Roboto Slab"/>
-              <a:sym typeface="Roboto Slab"/>
-            </a:endParaRPr>
-          </a:p>
-          <a:p>
-            <a:pPr indent="0" lvl="0" marL="0" rtl="0" algn="l">
-              <a:spcBef>
-                <a:spcPts val="0"/>
-              </a:spcBef>
-              <a:spcAft>
-                <a:spcPts val="0"/>
-              </a:spcAft>
-              <a:buNone/>
-            </a:pPr>
-            <a:r>
-              <a:rPr lang="en-GB" sz="1800">
-                <a:latin typeface="Roboto Slab"/>
-                <a:ea typeface="Roboto Slab"/>
-                <a:cs typeface="Roboto Slab"/>
-                <a:sym typeface="Roboto Slab"/>
-              </a:rPr>
-              <a:t>** Most Commonly Done in Practice </a:t>
-            </a:r>
-            <a:endParaRPr sz="1800">
-              <a:latin typeface="Roboto Slab"/>
-              <a:ea typeface="Roboto Slab"/>
-              <a:cs typeface="Roboto Slab"/>
-              <a:sym typeface="Roboto Slab"/>
-            </a:endParaRPr>
-          </a:p>
-          <a:p>
-            <a:pPr indent="0" lvl="0" marL="0" rtl="0" algn="l">
-              <a:spcBef>
-                <a:spcPts val="0"/>
-              </a:spcBef>
-              <a:spcAft>
-                <a:spcPts val="0"/>
-              </a:spcAft>
-              <a:buNone/>
-            </a:pPr>
-            <a:r>
-              <a:t/>
-            </a:r>
-            <a:endParaRPr sz="1800">
-              <a:latin typeface="Roboto Slab"/>
-              <a:ea typeface="Roboto Slab"/>
-              <a:cs typeface="Roboto Slab"/>
-              <a:sym typeface="Roboto Slab"/>
-            </a:endParaRPr>
-          </a:p>
-          <a:p>
-            <a:pPr indent="0" lvl="0" marL="0" rtl="0" algn="l">
-              <a:spcBef>
-                <a:spcPts val="0"/>
-              </a:spcBef>
-              <a:spcAft>
-                <a:spcPts val="0"/>
-              </a:spcAft>
-              <a:buNone/>
-            </a:pPr>
-            <a:r>
-              <a:t/>
-            </a:r>
-            <a:endParaRPr sz="1800">
-              <a:latin typeface="Roboto Slab"/>
-              <a:ea typeface="Roboto Slab"/>
-              <a:cs typeface="Roboto Slab"/>
-              <a:sym typeface="Roboto Slab"/>
-            </a:endParaRPr>
-          </a:p>
-        </p:txBody>
-      </p:sp>
-      <p:sp>
-        <p:nvSpPr>
-          <p:cNvPr id="476" name="Google Shape;476;p69"/>
-          <p:cNvSpPr txBox="1"/>
-          <p:nvPr>
-            <p:ph type="title"/>
-          </p:nvPr>
-        </p:nvSpPr>
-        <p:spPr>
-          <a:xfrm>
-            <a:off x="786150" y="410826"/>
-            <a:ext cx="7571700" cy="936900"/>
-          </a:xfrm>
-          <a:prstGeom prst="rect">
-            <a:avLst/>
-          </a:prstGeom>
-        </p:spPr>
-        <p:txBody>
-          <a:bodyPr anchorCtr="0" anchor="b" bIns="91425" lIns="91425" spcFirstLastPara="1" rIns="91425" wrap="square" tIns="91425">
-            <a:noAutofit/>
-          </a:bodyPr>
-          <a:lstStyle/>
-          <a:p>
-            <a:pPr indent="0" lvl="0" marL="0" rtl="0" algn="l">
-              <a:spcBef>
-                <a:spcPts val="0"/>
-              </a:spcBef>
-              <a:spcAft>
-                <a:spcPts val="0"/>
-              </a:spcAft>
-              <a:buNone/>
-            </a:pPr>
-            <a:r>
-              <a:rPr lang="en-GB" sz="2400">
-                <a:solidFill>
-                  <a:srgbClr val="CC0000"/>
-                </a:solidFill>
-              </a:rPr>
-              <a:t>Forms of Gradient Descent</a:t>
-            </a:r>
-            <a:endParaRPr/>
-          </a:p>
-        </p:txBody>
-      </p:sp>
-    </p:spTree>
-  </p:cSld>
-  <p:clrMapOvr>
-    <a:masterClrMapping/>
-  </p:clrMapOvr>
-</p:sld>
-</file>
-
-<file path=ppt/slides/slide36.xml><?xml version="1.0" encoding="utf-8"?>
-<p:sld xmlns:a="http://schemas.openxmlformats.org/drawingml/2006/main" xmlns:r="http://schemas.openxmlformats.org/officeDocument/2006/relationships" xmlns:mc="http://schemas.openxmlformats.org/markup-compatibility/2006" xmlns:mv="urn:schemas-microsoft-com:mac:vml" xmlns:p="http://schemas.openxmlformats.org/presentationml/2006/main" xmlns:c="http://schemas.openxmlformats.org/drawingml/2006/chart" xmlns:dgm="http://schemas.openxmlformats.org/drawingml/2006/diagram" xmlns:o="urn:schemas-microsoft-com:office:office" xmlns:v="urn:schemas-microsoft-com:vml" xmlns:pvml="urn:schemas-microsoft-com:office:powerpoint" xmlns:com="http://schemas.openxmlformats.org/drawingml/2006/compatibility" xmlns:p14="http://schemas.microsoft.com/office/powerpoint/2010/main" xmlns:p15="http://schemas.microsoft.com/office/powerpoint/2012/main">
-  <p:cSld>
-    <p:spTree>
-      <p:nvGrpSpPr>
-        <p:cNvPr id="480" name="Shape 480"/>
-        <p:cNvGrpSpPr/>
-        <p:nvPr/>
-      </p:nvGrpSpPr>
-      <p:grpSpPr>
-        <a:xfrm>
-          <a:off x="0" y="0"/>
-          <a:ext cx="0" cy="0"/>
-          <a:chOff x="0" y="0"/>
-          <a:chExt cx="0" cy="0"/>
-        </a:xfrm>
-      </p:grpSpPr>
-      <p:sp>
-        <p:nvSpPr>
-          <p:cNvPr id="481" name="Google Shape;481;p70"/>
-          <p:cNvSpPr txBox="1"/>
-          <p:nvPr>
-            <p:ph type="title"/>
-          </p:nvPr>
-        </p:nvSpPr>
-        <p:spPr>
-          <a:xfrm>
-            <a:off x="786150" y="410826"/>
-            <a:ext cx="7571700" cy="936900"/>
-          </a:xfrm>
-          <a:prstGeom prst="rect">
-            <a:avLst/>
-          </a:prstGeom>
-        </p:spPr>
-        <p:txBody>
-          <a:bodyPr anchorCtr="0" anchor="b" bIns="91425" lIns="91425" spcFirstLastPara="1" rIns="91425" wrap="square" tIns="91425">
-            <a:noAutofit/>
-          </a:bodyPr>
-          <a:lstStyle/>
-          <a:p>
-            <a:pPr indent="0" lvl="0" marL="0" rtl="0" algn="l">
-              <a:spcBef>
-                <a:spcPts val="0"/>
-              </a:spcBef>
-              <a:spcAft>
-                <a:spcPts val="0"/>
-              </a:spcAft>
-              <a:buNone/>
-            </a:pPr>
-            <a:r>
-              <a:rPr lang="en-GB" sz="2400">
-                <a:solidFill>
-                  <a:srgbClr val="CC0000"/>
-                </a:solidFill>
-              </a:rPr>
-              <a:t>Picking 𝛼 - Adaptive Learning Rates</a:t>
-            </a:r>
-            <a:endParaRPr sz="2400"/>
-          </a:p>
-        </p:txBody>
-      </p:sp>
-      <p:sp>
-        <p:nvSpPr>
-          <p:cNvPr id="482" name="Google Shape;482;p70"/>
-          <p:cNvSpPr txBox="1"/>
-          <p:nvPr>
-            <p:ph idx="1" type="body"/>
-          </p:nvPr>
-        </p:nvSpPr>
-        <p:spPr>
-          <a:xfrm>
-            <a:off x="786150" y="1682267"/>
-            <a:ext cx="7571700" cy="4764900"/>
-          </a:xfrm>
-          <a:prstGeom prst="rect">
-            <a:avLst/>
-          </a:prstGeom>
-        </p:spPr>
-        <p:txBody>
-          <a:bodyPr anchorCtr="0" anchor="t" bIns="91425" lIns="91425" spcFirstLastPara="1" rIns="91425" wrap="square" tIns="91425">
-            <a:noAutofit/>
-          </a:bodyPr>
-          <a:lstStyle/>
-          <a:p>
-            <a:pPr indent="0" lvl="0" marL="0" rtl="0" algn="l">
-              <a:spcBef>
-                <a:spcPts val="0"/>
-              </a:spcBef>
-              <a:spcAft>
-                <a:spcPts val="0"/>
-              </a:spcAft>
-              <a:buNone/>
-            </a:pPr>
-            <a:r>
-              <a:rPr lang="en-GB" sz="1800">
-                <a:solidFill>
-                  <a:schemeClr val="dk1"/>
-                </a:solidFill>
-                <a:latin typeface="Roboto Slab"/>
-                <a:ea typeface="Roboto Slab"/>
-                <a:cs typeface="Roboto Slab"/>
-                <a:sym typeface="Roboto Slab"/>
-              </a:rPr>
-              <a:t>ADAM, RMSProp, Adagrad, etc.</a:t>
-            </a:r>
-            <a:endParaRPr sz="1800">
-              <a:solidFill>
-                <a:schemeClr val="dk1"/>
-              </a:solidFill>
-              <a:latin typeface="Roboto Slab"/>
-              <a:ea typeface="Roboto Slab"/>
-              <a:cs typeface="Roboto Slab"/>
-              <a:sym typeface="Roboto Slab"/>
-            </a:endParaRPr>
-          </a:p>
-          <a:p>
-            <a:pPr indent="0" lvl="0" marL="0" rtl="0" algn="l">
-              <a:spcBef>
-                <a:spcPts val="0"/>
-              </a:spcBef>
-              <a:spcAft>
-                <a:spcPts val="0"/>
-              </a:spcAft>
-              <a:buNone/>
-            </a:pPr>
-            <a:r>
-              <a:t/>
-            </a:r>
-            <a:endParaRPr sz="1800">
-              <a:solidFill>
-                <a:schemeClr val="dk1"/>
-              </a:solidFill>
-              <a:latin typeface="Roboto Slab"/>
-              <a:ea typeface="Roboto Slab"/>
-              <a:cs typeface="Roboto Slab"/>
-              <a:sym typeface="Roboto Slab"/>
-            </a:endParaRPr>
-          </a:p>
-          <a:p>
-            <a:pPr indent="0" lvl="0" marL="0" rtl="0" algn="l">
-              <a:spcBef>
-                <a:spcPts val="0"/>
-              </a:spcBef>
-              <a:spcAft>
-                <a:spcPts val="0"/>
-              </a:spcAft>
-              <a:buNone/>
-            </a:pPr>
-            <a:r>
-              <a:rPr lang="en-GB" sz="1800" u="sng">
-                <a:solidFill>
-                  <a:schemeClr val="hlink"/>
-                </a:solidFill>
-                <a:latin typeface="Roboto Slab"/>
-                <a:ea typeface="Roboto Slab"/>
-                <a:cs typeface="Roboto Slab"/>
-                <a:sym typeface="Roboto Slab"/>
-                <a:hlinkClick r:id="rId4"/>
-              </a:rPr>
-              <a:t>More Information on Stochastic Gradient Descent and Different Optimization Methods</a:t>
-            </a:r>
-            <a:endParaRPr sz="1800">
-              <a:solidFill>
-                <a:schemeClr val="dk1"/>
-              </a:solidFill>
-              <a:latin typeface="Roboto Slab"/>
-              <a:ea typeface="Roboto Slab"/>
-              <a:cs typeface="Roboto Slab"/>
-              <a:sym typeface="Roboto Slab"/>
-            </a:endParaRPr>
-          </a:p>
-          <a:p>
-            <a:pPr indent="0" lvl="0" marL="0" rtl="0" algn="l">
-              <a:spcBef>
-                <a:spcPts val="0"/>
-              </a:spcBef>
-              <a:spcAft>
-                <a:spcPts val="0"/>
-              </a:spcAft>
-              <a:buNone/>
-            </a:pPr>
-            <a:r>
-              <a:t/>
-            </a:r>
-            <a:endParaRPr sz="1800">
-              <a:solidFill>
-                <a:schemeClr val="dk1"/>
-              </a:solidFill>
-              <a:latin typeface="Roboto Slab"/>
-              <a:ea typeface="Roboto Slab"/>
-              <a:cs typeface="Roboto Slab"/>
-              <a:sym typeface="Roboto Slab"/>
-            </a:endParaRPr>
-          </a:p>
-          <a:p>
-            <a:pPr indent="0" lvl="0" marL="0" rtl="0" algn="l">
-              <a:spcBef>
-                <a:spcPts val="0"/>
-              </a:spcBef>
-              <a:spcAft>
-                <a:spcPts val="0"/>
-              </a:spcAft>
-              <a:buNone/>
-            </a:pPr>
-            <a:r>
-              <a:t/>
-            </a:r>
-            <a:endParaRPr sz="1800">
-              <a:solidFill>
-                <a:schemeClr val="dk1"/>
-              </a:solidFill>
-              <a:latin typeface="Roboto Slab"/>
-              <a:ea typeface="Roboto Slab"/>
-              <a:cs typeface="Roboto Slab"/>
-              <a:sym typeface="Roboto Slab"/>
-            </a:endParaRPr>
-          </a:p>
-        </p:txBody>
-      </p:sp>
-      <p:sp>
-        <p:nvSpPr>
-          <p:cNvPr id="483" name="Google Shape;483;p70"/>
-          <p:cNvSpPr txBox="1"/>
-          <p:nvPr>
-            <p:ph idx="12" type="sldNum"/>
-          </p:nvPr>
-        </p:nvSpPr>
-        <p:spPr>
-          <a:xfrm>
-            <a:off x="8404384" y="6333134"/>
-            <a:ext cx="548700" cy="524700"/>
-          </a:xfrm>
-          <a:prstGeom prst="rect">
-            <a:avLst/>
-          </a:prstGeom>
-        </p:spPr>
-        <p:txBody>
-          <a:bodyPr anchorCtr="0" anchor="t" bIns="91425" lIns="91425" spcFirstLastPara="1" rIns="91425" wrap="square" tIns="91425">
-            <a:noAutofit/>
-          </a:bodyPr>
-          <a:lstStyle/>
-          <a:p>
-            <a:pPr indent="0" lvl="0" marL="0" rtl="0" algn="r">
-              <a:spcBef>
-                <a:spcPts val="0"/>
-              </a:spcBef>
-              <a:spcAft>
-                <a:spcPts val="0"/>
-              </a:spcAft>
-              <a:buNone/>
-            </a:pPr>
-            <a:fld id="{00000000-1234-1234-1234-123412341234}" type="slidenum">
-              <a:rPr lang="en-GB"/>
-              <a:t>‹#›</a:t>
-            </a:fld>
-            <a:endParaRPr/>
-          </a:p>
-        </p:txBody>
-      </p:sp>
-      <p:sp>
-        <p:nvSpPr>
-          <p:cNvPr id="484" name="Google Shape;484;p70"/>
-          <p:cNvSpPr txBox="1"/>
-          <p:nvPr/>
-        </p:nvSpPr>
-        <p:spPr>
-          <a:xfrm>
-            <a:off x="5339575" y="6028475"/>
-            <a:ext cx="3510900" cy="723300"/>
-          </a:xfrm>
-          <a:prstGeom prst="rect">
-            <a:avLst/>
-          </a:prstGeom>
-          <a:noFill/>
-          <a:ln>
-            <a:noFill/>
-          </a:ln>
-        </p:spPr>
-        <p:txBody>
-          <a:bodyPr anchorCtr="0" anchor="t" bIns="91425" lIns="91425" spcFirstLastPara="1" rIns="91425" wrap="square" tIns="91425">
-            <a:noAutofit/>
-          </a:bodyPr>
-          <a:lstStyle/>
-          <a:p>
-            <a:pPr indent="0" lvl="0" marL="0" rtl="0" algn="l">
-              <a:spcBef>
-                <a:spcPts val="0"/>
-              </a:spcBef>
-              <a:spcAft>
-                <a:spcPts val="0"/>
-              </a:spcAft>
-              <a:buNone/>
-            </a:pPr>
-            <a:r>
-              <a:t/>
-            </a:r>
-            <a:endParaRPr sz="800"/>
-          </a:p>
-        </p:txBody>
-      </p:sp>
-      <p:pic>
-        <p:nvPicPr>
-          <p:cNvPr id="485" name="Google Shape;485;p70"/>
-          <p:cNvPicPr preferRelativeResize="0"/>
-          <p:nvPr/>
-        </p:nvPicPr>
-        <p:blipFill>
-          <a:blip r:embed="rId5">
-            <a:alphaModFix/>
-          </a:blip>
-          <a:stretch>
-            <a:fillRect/>
-          </a:stretch>
-        </p:blipFill>
-        <p:spPr>
-          <a:xfrm>
-            <a:off x="1308325" y="3519249"/>
-            <a:ext cx="5518249" cy="2213325"/>
-          </a:xfrm>
-          <a:prstGeom prst="rect">
-            <a:avLst/>
-          </a:prstGeom>
-          <a:noFill/>
-          <a:ln>
-            <a:noFill/>
-          </a:ln>
-        </p:spPr>
-      </p:pic>
-    </p:spTree>
-  </p:cSld>
-  <p:clrMapOvr>
-    <a:masterClrMapping/>
-  </p:clrMapOvr>
-</p:sld>
-</file>
-
-<file path=ppt/slides/slide37.xml><?xml version="1.0" encoding="utf-8"?>
-<p:sld xmlns:a="http://schemas.openxmlformats.org/drawingml/2006/main" xmlns:r="http://schemas.openxmlformats.org/officeDocument/2006/relationships" xmlns:mc="http://schemas.openxmlformats.org/markup-compatibility/2006" xmlns:mv="urn:schemas-microsoft-com:mac:vml" xmlns:p="http://schemas.openxmlformats.org/presentationml/2006/main" xmlns:c="http://schemas.openxmlformats.org/drawingml/2006/chart" xmlns:dgm="http://schemas.openxmlformats.org/drawingml/2006/diagram" xmlns:o="urn:schemas-microsoft-com:office:office" xmlns:v="urn:schemas-microsoft-com:vml" xmlns:pvml="urn:schemas-microsoft-com:office:powerpoint" xmlns:com="http://schemas.openxmlformats.org/drawingml/2006/compatibility" xmlns:p14="http://schemas.microsoft.com/office/powerpoint/2010/main" xmlns:p15="http://schemas.microsoft.com/office/powerpoint/2012/main">
-  <p:cSld>
-    <p:spTree>
-      <p:nvGrpSpPr>
-        <p:cNvPr id="489" name="Shape 489"/>
-        <p:cNvGrpSpPr/>
-        <p:nvPr/>
-      </p:nvGrpSpPr>
-      <p:grpSpPr>
-        <a:xfrm>
-          <a:off x="0" y="0"/>
-          <a:ext cx="0" cy="0"/>
-          <a:chOff x="0" y="0"/>
-          <a:chExt cx="0" cy="0"/>
-        </a:xfrm>
-      </p:grpSpPr>
-      <p:sp>
-        <p:nvSpPr>
-          <p:cNvPr id="490" name="Google Shape;490;p71"/>
-          <p:cNvSpPr txBox="1"/>
-          <p:nvPr>
-            <p:ph type="title"/>
-          </p:nvPr>
-        </p:nvSpPr>
-        <p:spPr>
-          <a:xfrm>
-            <a:off x="1116800" y="3056051"/>
-            <a:ext cx="7571700" cy="936900"/>
-          </a:xfrm>
-          <a:prstGeom prst="rect">
-            <a:avLst/>
-          </a:prstGeom>
-        </p:spPr>
-        <p:txBody>
-          <a:bodyPr anchorCtr="0" anchor="b" bIns="91425" lIns="91425" spcFirstLastPara="1" rIns="91425" wrap="square" tIns="91425">
-            <a:noAutofit/>
-          </a:bodyPr>
-          <a:lstStyle/>
-          <a:p>
-            <a:pPr indent="0" lvl="0" marL="0" rtl="0" algn="l">
-              <a:spcBef>
-                <a:spcPts val="0"/>
-              </a:spcBef>
-              <a:spcAft>
-                <a:spcPts val="0"/>
-              </a:spcAft>
-              <a:buNone/>
-            </a:pPr>
-            <a:r>
-              <a:rPr b="1" lang="en-GB" sz="4800">
-                <a:solidFill>
-                  <a:srgbClr val="CC0000"/>
-                </a:solidFill>
-              </a:rPr>
-              <a:t>Coding Demo</a:t>
-            </a:r>
-            <a:endParaRPr b="1" sz="4800"/>
-          </a:p>
-        </p:txBody>
-      </p:sp>
-      <p:sp>
-        <p:nvSpPr>
-          <p:cNvPr id="491" name="Google Shape;491;p71"/>
-          <p:cNvSpPr txBox="1"/>
-          <p:nvPr>
-            <p:ph idx="12" type="sldNum"/>
-          </p:nvPr>
-        </p:nvSpPr>
-        <p:spPr>
-          <a:xfrm>
-            <a:off x="8404384" y="6333134"/>
-            <a:ext cx="548700" cy="524700"/>
-          </a:xfrm>
-          <a:prstGeom prst="rect">
-            <a:avLst/>
-          </a:prstGeom>
-        </p:spPr>
-        <p:txBody>
-          <a:bodyPr anchorCtr="0" anchor="t" bIns="91425" lIns="91425" spcFirstLastPara="1" rIns="91425" wrap="square" tIns="91425">
-            <a:noAutofit/>
-          </a:bodyPr>
-          <a:lstStyle/>
-          <a:p>
-            <a:pPr indent="0" lvl="0" marL="0" rtl="0" algn="r">
-              <a:spcBef>
-                <a:spcPts val="0"/>
-              </a:spcBef>
-              <a:spcAft>
-                <a:spcPts val="0"/>
-              </a:spcAft>
-              <a:buNone/>
-            </a:pPr>
-            <a:fld id="{00000000-1234-1234-1234-123412341234}" type="slidenum">
-              <a:rPr lang="en-GB"/>
-              <a:t>‹#›</a:t>
-            </a:fld>
-            <a:endParaRPr/>
-          </a:p>
-        </p:txBody>
-      </p:sp>
-    </p:spTree>
-  </p:cSld>
-  <p:clrMapOvr>
-    <a:masterClrMapping/>
-  </p:clrMapOvr>
-</p:sld>
-</file>
-
-<file path=ppt/slides/slide38.xml><?xml version="1.0" encoding="utf-8"?>
-<p:sld xmlns:a="http://schemas.openxmlformats.org/drawingml/2006/main" xmlns:r="http://schemas.openxmlformats.org/officeDocument/2006/relationships" xmlns:mc="http://schemas.openxmlformats.org/markup-compatibility/2006" xmlns:mv="urn:schemas-microsoft-com:mac:vml" xmlns:p="http://schemas.openxmlformats.org/presentationml/2006/main" xmlns:c="http://schemas.openxmlformats.org/drawingml/2006/chart" xmlns:dgm="http://schemas.openxmlformats.org/drawingml/2006/diagram" xmlns:o="urn:schemas-microsoft-com:office:office" xmlns:v="urn:schemas-microsoft-com:vml" xmlns:pvml="urn:schemas-microsoft-com:office:powerpoint" xmlns:com="http://schemas.openxmlformats.org/drawingml/2006/compatibility" xmlns:p14="http://schemas.microsoft.com/office/powerpoint/2010/main" xmlns:p15="http://schemas.microsoft.com/office/powerpoint/2012/main">
-  <p:cSld>
-    <p:spTree>
-      <p:nvGrpSpPr>
-        <p:cNvPr id="495" name="Shape 495"/>
-        <p:cNvGrpSpPr/>
-        <p:nvPr/>
-      </p:nvGrpSpPr>
-      <p:grpSpPr>
-        <a:xfrm>
-          <a:off x="0" y="0"/>
-          <a:ext cx="0" cy="0"/>
-          <a:chOff x="0" y="0"/>
-          <a:chExt cx="0" cy="0"/>
-        </a:xfrm>
-      </p:grpSpPr>
-      <p:sp>
-        <p:nvSpPr>
-          <p:cNvPr id="496" name="Google Shape;496;p72"/>
-          <p:cNvSpPr txBox="1"/>
-          <p:nvPr>
-            <p:ph type="title"/>
-          </p:nvPr>
-        </p:nvSpPr>
-        <p:spPr>
-          <a:xfrm>
-            <a:off x="786150" y="410826"/>
-            <a:ext cx="7571700" cy="936900"/>
-          </a:xfrm>
-          <a:prstGeom prst="rect">
-            <a:avLst/>
-          </a:prstGeom>
-        </p:spPr>
-        <p:txBody>
-          <a:bodyPr anchorCtr="0" anchor="b" bIns="91425" lIns="91425" spcFirstLastPara="1" rIns="91425" wrap="square" tIns="91425">
-            <a:noAutofit/>
-          </a:bodyPr>
-          <a:lstStyle/>
-          <a:p>
-            <a:pPr indent="0" lvl="0" marL="0" rtl="0" algn="l">
-              <a:spcBef>
-                <a:spcPts val="0"/>
-              </a:spcBef>
-              <a:spcAft>
-                <a:spcPts val="0"/>
-              </a:spcAft>
-              <a:buNone/>
-            </a:pPr>
-            <a:r>
-              <a:rPr lang="en-GB" sz="2400">
-                <a:solidFill>
-                  <a:srgbClr val="CC0000"/>
-                </a:solidFill>
-              </a:rPr>
-              <a:t>Further Readings</a:t>
-            </a:r>
-            <a:endParaRPr sz="2400"/>
-          </a:p>
-        </p:txBody>
-      </p:sp>
-      <p:sp>
-        <p:nvSpPr>
-          <p:cNvPr id="497" name="Google Shape;497;p72"/>
-          <p:cNvSpPr txBox="1"/>
-          <p:nvPr>
-            <p:ph idx="4294967295" type="body"/>
-          </p:nvPr>
-        </p:nvSpPr>
-        <p:spPr>
-          <a:xfrm>
-            <a:off x="786150" y="1682267"/>
-            <a:ext cx="7571700" cy="4764900"/>
-          </a:xfrm>
-          <a:prstGeom prst="rect">
-            <a:avLst/>
-          </a:prstGeom>
-        </p:spPr>
-        <p:txBody>
-          <a:bodyPr anchorCtr="0" anchor="t" bIns="91425" lIns="91425" spcFirstLastPara="1" rIns="91425" wrap="square" tIns="91425">
-            <a:noAutofit/>
-          </a:bodyPr>
-          <a:lstStyle/>
-          <a:p>
-            <a:pPr indent="0" lvl="0" marL="0" rtl="0" algn="l">
-              <a:spcBef>
-                <a:spcPts val="0"/>
-              </a:spcBef>
-              <a:spcAft>
-                <a:spcPts val="0"/>
-              </a:spcAft>
-              <a:buNone/>
-            </a:pPr>
-            <a:r>
-              <a:rPr lang="en-GB" sz="1800" u="sng">
-                <a:solidFill>
-                  <a:schemeClr val="hlink"/>
-                </a:solidFill>
-                <a:latin typeface="Roboto Slab"/>
-                <a:ea typeface="Roboto Slab"/>
-                <a:cs typeface="Roboto Slab"/>
-                <a:sym typeface="Roboto Slab"/>
-                <a:hlinkClick r:id="rId3"/>
-              </a:rPr>
-              <a:t>Deep Learning Chapter 6</a:t>
-            </a:r>
-            <a:r>
-              <a:rPr lang="en-GB" sz="1800">
-                <a:solidFill>
-                  <a:schemeClr val="dk1"/>
-                </a:solidFill>
-                <a:latin typeface="Roboto Slab"/>
-                <a:ea typeface="Roboto Slab"/>
-                <a:cs typeface="Roboto Slab"/>
-                <a:sym typeface="Roboto Slab"/>
-              </a:rPr>
-              <a:t> - Ian GoodFellow, Yoshua Bengio, and Aaron Courville</a:t>
-            </a:r>
-            <a:endParaRPr sz="1800">
-              <a:solidFill>
-                <a:schemeClr val="dk1"/>
-              </a:solidFill>
-              <a:latin typeface="Roboto Slab"/>
-              <a:ea typeface="Roboto Slab"/>
-              <a:cs typeface="Roboto Slab"/>
-              <a:sym typeface="Roboto Slab"/>
-            </a:endParaRPr>
-          </a:p>
-          <a:p>
-            <a:pPr indent="0" lvl="0" marL="0" rtl="0" algn="l">
-              <a:spcBef>
-                <a:spcPts val="0"/>
-              </a:spcBef>
-              <a:spcAft>
-                <a:spcPts val="0"/>
-              </a:spcAft>
-              <a:buNone/>
-            </a:pPr>
-            <a:r>
-              <a:t/>
-            </a:r>
-            <a:endParaRPr sz="1800">
-              <a:solidFill>
-                <a:schemeClr val="dk1"/>
-              </a:solidFill>
-              <a:latin typeface="Roboto Slab"/>
-              <a:ea typeface="Roboto Slab"/>
-              <a:cs typeface="Roboto Slab"/>
-              <a:sym typeface="Roboto Slab"/>
-            </a:endParaRPr>
-          </a:p>
-          <a:p>
-            <a:pPr indent="0" lvl="0" marL="0" rtl="0" algn="l">
-              <a:spcBef>
-                <a:spcPts val="0"/>
-              </a:spcBef>
-              <a:spcAft>
-                <a:spcPts val="0"/>
-              </a:spcAft>
-              <a:buNone/>
-            </a:pPr>
-            <a:r>
-              <a:rPr lang="en-GB" sz="1800" u="sng">
-                <a:solidFill>
-                  <a:schemeClr val="hlink"/>
-                </a:solidFill>
-                <a:latin typeface="Roboto Slab"/>
-                <a:ea typeface="Roboto Slab"/>
-                <a:cs typeface="Roboto Slab"/>
-                <a:sym typeface="Roboto Slab"/>
-                <a:hlinkClick r:id="rId4"/>
-              </a:rPr>
-              <a:t>Article of Backpropagation and Gradient Descent</a:t>
-            </a:r>
-            <a:endParaRPr sz="1800">
-              <a:solidFill>
-                <a:schemeClr val="dk1"/>
-              </a:solidFill>
-              <a:latin typeface="Roboto Slab"/>
-              <a:ea typeface="Roboto Slab"/>
-              <a:cs typeface="Roboto Slab"/>
-              <a:sym typeface="Roboto Slab"/>
-            </a:endParaRPr>
-          </a:p>
-          <a:p>
-            <a:pPr indent="0" lvl="0" marL="0" rtl="0" algn="l">
-              <a:spcBef>
-                <a:spcPts val="0"/>
-              </a:spcBef>
-              <a:spcAft>
-                <a:spcPts val="0"/>
-              </a:spcAft>
-              <a:buNone/>
-            </a:pPr>
-            <a:r>
-              <a:t/>
-            </a:r>
-            <a:endParaRPr sz="1800">
-              <a:solidFill>
-                <a:schemeClr val="dk1"/>
-              </a:solidFill>
-              <a:latin typeface="Roboto Slab"/>
-              <a:ea typeface="Roboto Slab"/>
-              <a:cs typeface="Roboto Slab"/>
-              <a:sym typeface="Roboto Slab"/>
-            </a:endParaRPr>
-          </a:p>
-          <a:p>
-            <a:pPr indent="0" lvl="0" marL="0" rtl="0" algn="l">
-              <a:spcBef>
-                <a:spcPts val="0"/>
-              </a:spcBef>
-              <a:spcAft>
-                <a:spcPts val="0"/>
-              </a:spcAft>
-              <a:buNone/>
-            </a:pPr>
-            <a:r>
-              <a:rPr lang="en-GB" sz="1800" u="sng">
-                <a:solidFill>
-                  <a:schemeClr val="hlink"/>
-                </a:solidFill>
-                <a:latin typeface="Roboto Slab"/>
-                <a:ea typeface="Roboto Slab"/>
-                <a:cs typeface="Roboto Slab"/>
-                <a:sym typeface="Roboto Slab"/>
-                <a:hlinkClick r:id="rId5"/>
-              </a:rPr>
-              <a:t>How the backpropagation algorithm works</a:t>
-            </a:r>
-            <a:r>
-              <a:rPr lang="en-GB" sz="1800">
-                <a:solidFill>
-                  <a:schemeClr val="dk1"/>
-                </a:solidFill>
-                <a:latin typeface="Roboto Slab"/>
-                <a:ea typeface="Roboto Slab"/>
-                <a:cs typeface="Roboto Slab"/>
-                <a:sym typeface="Roboto Slab"/>
-              </a:rPr>
-              <a:t> - Michael Nielsen</a:t>
-            </a:r>
-            <a:endParaRPr sz="1800">
-              <a:solidFill>
-                <a:schemeClr val="dk1"/>
-              </a:solidFill>
-              <a:latin typeface="Roboto Slab"/>
-              <a:ea typeface="Roboto Slab"/>
-              <a:cs typeface="Roboto Slab"/>
-              <a:sym typeface="Roboto Slab"/>
-            </a:endParaRPr>
-          </a:p>
-          <a:p>
-            <a:pPr indent="0" lvl="0" marL="0" rtl="0" algn="l">
-              <a:spcBef>
-                <a:spcPts val="0"/>
-              </a:spcBef>
-              <a:spcAft>
-                <a:spcPts val="0"/>
-              </a:spcAft>
-              <a:buNone/>
-            </a:pPr>
-            <a:r>
-              <a:t/>
-            </a:r>
-            <a:endParaRPr sz="1800">
-              <a:solidFill>
-                <a:schemeClr val="dk1"/>
-              </a:solidFill>
-              <a:latin typeface="Roboto Slab"/>
-              <a:ea typeface="Roboto Slab"/>
-              <a:cs typeface="Roboto Slab"/>
-              <a:sym typeface="Roboto Slab"/>
-            </a:endParaRPr>
-          </a:p>
-          <a:p>
-            <a:pPr indent="0" lvl="0" marL="0" rtl="0" algn="l">
-              <a:spcBef>
-                <a:spcPts val="0"/>
-              </a:spcBef>
-              <a:spcAft>
-                <a:spcPts val="0"/>
-              </a:spcAft>
-              <a:buNone/>
-            </a:pPr>
-            <a:r>
-              <a:rPr lang="en-GB" sz="1800" u="sng">
-                <a:solidFill>
-                  <a:schemeClr val="hlink"/>
-                </a:solidFill>
-                <a:latin typeface="Roboto Slab"/>
-                <a:ea typeface="Roboto Slab"/>
-                <a:cs typeface="Roboto Slab"/>
-                <a:sym typeface="Roboto Slab"/>
-                <a:hlinkClick r:id="rId6"/>
-              </a:rPr>
-              <a:t>A Practical Guide to ReLU</a:t>
-            </a:r>
-            <a:r>
-              <a:rPr lang="en-GB" sz="1800">
-                <a:solidFill>
-                  <a:schemeClr val="dk1"/>
-                </a:solidFill>
-                <a:latin typeface="Roboto Slab"/>
-                <a:ea typeface="Roboto Slab"/>
-                <a:cs typeface="Roboto Slab"/>
-                <a:sym typeface="Roboto Slab"/>
-              </a:rPr>
-              <a:t> </a:t>
-            </a:r>
-            <a:endParaRPr sz="1800">
-              <a:solidFill>
-                <a:schemeClr val="dk1"/>
-              </a:solidFill>
-              <a:latin typeface="Roboto Slab"/>
-              <a:ea typeface="Roboto Slab"/>
-              <a:cs typeface="Roboto Slab"/>
-              <a:sym typeface="Roboto Slab"/>
-            </a:endParaRPr>
-          </a:p>
-          <a:p>
-            <a:pPr indent="0" lvl="0" marL="0" rtl="0" algn="l">
-              <a:spcBef>
-                <a:spcPts val="0"/>
-              </a:spcBef>
-              <a:spcAft>
-                <a:spcPts val="0"/>
-              </a:spcAft>
-              <a:buNone/>
-            </a:pPr>
-            <a:r>
-              <a:t/>
-            </a:r>
-            <a:endParaRPr sz="1800">
-              <a:solidFill>
-                <a:schemeClr val="dk1"/>
-              </a:solidFill>
-              <a:latin typeface="Roboto Slab"/>
-              <a:ea typeface="Roboto Slab"/>
-              <a:cs typeface="Roboto Slab"/>
-              <a:sym typeface="Roboto Slab"/>
-            </a:endParaRPr>
-          </a:p>
-          <a:p>
-            <a:pPr indent="0" lvl="0" marL="0" rtl="0" algn="l">
-              <a:spcBef>
-                <a:spcPts val="0"/>
-              </a:spcBef>
-              <a:spcAft>
-                <a:spcPts val="0"/>
-              </a:spcAft>
-              <a:buNone/>
-            </a:pPr>
-            <a:r>
-              <a:rPr lang="en-GB" sz="1800" u="sng">
-                <a:solidFill>
-                  <a:schemeClr val="hlink"/>
-                </a:solidFill>
-                <a:latin typeface="Roboto Slab"/>
-                <a:ea typeface="Roboto Slab"/>
-                <a:cs typeface="Roboto Slab"/>
-                <a:sym typeface="Roboto Slab"/>
-                <a:hlinkClick r:id="rId7"/>
-              </a:rPr>
-              <a:t>Empirical Evaluation of Rectified Activations in Convolution</a:t>
-            </a:r>
-            <a:endParaRPr sz="1800">
-              <a:solidFill>
-                <a:schemeClr val="dk1"/>
-              </a:solidFill>
-              <a:latin typeface="Roboto Slab"/>
-              <a:ea typeface="Roboto Slab"/>
-              <a:cs typeface="Roboto Slab"/>
-              <a:sym typeface="Roboto Slab"/>
-            </a:endParaRPr>
-          </a:p>
-          <a:p>
-            <a:pPr indent="0" lvl="0" marL="0" rtl="0" algn="l">
-              <a:spcBef>
-                <a:spcPts val="0"/>
-              </a:spcBef>
-              <a:spcAft>
-                <a:spcPts val="0"/>
-              </a:spcAft>
-              <a:buNone/>
-            </a:pPr>
-            <a:r>
-              <a:rPr lang="en-GB" sz="1800" u="sng">
-                <a:solidFill>
-                  <a:schemeClr val="hlink"/>
-                </a:solidFill>
-                <a:latin typeface="Roboto Slab"/>
-                <a:ea typeface="Roboto Slab"/>
-                <a:cs typeface="Roboto Slab"/>
-                <a:sym typeface="Roboto Slab"/>
-                <a:hlinkClick r:id="rId8"/>
-              </a:rPr>
-              <a:t>Network</a:t>
-            </a:r>
-            <a:r>
-              <a:rPr lang="en-GB" sz="1800">
-                <a:solidFill>
-                  <a:schemeClr val="dk1"/>
-                </a:solidFill>
-                <a:latin typeface="Roboto Slab"/>
-                <a:ea typeface="Roboto Slab"/>
-                <a:cs typeface="Roboto Slab"/>
-                <a:sym typeface="Roboto Slab"/>
-              </a:rPr>
-              <a:t> (Xu et al. 2015)</a:t>
-            </a:r>
-            <a:endParaRPr sz="1800">
-              <a:solidFill>
-                <a:schemeClr val="dk1"/>
-              </a:solidFill>
-              <a:latin typeface="Roboto Slab"/>
-              <a:ea typeface="Roboto Slab"/>
-              <a:cs typeface="Roboto Slab"/>
-              <a:sym typeface="Roboto Slab"/>
-            </a:endParaRPr>
-          </a:p>
-          <a:p>
-            <a:pPr indent="0" lvl="0" marL="0" rtl="0" algn="l">
-              <a:spcBef>
-                <a:spcPts val="0"/>
-              </a:spcBef>
-              <a:spcAft>
-                <a:spcPts val="0"/>
-              </a:spcAft>
-              <a:buNone/>
-            </a:pPr>
-            <a:r>
-              <a:t/>
-            </a:r>
-            <a:endParaRPr sz="1800">
-              <a:solidFill>
-                <a:schemeClr val="dk1"/>
-              </a:solidFill>
-              <a:latin typeface="Roboto Slab"/>
-              <a:ea typeface="Roboto Slab"/>
-              <a:cs typeface="Roboto Slab"/>
-              <a:sym typeface="Roboto Slab"/>
-            </a:endParaRPr>
-          </a:p>
-          <a:p>
-            <a:pPr indent="0" lvl="0" marL="0" rtl="0" algn="l">
-              <a:spcBef>
-                <a:spcPts val="0"/>
-              </a:spcBef>
-              <a:spcAft>
-                <a:spcPts val="0"/>
-              </a:spcAft>
-              <a:buNone/>
-            </a:pPr>
-            <a:r>
-              <a:rPr lang="en-GB" sz="1800" u="sng">
-                <a:solidFill>
-                  <a:schemeClr val="hlink"/>
-                </a:solidFill>
-                <a:latin typeface="Roboto Slab"/>
-                <a:ea typeface="Roboto Slab"/>
-                <a:cs typeface="Roboto Slab"/>
-                <a:sym typeface="Roboto Slab"/>
-                <a:hlinkClick r:id="rId9"/>
-              </a:rPr>
-              <a:t>Visualizing Neural Networks from a Manifold Perspective</a:t>
-            </a:r>
-            <a:r>
-              <a:rPr lang="en-GB" sz="1800">
-                <a:solidFill>
-                  <a:schemeClr val="dk1"/>
-                </a:solidFill>
-                <a:latin typeface="Roboto Slab"/>
-                <a:ea typeface="Roboto Slab"/>
-                <a:cs typeface="Roboto Slab"/>
-                <a:sym typeface="Roboto Slab"/>
-              </a:rPr>
-              <a:t> (Olah 2014)</a:t>
-            </a:r>
-            <a:endParaRPr sz="1800">
-              <a:solidFill>
-                <a:schemeClr val="dk1"/>
-              </a:solidFill>
-              <a:latin typeface="Roboto Slab"/>
-              <a:ea typeface="Roboto Slab"/>
-              <a:cs typeface="Roboto Slab"/>
-              <a:sym typeface="Roboto Slab"/>
-            </a:endParaRPr>
-          </a:p>
-          <a:p>
-            <a:pPr indent="0" lvl="0" marL="0" rtl="0" algn="l">
-              <a:spcBef>
-                <a:spcPts val="0"/>
-              </a:spcBef>
-              <a:spcAft>
-                <a:spcPts val="0"/>
-              </a:spcAft>
-              <a:buNone/>
-            </a:pPr>
-            <a:r>
-              <a:t/>
-            </a:r>
-            <a:endParaRPr sz="1800">
-              <a:solidFill>
-                <a:schemeClr val="dk1"/>
-              </a:solidFill>
-              <a:latin typeface="Roboto Slab"/>
-              <a:ea typeface="Roboto Slab"/>
-              <a:cs typeface="Roboto Slab"/>
-              <a:sym typeface="Roboto Slab"/>
-            </a:endParaRPr>
-          </a:p>
-          <a:p>
-            <a:pPr indent="0" lvl="0" marL="0" rtl="0" algn="l">
-              <a:spcBef>
-                <a:spcPts val="0"/>
-              </a:spcBef>
-              <a:spcAft>
-                <a:spcPts val="0"/>
-              </a:spcAft>
-              <a:buNone/>
-            </a:pPr>
-            <a:r>
-              <a:t/>
-            </a:r>
-            <a:endParaRPr sz="1800">
-              <a:solidFill>
-                <a:schemeClr val="dk1"/>
-              </a:solidFill>
-              <a:latin typeface="Roboto Slab"/>
-              <a:ea typeface="Roboto Slab"/>
-              <a:cs typeface="Roboto Slab"/>
-              <a:sym typeface="Roboto Slab"/>
-            </a:endParaRPr>
-          </a:p>
-          <a:p>
-            <a:pPr indent="0" lvl="0" marL="0" rtl="0" algn="l">
-              <a:spcBef>
-                <a:spcPts val="0"/>
-              </a:spcBef>
-              <a:spcAft>
-                <a:spcPts val="0"/>
-              </a:spcAft>
-              <a:buNone/>
-            </a:pPr>
-            <a:r>
-              <a:t/>
-            </a:r>
-            <a:endParaRPr sz="1800">
-              <a:solidFill>
-                <a:schemeClr val="dk1"/>
-              </a:solidFill>
-              <a:latin typeface="Roboto Slab"/>
-              <a:ea typeface="Roboto Slab"/>
-              <a:cs typeface="Roboto Slab"/>
-              <a:sym typeface="Roboto Slab"/>
-            </a:endParaRPr>
-          </a:p>
-          <a:p>
-            <a:pPr indent="0" lvl="0" marL="0" rtl="0" algn="l">
-              <a:spcBef>
-                <a:spcPts val="0"/>
-              </a:spcBef>
-              <a:spcAft>
-                <a:spcPts val="0"/>
-              </a:spcAft>
-              <a:buNone/>
-            </a:pPr>
-            <a:r>
-              <a:t/>
-            </a:r>
-            <a:endParaRPr sz="1800">
-              <a:solidFill>
-                <a:schemeClr val="dk1"/>
-              </a:solidFill>
-              <a:latin typeface="Roboto Slab"/>
-              <a:ea typeface="Roboto Slab"/>
-              <a:cs typeface="Roboto Slab"/>
-              <a:sym typeface="Roboto Slab"/>
-            </a:endParaRPr>
-          </a:p>
-          <a:p>
-            <a:pPr indent="0" lvl="0" marL="0" rtl="0" algn="l">
-              <a:spcBef>
-                <a:spcPts val="0"/>
-              </a:spcBef>
-              <a:spcAft>
-                <a:spcPts val="0"/>
-              </a:spcAft>
-              <a:buNone/>
-            </a:pPr>
-            <a:r>
-              <a:t/>
-            </a:r>
-            <a:endParaRPr sz="1800">
-              <a:solidFill>
-                <a:schemeClr val="dk1"/>
-              </a:solidFill>
-              <a:latin typeface="Roboto Slab"/>
-              <a:ea typeface="Roboto Slab"/>
-              <a:cs typeface="Roboto Slab"/>
-              <a:sym typeface="Roboto Slab"/>
-            </a:endParaRPr>
-          </a:p>
-          <a:p>
-            <a:pPr indent="0" lvl="0" marL="0" rtl="0" algn="l">
-              <a:spcBef>
-                <a:spcPts val="0"/>
-              </a:spcBef>
-              <a:spcAft>
-                <a:spcPts val="0"/>
-              </a:spcAft>
-              <a:buNone/>
-            </a:pPr>
-            <a:r>
-              <a:t/>
-            </a:r>
-            <a:endParaRPr sz="1800">
-              <a:solidFill>
-                <a:schemeClr val="dk1"/>
-              </a:solidFill>
-              <a:latin typeface="Roboto Slab"/>
-              <a:ea typeface="Roboto Slab"/>
-              <a:cs typeface="Roboto Slab"/>
-              <a:sym typeface="Roboto Slab"/>
-            </a:endParaRPr>
-          </a:p>
-          <a:p>
-            <a:pPr indent="0" lvl="0" marL="0" rtl="0" algn="l">
-              <a:spcBef>
-                <a:spcPts val="0"/>
-              </a:spcBef>
-              <a:spcAft>
-                <a:spcPts val="0"/>
-              </a:spcAft>
-              <a:buNone/>
-            </a:pPr>
-            <a:r>
-              <a:t/>
-            </a:r>
-            <a:endParaRPr sz="1800">
-              <a:solidFill>
-                <a:schemeClr val="dk1"/>
-              </a:solidFill>
-              <a:latin typeface="Roboto Slab"/>
-              <a:ea typeface="Roboto Slab"/>
-              <a:cs typeface="Roboto Slab"/>
-              <a:sym typeface="Roboto Slab"/>
-            </a:endParaRPr>
-          </a:p>
-          <a:p>
-            <a:pPr indent="0" lvl="0" marL="0" rtl="0" algn="l">
-              <a:spcBef>
-                <a:spcPts val="0"/>
-              </a:spcBef>
-              <a:spcAft>
-                <a:spcPts val="0"/>
-              </a:spcAft>
-              <a:buNone/>
-            </a:pPr>
-            <a:r>
-              <a:t/>
-            </a:r>
-            <a:endParaRPr sz="1800">
-              <a:solidFill>
-                <a:schemeClr val="dk1"/>
-              </a:solidFill>
-              <a:latin typeface="Roboto Slab"/>
-              <a:ea typeface="Roboto Slab"/>
-              <a:cs typeface="Roboto Slab"/>
-              <a:sym typeface="Roboto Slab"/>
-            </a:endParaRPr>
-          </a:p>
-        </p:txBody>
-      </p:sp>
-      <p:sp>
-        <p:nvSpPr>
-          <p:cNvPr id="498" name="Google Shape;498;p72"/>
-          <p:cNvSpPr txBox="1"/>
-          <p:nvPr>
-            <p:ph idx="12" type="sldNum"/>
-          </p:nvPr>
-        </p:nvSpPr>
-        <p:spPr>
-          <a:xfrm>
-            <a:off x="8404384" y="6333134"/>
-            <a:ext cx="548700" cy="524700"/>
-          </a:xfrm>
-          <a:prstGeom prst="rect">
-            <a:avLst/>
-          </a:prstGeom>
-        </p:spPr>
-        <p:txBody>
-          <a:bodyPr anchorCtr="0" anchor="t" bIns="91425" lIns="91425" spcFirstLastPara="1" rIns="91425" wrap="square" tIns="91425">
-            <a:noAutofit/>
-          </a:bodyPr>
-          <a:lstStyle/>
-          <a:p>
-            <a:pPr indent="0" lvl="0" marL="0" rtl="0" algn="r">
-              <a:spcBef>
-                <a:spcPts val="0"/>
-              </a:spcBef>
-              <a:spcAft>
-                <a:spcPts val="0"/>
-              </a:spcAft>
-              <a:buNone/>
-            </a:pPr>
-            <a:fld id="{00000000-1234-1234-1234-123412341234}" type="slidenum">
-              <a:rPr lang="en-GB">
-                <a:solidFill>
-                  <a:srgbClr val="0091EA"/>
-                </a:solidFill>
-              </a:rPr>
-              <a:t>‹#›</a:t>
-            </a:fld>
-            <a:endParaRPr>
-              <a:solidFill>
-                <a:srgbClr val="0091EA"/>
-              </a:solidFill>
-            </a:endParaRPr>
-          </a:p>
-        </p:txBody>
-      </p:sp>
-    </p:spTree>
-  </p:cSld>
-  <p:clrMapOvr>
-    <a:masterClrMapping/>
-  </p:clrMapOvr>
-</p:sld>
-</file>
-
-<file path=ppt/slides/slide39.xml><?xml version="1.0" encoding="utf-8"?>
-<p:sld xmlns:a="http://schemas.openxmlformats.org/drawingml/2006/main" xmlns:r="http://schemas.openxmlformats.org/officeDocument/2006/relationships" xmlns:mc="http://schemas.openxmlformats.org/markup-compatibility/2006" xmlns:mv="urn:schemas-microsoft-com:mac:vml" xmlns:p="http://schemas.openxmlformats.org/presentationml/2006/main" xmlns:c="http://schemas.openxmlformats.org/drawingml/2006/chart" xmlns:dgm="http://schemas.openxmlformats.org/drawingml/2006/diagram" xmlns:o="urn:schemas-microsoft-com:office:office" xmlns:v="urn:schemas-microsoft-com:vml" xmlns:pvml="urn:schemas-microsoft-com:office:powerpoint" xmlns:com="http://schemas.openxmlformats.org/drawingml/2006/compatibility" xmlns:p14="http://schemas.microsoft.com/office/powerpoint/2010/main" xmlns:p15="http://schemas.microsoft.com/office/powerpoint/2012/main">
-  <p:cSld>
-    <p:spTree>
-      <p:nvGrpSpPr>
-        <p:cNvPr id="502" name="Shape 502"/>
-        <p:cNvGrpSpPr/>
-        <p:nvPr/>
-      </p:nvGrpSpPr>
-      <p:grpSpPr>
-        <a:xfrm>
-          <a:off x="0" y="0"/>
-          <a:ext cx="0" cy="0"/>
-          <a:chOff x="0" y="0"/>
-          <a:chExt cx="0" cy="0"/>
-        </a:xfrm>
-      </p:grpSpPr>
-      <p:sp>
-        <p:nvSpPr>
-          <p:cNvPr id="503" name="Google Shape;503;p73"/>
-          <p:cNvSpPr txBox="1"/>
-          <p:nvPr>
-            <p:ph type="title"/>
-          </p:nvPr>
-        </p:nvSpPr>
-        <p:spPr>
-          <a:xfrm>
-            <a:off x="786150" y="410826"/>
-            <a:ext cx="7571700" cy="936900"/>
-          </a:xfrm>
-          <a:prstGeom prst="rect">
-            <a:avLst/>
-          </a:prstGeom>
-        </p:spPr>
-        <p:txBody>
-          <a:bodyPr anchorCtr="0" anchor="b" bIns="91425" lIns="91425" spcFirstLastPara="1" rIns="91425" wrap="square" tIns="91425">
-            <a:noAutofit/>
-          </a:bodyPr>
-          <a:lstStyle/>
-          <a:p>
-            <a:pPr indent="0" lvl="0" marL="0" rtl="0" algn="l">
-              <a:spcBef>
-                <a:spcPts val="0"/>
-              </a:spcBef>
-              <a:spcAft>
-                <a:spcPts val="0"/>
-              </a:spcAft>
-              <a:buNone/>
-            </a:pPr>
-            <a:r>
-              <a:rPr lang="en-GB" sz="2400">
-                <a:solidFill>
-                  <a:srgbClr val="C90813"/>
-                </a:solidFill>
-              </a:rPr>
-              <a:t>Addition resources on back-propagation</a:t>
-            </a:r>
-            <a:endParaRPr sz="2400">
-              <a:solidFill>
-                <a:srgbClr val="C90813"/>
-              </a:solidFill>
-            </a:endParaRPr>
-          </a:p>
-        </p:txBody>
-      </p:sp>
-      <p:sp>
-        <p:nvSpPr>
-          <p:cNvPr id="504" name="Google Shape;504;p73"/>
-          <p:cNvSpPr txBox="1"/>
-          <p:nvPr>
-            <p:ph idx="4294967295" type="body"/>
-          </p:nvPr>
-        </p:nvSpPr>
-        <p:spPr>
-          <a:xfrm>
-            <a:off x="786150" y="1682267"/>
-            <a:ext cx="7571700" cy="4764900"/>
-          </a:xfrm>
-          <a:prstGeom prst="rect">
-            <a:avLst/>
-          </a:prstGeom>
-        </p:spPr>
-        <p:txBody>
-          <a:bodyPr anchorCtr="0" anchor="t" bIns="91425" lIns="91425" spcFirstLastPara="1" rIns="91425" wrap="square" tIns="91425">
-            <a:noAutofit/>
-          </a:bodyPr>
-          <a:lstStyle/>
-          <a:p>
-            <a:pPr indent="0" lvl="0" marL="0" rtl="0" algn="l">
-              <a:spcBef>
-                <a:spcPts val="0"/>
-              </a:spcBef>
-              <a:spcAft>
-                <a:spcPts val="0"/>
-              </a:spcAft>
-              <a:buNone/>
-            </a:pPr>
-            <a:r>
-              <a:rPr lang="en-GB" sz="1800" u="sng">
-                <a:solidFill>
-                  <a:schemeClr val="hlink"/>
-                </a:solidFill>
-                <a:latin typeface="Roboto Slab"/>
-                <a:ea typeface="Roboto Slab"/>
-                <a:cs typeface="Roboto Slab"/>
-                <a:sym typeface="Roboto Slab"/>
-                <a:hlinkClick r:id="rId3"/>
-              </a:rPr>
-              <a:t>3blue1bown Youtube series </a:t>
-            </a:r>
-            <a:endParaRPr sz="1800">
-              <a:solidFill>
-                <a:schemeClr val="dk1"/>
-              </a:solidFill>
-              <a:latin typeface="Roboto Slab"/>
-              <a:ea typeface="Roboto Slab"/>
-              <a:cs typeface="Roboto Slab"/>
-              <a:sym typeface="Roboto Slab"/>
-            </a:endParaRPr>
-          </a:p>
-        </p:txBody>
-      </p:sp>
-    </p:spTree>
-  </p:cSld>
-  <p:clrMapOvr>
-    <a:masterClrMapping/>
-  </p:clrMapOvr>
-</p:sld>
-</file>
-
-<file path=ppt/slides/slide4.xml><?xml version="1.0" encoding="utf-8"?>
-<p:sld xmlns:a="http://schemas.openxmlformats.org/drawingml/2006/main" xmlns:r="http://schemas.openxmlformats.org/officeDocument/2006/relationships" xmlns:mc="http://schemas.openxmlformats.org/markup-compatibility/2006" xmlns:mv="urn:schemas-microsoft-com:mac:vml" xmlns:p="http://schemas.openxmlformats.org/presentationml/2006/main" xmlns:c="http://schemas.openxmlformats.org/drawingml/2006/chart" xmlns:dgm="http://schemas.openxmlformats.org/drawingml/2006/diagram" xmlns:o="urn:schemas-microsoft-com:office:office" xmlns:v="urn:schemas-microsoft-com:vml" xmlns:pvml="urn:schemas-microsoft-com:office:powerpoint" xmlns:com="http://schemas.openxmlformats.org/drawingml/2006/compatibility" xmlns:p14="http://schemas.microsoft.com/office/powerpoint/2010/main" xmlns:p15="http://schemas.microsoft.com/office/powerpoint/2012/main">
-  <p:cSld>
-    <p:spTree>
-      <p:nvGrpSpPr>
-        <p:cNvPr id="202" name="Shape 202"/>
-        <p:cNvGrpSpPr/>
-        <p:nvPr/>
-      </p:nvGrpSpPr>
-      <p:grpSpPr>
-        <a:xfrm>
-          <a:off x="0" y="0"/>
-          <a:ext cx="0" cy="0"/>
-          <a:chOff x="0" y="0"/>
-          <a:chExt cx="0" cy="0"/>
-        </a:xfrm>
-      </p:grpSpPr>
-      <p:sp>
-        <p:nvSpPr>
-          <p:cNvPr id="203" name="Google Shape;203;p38"/>
-          <p:cNvSpPr txBox="1"/>
-          <p:nvPr>
-            <p:ph type="title"/>
-          </p:nvPr>
-        </p:nvSpPr>
-        <p:spPr>
-          <a:xfrm>
-            <a:off x="786150" y="410826"/>
-            <a:ext cx="7571700" cy="936900"/>
-          </a:xfrm>
-          <a:prstGeom prst="rect">
-            <a:avLst/>
-          </a:prstGeom>
-        </p:spPr>
-        <p:txBody>
-          <a:bodyPr anchorCtr="0" anchor="b" bIns="91425" lIns="91425" spcFirstLastPara="1" rIns="91425" wrap="square" tIns="91425">
-            <a:noAutofit/>
-          </a:bodyPr>
-          <a:lstStyle/>
-          <a:p>
-            <a:pPr indent="0" lvl="0" marL="0" rtl="0" algn="l">
-              <a:spcBef>
-                <a:spcPts val="0"/>
-              </a:spcBef>
-              <a:spcAft>
-                <a:spcPts val="0"/>
-              </a:spcAft>
-              <a:buNone/>
-            </a:pPr>
-            <a:r>
-              <a:rPr lang="en-GB" sz="2400">
-                <a:solidFill>
-                  <a:srgbClr val="CC0000"/>
-                </a:solidFill>
-              </a:rPr>
-              <a:t>What about more complex data?</a:t>
-            </a:r>
-            <a:endParaRPr sz="2400"/>
-          </a:p>
-        </p:txBody>
-      </p:sp>
-      <p:sp>
-        <p:nvSpPr>
-          <p:cNvPr id="204" name="Google Shape;204;p38"/>
-          <p:cNvSpPr txBox="1"/>
-          <p:nvPr>
-            <p:ph idx="1" type="body"/>
-          </p:nvPr>
-        </p:nvSpPr>
-        <p:spPr>
-          <a:xfrm>
-            <a:off x="786150" y="1682267"/>
-            <a:ext cx="7571700" cy="4764900"/>
-          </a:xfrm>
-          <a:prstGeom prst="rect">
-            <a:avLst/>
-          </a:prstGeom>
-        </p:spPr>
-        <p:txBody>
-          <a:bodyPr anchorCtr="0" anchor="t" bIns="91425" lIns="91425" spcFirstLastPara="1" rIns="91425" wrap="square" tIns="91425">
-            <a:noAutofit/>
-          </a:bodyPr>
-          <a:lstStyle/>
-          <a:p>
-            <a:pPr indent="-342900" lvl="0" marL="457200" rtl="0" algn="l">
-              <a:spcBef>
-                <a:spcPts val="0"/>
-              </a:spcBef>
-              <a:spcAft>
-                <a:spcPts val="0"/>
-              </a:spcAft>
-              <a:buClr>
-                <a:schemeClr val="dk1"/>
-              </a:buClr>
-              <a:buSzPts val="1800"/>
-              <a:buFont typeface="Roboto Slab"/>
-              <a:buChar char="●"/>
-            </a:pPr>
-            <a:r>
-              <a:rPr lang="en-GB" sz="1800">
-                <a:solidFill>
-                  <a:schemeClr val="dk1"/>
-                </a:solidFill>
-                <a:latin typeface="Roboto Slab"/>
-                <a:ea typeface="Roboto Slab"/>
-                <a:cs typeface="Roboto Slab"/>
-                <a:sym typeface="Roboto Slab"/>
-              </a:rPr>
-              <a:t>Neural networks can</a:t>
-            </a:r>
-            <a:r>
-              <a:rPr lang="en-GB" sz="1800">
-                <a:solidFill>
-                  <a:schemeClr val="dk1"/>
-                </a:solidFill>
-                <a:latin typeface="Roboto Slab"/>
-                <a:ea typeface="Roboto Slab"/>
-                <a:cs typeface="Roboto Slab"/>
-                <a:sym typeface="Roboto Slab"/>
-              </a:rPr>
-              <a:t> learn complex, non-linear functions</a:t>
-            </a:r>
-            <a:endParaRPr sz="1800">
-              <a:solidFill>
-                <a:schemeClr val="dk1"/>
-              </a:solidFill>
-              <a:latin typeface="Roboto Slab"/>
-              <a:ea typeface="Roboto Slab"/>
-              <a:cs typeface="Roboto Slab"/>
-              <a:sym typeface="Roboto Slab"/>
-            </a:endParaRPr>
-          </a:p>
-          <a:p>
-            <a:pPr indent="-342900" lvl="0" marL="457200" rtl="0" algn="l">
-              <a:spcBef>
-                <a:spcPts val="0"/>
-              </a:spcBef>
-              <a:spcAft>
-                <a:spcPts val="0"/>
-              </a:spcAft>
-              <a:buClr>
-                <a:schemeClr val="dk1"/>
-              </a:buClr>
-              <a:buSzPts val="1800"/>
-              <a:buChar char="●"/>
-            </a:pPr>
-            <a:r>
-              <a:rPr b="1" lang="en-GB" sz="1800">
-                <a:solidFill>
-                  <a:schemeClr val="dk1"/>
-                </a:solidFill>
-                <a:latin typeface="Roboto Slab"/>
-                <a:ea typeface="Roboto Slab"/>
-                <a:cs typeface="Roboto Slab"/>
-                <a:sym typeface="Roboto Slab"/>
-              </a:rPr>
-              <a:t>Non-parametric </a:t>
-            </a:r>
-            <a:r>
-              <a:rPr lang="en-GB" sz="1800">
-                <a:solidFill>
-                  <a:schemeClr val="dk1"/>
-                </a:solidFill>
-                <a:latin typeface="Roboto Slab"/>
-                <a:ea typeface="Roboto Slab"/>
-                <a:cs typeface="Roboto Slab"/>
-                <a:sym typeface="Roboto Slab"/>
-              </a:rPr>
-              <a:t>model (versus linear regression, which assumes a set of parameters that fully specifies a Gaussian distribution, e.g. mean variance)</a:t>
-            </a:r>
-            <a:endParaRPr sz="1800">
-              <a:solidFill>
-                <a:schemeClr val="dk1"/>
-              </a:solidFill>
-              <a:latin typeface="Roboto Slab"/>
-              <a:ea typeface="Roboto Slab"/>
-              <a:cs typeface="Roboto Slab"/>
-              <a:sym typeface="Roboto Slab"/>
-            </a:endParaRPr>
-          </a:p>
-          <a:p>
-            <a:pPr indent="-342900" lvl="0" marL="457200" rtl="0" algn="l">
-              <a:spcBef>
-                <a:spcPts val="0"/>
-              </a:spcBef>
-              <a:spcAft>
-                <a:spcPts val="0"/>
-              </a:spcAft>
-              <a:buClr>
-                <a:schemeClr val="dk1"/>
-              </a:buClr>
-              <a:buSzPts val="1800"/>
-              <a:buFont typeface="Roboto Slab"/>
-              <a:buChar char="●"/>
-            </a:pPr>
-            <a:r>
-              <a:rPr lang="en-GB" sz="1800">
-                <a:solidFill>
-                  <a:schemeClr val="dk1"/>
-                </a:solidFill>
-                <a:latin typeface="Roboto Slab"/>
-                <a:ea typeface="Roboto Slab"/>
-                <a:cs typeface="Roboto Slab"/>
-                <a:sym typeface="Roboto Slab"/>
-              </a:rPr>
-              <a:t>Does not impose fixed relationships in data (does not assume inherent distribution data is sampled from)</a:t>
-            </a:r>
-            <a:endParaRPr sz="1800">
-              <a:solidFill>
-                <a:schemeClr val="dk1"/>
-              </a:solidFill>
-              <a:latin typeface="Roboto Slab"/>
-              <a:ea typeface="Roboto Slab"/>
-              <a:cs typeface="Roboto Slab"/>
-              <a:sym typeface="Roboto Slab"/>
-            </a:endParaRPr>
-          </a:p>
-          <a:p>
-            <a:pPr indent="-342900" lvl="1" marL="914400" rtl="0" algn="l">
-              <a:spcBef>
-                <a:spcPts val="0"/>
-              </a:spcBef>
-              <a:spcAft>
-                <a:spcPts val="0"/>
-              </a:spcAft>
-              <a:buClr>
-                <a:schemeClr val="dk1"/>
-              </a:buClr>
-              <a:buSzPts val="1800"/>
-              <a:buFont typeface="Roboto Slab"/>
-              <a:buChar char="○"/>
-            </a:pPr>
-            <a:r>
-              <a:rPr lang="en-GB" sz="1800">
-                <a:solidFill>
-                  <a:schemeClr val="dk1"/>
-                </a:solidFill>
-                <a:latin typeface="Roboto Slab"/>
-                <a:ea typeface="Roboto Slab"/>
-                <a:cs typeface="Roboto Slab"/>
-                <a:sym typeface="Roboto Slab"/>
-              </a:rPr>
-              <a:t>e.g. better at modeling non-constant variance</a:t>
-            </a:r>
-            <a:endParaRPr sz="1800">
-              <a:solidFill>
-                <a:schemeClr val="dk1"/>
-              </a:solidFill>
-              <a:latin typeface="Roboto Slab"/>
-              <a:ea typeface="Roboto Slab"/>
-              <a:cs typeface="Roboto Slab"/>
-              <a:sym typeface="Roboto Slab"/>
-            </a:endParaRPr>
-          </a:p>
-          <a:p>
-            <a:pPr indent="0" lvl="0" marL="0" rtl="0" algn="l">
-              <a:spcBef>
-                <a:spcPts val="0"/>
-              </a:spcBef>
-              <a:spcAft>
-                <a:spcPts val="0"/>
-              </a:spcAft>
-              <a:buNone/>
-            </a:pPr>
-            <a:r>
-              <a:t/>
-            </a:r>
-            <a:endParaRPr sz="1800">
-              <a:solidFill>
-                <a:schemeClr val="dk1"/>
-              </a:solidFill>
-              <a:latin typeface="Roboto Slab"/>
-              <a:ea typeface="Roboto Slab"/>
-              <a:cs typeface="Roboto Slab"/>
-              <a:sym typeface="Roboto Slab"/>
-            </a:endParaRPr>
-          </a:p>
-          <a:p>
-            <a:pPr indent="0" lvl="0" marL="0" rtl="0" algn="l">
-              <a:spcBef>
-                <a:spcPts val="0"/>
-              </a:spcBef>
-              <a:spcAft>
-                <a:spcPts val="0"/>
-              </a:spcAft>
-              <a:buNone/>
-            </a:pPr>
-            <a:r>
-              <a:t/>
-            </a:r>
-            <a:endParaRPr sz="1800">
-              <a:solidFill>
-                <a:schemeClr val="dk1"/>
-              </a:solidFill>
-              <a:latin typeface="Roboto Slab"/>
-              <a:ea typeface="Roboto Slab"/>
-              <a:cs typeface="Roboto Slab"/>
-              <a:sym typeface="Roboto Slab"/>
-            </a:endParaRPr>
-          </a:p>
-        </p:txBody>
-      </p:sp>
-      <p:sp>
-        <p:nvSpPr>
-          <p:cNvPr id="205" name="Google Shape;205;p38"/>
-          <p:cNvSpPr txBox="1"/>
-          <p:nvPr>
-            <p:ph idx="12" type="sldNum"/>
-          </p:nvPr>
-        </p:nvSpPr>
-        <p:spPr>
-          <a:xfrm>
-            <a:off x="8404384" y="6333134"/>
-            <a:ext cx="548700" cy="524700"/>
-          </a:xfrm>
-          <a:prstGeom prst="rect">
-            <a:avLst/>
-          </a:prstGeom>
-        </p:spPr>
-        <p:txBody>
-          <a:bodyPr anchorCtr="0" anchor="t" bIns="91425" lIns="91425" spcFirstLastPara="1" rIns="91425" wrap="square" tIns="91425">
-            <a:noAutofit/>
-          </a:bodyPr>
-          <a:lstStyle/>
-          <a:p>
-            <a:pPr indent="0" lvl="0" marL="0" rtl="0" algn="r">
-              <a:spcBef>
-                <a:spcPts val="0"/>
-              </a:spcBef>
-              <a:spcAft>
-                <a:spcPts val="0"/>
-              </a:spcAft>
-              <a:buNone/>
-            </a:pPr>
-            <a:fld id="{00000000-1234-1234-1234-123412341234}" type="slidenum">
-              <a:rPr lang="en-GB"/>
-              <a:t>‹#›</a:t>
-            </a:fld>
-            <a:endParaRPr/>
-          </a:p>
-        </p:txBody>
-      </p:sp>
-      <p:pic>
-        <p:nvPicPr>
-          <p:cNvPr id="206" name="Google Shape;206;p38"/>
-          <p:cNvPicPr preferRelativeResize="0"/>
-          <p:nvPr/>
-        </p:nvPicPr>
-        <p:blipFill>
-          <a:blip r:embed="rId3">
-            <a:alphaModFix/>
-          </a:blip>
-          <a:stretch>
-            <a:fillRect/>
-          </a:stretch>
-        </p:blipFill>
-        <p:spPr>
-          <a:xfrm>
-            <a:off x="2363625" y="3835775"/>
-            <a:ext cx="5210451" cy="2276900"/>
-          </a:xfrm>
-          <a:prstGeom prst="rect">
-            <a:avLst/>
-          </a:prstGeom>
-          <a:noFill/>
-          <a:ln>
-            <a:noFill/>
-          </a:ln>
-        </p:spPr>
-      </p:pic>
-    </p:spTree>
-  </p:cSld>
-  <p:clrMapOvr>
-    <a:masterClrMapping/>
-  </p:clrMapOvr>
-</p:sld>
-</file>
-
-<file path=ppt/slides/slide40.xml><?xml version="1.0" encoding="utf-8"?>
-<p:sld xmlns:a="http://schemas.openxmlformats.org/drawingml/2006/main" xmlns:r="http://schemas.openxmlformats.org/officeDocument/2006/relationships" xmlns:mc="http://schemas.openxmlformats.org/markup-compatibility/2006" xmlns:mv="urn:schemas-microsoft-com:mac:vml" xmlns:p="http://schemas.openxmlformats.org/presentationml/2006/main" xmlns:c="http://schemas.openxmlformats.org/drawingml/2006/chart" xmlns:dgm="http://schemas.openxmlformats.org/drawingml/2006/diagram" xmlns:o="urn:schemas-microsoft-com:office:office" xmlns:v="urn:schemas-microsoft-com:vml" xmlns:pvml="urn:schemas-microsoft-com:office:powerpoint" xmlns:com="http://schemas.openxmlformats.org/drawingml/2006/compatibility" xmlns:p14="http://schemas.microsoft.com/office/powerpoint/2010/main" xmlns:p15="http://schemas.microsoft.com/office/powerpoint/2012/main">
-  <p:cSld>
-    <p:spTree>
-      <p:nvGrpSpPr>
-        <p:cNvPr id="508" name="Shape 508"/>
-        <p:cNvGrpSpPr/>
-        <p:nvPr/>
-      </p:nvGrpSpPr>
-      <p:grpSpPr>
-        <a:xfrm>
-          <a:off x="0" y="0"/>
-          <a:ext cx="0" cy="0"/>
-          <a:chOff x="0" y="0"/>
-          <a:chExt cx="0" cy="0"/>
-        </a:xfrm>
-      </p:grpSpPr>
-      <p:sp>
-        <p:nvSpPr>
-          <p:cNvPr id="509" name="Google Shape;509;p74"/>
-          <p:cNvSpPr txBox="1"/>
-          <p:nvPr>
-            <p:ph idx="4294967295" type="ctrTitle"/>
-          </p:nvPr>
-        </p:nvSpPr>
-        <p:spPr>
-          <a:xfrm>
-            <a:off x="1277250" y="1235825"/>
-            <a:ext cx="5262300" cy="2193300"/>
-          </a:xfrm>
-          <a:prstGeom prst="rect">
-            <a:avLst/>
-          </a:prstGeom>
-        </p:spPr>
-        <p:txBody>
-          <a:bodyPr anchorCtr="0" anchor="b" bIns="91425" lIns="91425" spcFirstLastPara="1" rIns="91425" wrap="square" tIns="91425">
-            <a:noAutofit/>
-          </a:bodyPr>
-          <a:lstStyle/>
-          <a:p>
-            <a:pPr indent="0" lvl="0" marL="0" rtl="0" algn="l">
-              <a:spcBef>
-                <a:spcPts val="0"/>
-              </a:spcBef>
-              <a:spcAft>
-                <a:spcPts val="0"/>
-              </a:spcAft>
-              <a:buNone/>
-            </a:pPr>
-            <a:r>
-              <a:rPr b="1" lang="en-GB" sz="6000">
-                <a:solidFill>
-                  <a:srgbClr val="CC0000"/>
-                </a:solidFill>
-              </a:rPr>
-              <a:t>Homework</a:t>
-            </a:r>
-            <a:br>
-              <a:rPr b="1" lang="en-GB" sz="6000">
-                <a:solidFill>
-                  <a:srgbClr val="CC0000"/>
-                </a:solidFill>
-              </a:rPr>
-            </a:br>
-            <a:r>
-              <a:rPr b="1" lang="en-GB" sz="6000">
-                <a:solidFill>
-                  <a:srgbClr val="CC0000"/>
-                </a:solidFill>
-              </a:rPr>
-              <a:t>Assignment</a:t>
-            </a:r>
-            <a:endParaRPr b="1" sz="6000">
-              <a:solidFill>
-                <a:srgbClr val="CC0000"/>
-              </a:solidFill>
-            </a:endParaRPr>
-          </a:p>
-        </p:txBody>
-      </p:sp>
-      <p:sp>
-        <p:nvSpPr>
-          <p:cNvPr id="510" name="Google Shape;510;p74"/>
-          <p:cNvSpPr txBox="1"/>
-          <p:nvPr>
-            <p:ph idx="12" type="sldNum"/>
-          </p:nvPr>
-        </p:nvSpPr>
-        <p:spPr>
-          <a:xfrm>
-            <a:off x="8404384" y="6333134"/>
-            <a:ext cx="548700" cy="525000"/>
-          </a:xfrm>
-          <a:prstGeom prst="rect">
-            <a:avLst/>
-          </a:prstGeom>
-        </p:spPr>
-        <p:txBody>
-          <a:bodyPr anchorCtr="0" anchor="t" bIns="91425" lIns="91425" spcFirstLastPara="1" rIns="91425" wrap="square" tIns="91425">
-            <a:noAutofit/>
-          </a:bodyPr>
-          <a:lstStyle/>
-          <a:p>
-            <a:pPr indent="0" lvl="0" marL="0" rtl="0" algn="r">
-              <a:spcBef>
-                <a:spcPts val="0"/>
-              </a:spcBef>
-              <a:spcAft>
-                <a:spcPts val="0"/>
-              </a:spcAft>
-              <a:buNone/>
-            </a:pPr>
-            <a:fld id="{00000000-1234-1234-1234-123412341234}" type="slidenum">
-              <a:rPr lang="en-GB"/>
-              <a:t>‹#›</a:t>
-            </a:fld>
-            <a:endParaRPr/>
-          </a:p>
-        </p:txBody>
-      </p:sp>
-      <p:sp>
-        <p:nvSpPr>
-          <p:cNvPr id="511" name="Google Shape;511;p74"/>
-          <p:cNvSpPr txBox="1"/>
-          <p:nvPr>
-            <p:ph idx="4294967295" type="body"/>
-          </p:nvPr>
-        </p:nvSpPr>
-        <p:spPr>
-          <a:xfrm>
-            <a:off x="318400" y="3612400"/>
-            <a:ext cx="8339700" cy="1800600"/>
-          </a:xfrm>
-          <a:prstGeom prst="rect">
-            <a:avLst/>
-          </a:prstGeom>
-        </p:spPr>
-        <p:txBody>
-          <a:bodyPr anchorCtr="0" anchor="t" bIns="91425" lIns="91425" spcFirstLastPara="1" rIns="91425" wrap="square" tIns="91425">
-            <a:noAutofit/>
-          </a:bodyPr>
-          <a:lstStyle/>
-          <a:p>
-            <a:pPr indent="0" lvl="0" marL="914400" rtl="0" algn="l">
-              <a:spcBef>
-                <a:spcPts val="0"/>
-              </a:spcBef>
-              <a:spcAft>
-                <a:spcPts val="0"/>
-              </a:spcAft>
-              <a:buNone/>
-            </a:pPr>
-            <a:r>
-              <a:rPr b="1" lang="en-GB" sz="2000">
-                <a:solidFill>
-                  <a:schemeClr val="dk1"/>
-                </a:solidFill>
-                <a:latin typeface="Roboto Slab"/>
-                <a:ea typeface="Roboto Slab"/>
-                <a:cs typeface="Roboto Slab"/>
-                <a:sym typeface="Roboto Slab"/>
-              </a:rPr>
-              <a:t>Theoretical Recap and Feed Forward Neural Networks</a:t>
-            </a:r>
-            <a:endParaRPr b="1" sz="2000">
-              <a:solidFill>
-                <a:schemeClr val="dk1"/>
-              </a:solidFill>
-              <a:latin typeface="Roboto Slab"/>
-              <a:ea typeface="Roboto Slab"/>
-              <a:cs typeface="Roboto Slab"/>
-              <a:sym typeface="Roboto Slab"/>
-            </a:endParaRPr>
-          </a:p>
-          <a:p>
-            <a:pPr indent="0" lvl="0" marL="914400" rtl="0" algn="l">
-              <a:spcBef>
-                <a:spcPts val="0"/>
-              </a:spcBef>
-              <a:spcAft>
-                <a:spcPts val="0"/>
-              </a:spcAft>
-              <a:buNone/>
-            </a:pPr>
-            <a:r>
-              <a:t/>
-            </a:r>
-            <a:endParaRPr b="1" sz="2000">
-              <a:solidFill>
-                <a:schemeClr val="dk1"/>
-              </a:solidFill>
-              <a:latin typeface="Roboto Slab"/>
-              <a:ea typeface="Roboto Slab"/>
-              <a:cs typeface="Roboto Slab"/>
-              <a:sym typeface="Roboto Slab"/>
-            </a:endParaRPr>
-          </a:p>
-          <a:p>
-            <a:pPr indent="0" lvl="0" marL="914400" rtl="0" algn="l">
-              <a:spcBef>
-                <a:spcPts val="0"/>
-              </a:spcBef>
-              <a:spcAft>
-                <a:spcPts val="0"/>
-              </a:spcAft>
-              <a:buNone/>
-            </a:pPr>
-            <a:r>
-              <a:rPr b="1" lang="en-GB" sz="2000">
-                <a:solidFill>
-                  <a:srgbClr val="1155CC"/>
-                </a:solidFill>
-                <a:latin typeface="Roboto Slab"/>
-                <a:ea typeface="Roboto Slab"/>
-                <a:cs typeface="Roboto Slab"/>
-                <a:sym typeface="Roboto Slab"/>
-              </a:rPr>
-              <a:t>Assignment7-TheoryRecapAndFeedForwardNN.ipynb</a:t>
-            </a:r>
-            <a:r>
-              <a:rPr b="1" lang="en-GB" sz="2000">
-                <a:solidFill>
-                  <a:schemeClr val="dk1"/>
-                </a:solidFill>
-                <a:latin typeface="Roboto Slab"/>
-                <a:ea typeface="Roboto Slab"/>
-                <a:cs typeface="Roboto Slab"/>
-                <a:sym typeface="Roboto Slab"/>
-              </a:rPr>
-              <a:t> </a:t>
-            </a:r>
-            <a:endParaRPr b="1" sz="2000">
-              <a:solidFill>
-                <a:schemeClr val="dk1"/>
-              </a:solidFill>
-              <a:latin typeface="Roboto Slab"/>
-              <a:ea typeface="Roboto Slab"/>
-              <a:cs typeface="Roboto Slab"/>
-              <a:sym typeface="Roboto Slab"/>
-            </a:endParaRPr>
-          </a:p>
-          <a:p>
-            <a:pPr indent="0" lvl="0" marL="0" rtl="0" algn="l">
-              <a:spcBef>
-                <a:spcPts val="0"/>
-              </a:spcBef>
-              <a:spcAft>
-                <a:spcPts val="0"/>
-              </a:spcAft>
-              <a:buClr>
-                <a:schemeClr val="dk1"/>
-              </a:buClr>
-              <a:buSzPts val="1100"/>
-              <a:buFont typeface="Arial"/>
-              <a:buNone/>
-            </a:pPr>
-            <a:r>
-              <a:t/>
-            </a:r>
-            <a:endParaRPr sz="2000">
-              <a:solidFill>
-                <a:schemeClr val="dk1"/>
-              </a:solidFill>
-              <a:latin typeface="Roboto Slab"/>
-              <a:ea typeface="Roboto Slab"/>
-              <a:cs typeface="Roboto Slab"/>
-              <a:sym typeface="Roboto Slab"/>
-            </a:endParaRPr>
-          </a:p>
-        </p:txBody>
-      </p:sp>
-    </p:spTree>
-  </p:cSld>
-  <p:clrMapOvr>
-    <a:masterClrMapping/>
-  </p:clrMapOvr>
-</p:sld>
-</file>
-
-<file path=ppt/slides/slide41.xml><?xml version="1.0" encoding="utf-8"?>
-<p:sld xmlns:a="http://schemas.openxmlformats.org/drawingml/2006/main" xmlns:r="http://schemas.openxmlformats.org/officeDocument/2006/relationships" xmlns:mc="http://schemas.openxmlformats.org/markup-compatibility/2006" xmlns:mv="urn:schemas-microsoft-com:mac:vml" xmlns:p="http://schemas.openxmlformats.org/presentationml/2006/main" xmlns:c="http://schemas.openxmlformats.org/drawingml/2006/chart" xmlns:dgm="http://schemas.openxmlformats.org/drawingml/2006/diagram" xmlns:o="urn:schemas-microsoft-com:office:office" xmlns:v="urn:schemas-microsoft-com:vml" xmlns:pvml="urn:schemas-microsoft-com:office:powerpoint" xmlns:com="http://schemas.openxmlformats.org/drawingml/2006/compatibility" xmlns:p14="http://schemas.microsoft.com/office/powerpoint/2010/main" xmlns:p15="http://schemas.microsoft.com/office/powerpoint/2012/main">
-  <p:cSld>
-    <p:spTree>
-      <p:nvGrpSpPr>
-        <p:cNvPr id="515" name="Shape 515"/>
-        <p:cNvGrpSpPr/>
-        <p:nvPr/>
-      </p:nvGrpSpPr>
-      <p:grpSpPr>
-        <a:xfrm>
-          <a:off x="0" y="0"/>
-          <a:ext cx="0" cy="0"/>
-          <a:chOff x="0" y="0"/>
-          <a:chExt cx="0" cy="0"/>
-        </a:xfrm>
-      </p:grpSpPr>
-      <p:sp>
-        <p:nvSpPr>
-          <p:cNvPr id="516" name="Google Shape;516;p75"/>
-          <p:cNvSpPr txBox="1"/>
-          <p:nvPr>
-            <p:ph idx="4294967295" type="ctrTitle"/>
-          </p:nvPr>
-        </p:nvSpPr>
-        <p:spPr>
-          <a:xfrm>
-            <a:off x="1180675" y="1628073"/>
-            <a:ext cx="7772400" cy="1546500"/>
-          </a:xfrm>
-          <a:prstGeom prst="rect">
-            <a:avLst/>
-          </a:prstGeom>
-        </p:spPr>
-        <p:txBody>
-          <a:bodyPr anchorCtr="0" anchor="b" bIns="91425" lIns="91425" spcFirstLastPara="1" rIns="91425" wrap="square" tIns="91425">
-            <a:noAutofit/>
-          </a:bodyPr>
-          <a:lstStyle/>
-          <a:p>
-            <a:pPr indent="0" lvl="0" marL="0" rtl="0" algn="l">
-              <a:spcBef>
-                <a:spcPts val="0"/>
-              </a:spcBef>
-              <a:spcAft>
-                <a:spcPts val="0"/>
-              </a:spcAft>
-              <a:buNone/>
-            </a:pPr>
-            <a:r>
-              <a:rPr b="1" lang="en-GB" sz="6000">
-                <a:solidFill>
-                  <a:srgbClr val="CC0000"/>
-                </a:solidFill>
-              </a:rPr>
-              <a:t>Thanks!</a:t>
-            </a:r>
-            <a:endParaRPr b="1" sz="6000">
-              <a:solidFill>
-                <a:srgbClr val="CC0000"/>
-              </a:solidFill>
-            </a:endParaRPr>
-          </a:p>
-        </p:txBody>
-      </p:sp>
-      <p:sp>
-        <p:nvSpPr>
-          <p:cNvPr id="517" name="Google Shape;517;p75"/>
-          <p:cNvSpPr txBox="1"/>
-          <p:nvPr>
-            <p:ph idx="4294967295" type="subTitle"/>
-          </p:nvPr>
-        </p:nvSpPr>
-        <p:spPr>
-          <a:xfrm>
-            <a:off x="1180675" y="3078675"/>
-            <a:ext cx="6593700" cy="1046400"/>
-          </a:xfrm>
-          <a:prstGeom prst="rect">
-            <a:avLst/>
-          </a:prstGeom>
-        </p:spPr>
-        <p:txBody>
-          <a:bodyPr anchorCtr="0" anchor="t" bIns="91425" lIns="91425" spcFirstLastPara="1" rIns="91425" wrap="square" tIns="91425">
-            <a:noAutofit/>
-          </a:bodyPr>
-          <a:lstStyle/>
-          <a:p>
-            <a:pPr indent="0" lvl="0" marL="0" rtl="0" algn="l">
-              <a:spcBef>
-                <a:spcPts val="600"/>
-              </a:spcBef>
-              <a:spcAft>
-                <a:spcPts val="0"/>
-              </a:spcAft>
-              <a:buNone/>
-            </a:pPr>
-            <a:r>
-              <a:rPr b="1" lang="en-GB" sz="3600"/>
-              <a:t>Any questions?</a:t>
-            </a:r>
-            <a:endParaRPr b="1" sz="3600"/>
-          </a:p>
-        </p:txBody>
-      </p:sp>
-      <p:sp>
-        <p:nvSpPr>
-          <p:cNvPr id="518" name="Google Shape;518;p75"/>
-          <p:cNvSpPr txBox="1"/>
-          <p:nvPr>
-            <p:ph idx="12" type="sldNum"/>
-          </p:nvPr>
-        </p:nvSpPr>
-        <p:spPr>
-          <a:xfrm>
-            <a:off x="8404384" y="6333134"/>
-            <a:ext cx="548700" cy="524700"/>
-          </a:xfrm>
-          <a:prstGeom prst="rect">
-            <a:avLst/>
-          </a:prstGeom>
-        </p:spPr>
-        <p:txBody>
-          <a:bodyPr anchorCtr="0" anchor="t" bIns="91425" lIns="91425" spcFirstLastPara="1" rIns="91425" wrap="square" tIns="91425">
-            <a:noAutofit/>
-          </a:bodyPr>
-          <a:lstStyle/>
-          <a:p>
-            <a:pPr indent="0" lvl="0" marL="0" rtl="0" algn="r">
-              <a:spcBef>
-                <a:spcPts val="0"/>
-              </a:spcBef>
-              <a:spcAft>
-                <a:spcPts val="0"/>
-              </a:spcAft>
-              <a:buNone/>
-            </a:pPr>
-            <a:fld id="{00000000-1234-1234-1234-123412341234}" type="slidenum">
-              <a:rPr lang="en-GB"/>
-              <a:t>‹#›</a:t>
-            </a:fld>
-            <a:endParaRPr/>
-          </a:p>
-        </p:txBody>
-      </p:sp>
       <p:grpSp>
         <p:nvGrpSpPr>
-          <p:cNvPr id="519" name="Google Shape;519;p75"/>
+          <p:cNvPr id="457" name="Google Shape;457;p69"/>
           <p:cNvGrpSpPr/>
           <p:nvPr/>
         </p:nvGrpSpPr>
@@ -34227,7 +31371,7 @@
         </p:grpSpPr>
         <p:pic>
           <p:nvPicPr>
-            <p:cNvPr id="520" name="Google Shape;520;p75"/>
+            <p:cNvPr id="458" name="Google Shape;458;p69"/>
             <p:cNvPicPr preferRelativeResize="0"/>
             <p:nvPr/>
           </p:nvPicPr>
@@ -34255,7 +31399,7 @@
         </p:pic>
         <p:sp>
           <p:nvSpPr>
-            <p:cNvPr id="521" name="Google Shape;521;p75"/>
+            <p:cNvPr id="459" name="Google Shape;459;p69"/>
             <p:cNvSpPr txBox="1"/>
             <p:nvPr/>
           </p:nvSpPr>
@@ -34374,7 +31518,7 @@
       </p:grpSp>
       <p:pic>
         <p:nvPicPr>
-          <p:cNvPr id="522" name="Google Shape;522;p75"/>
+          <p:cNvPr id="460" name="Google Shape;460;p69"/>
           <p:cNvPicPr preferRelativeResize="0"/>
           <p:nvPr/>
         </p:nvPicPr>
@@ -34389,6 +31533,384 @@
           <a:xfrm>
             <a:off x="1255000" y="4493075"/>
             <a:ext cx="1327200" cy="425500"/>
+          </a:xfrm>
+          <a:prstGeom prst="rect">
+            <a:avLst/>
+          </a:prstGeom>
+          <a:noFill/>
+          <a:ln>
+            <a:noFill/>
+          </a:ln>
+        </p:spPr>
+      </p:pic>
+    </p:spTree>
+  </p:cSld>
+  <p:clrMapOvr>
+    <a:masterClrMapping/>
+  </p:clrMapOvr>
+</p:sld>
+</file>
+
+<file path=ppt/slides/slide4.xml><?xml version="1.0" encoding="utf-8"?>
+<p:sld xmlns:a="http://schemas.openxmlformats.org/drawingml/2006/main" xmlns:r="http://schemas.openxmlformats.org/officeDocument/2006/relationships" xmlns:mc="http://schemas.openxmlformats.org/markup-compatibility/2006" xmlns:mv="urn:schemas-microsoft-com:mac:vml" xmlns:p="http://schemas.openxmlformats.org/presentationml/2006/main" xmlns:c="http://schemas.openxmlformats.org/drawingml/2006/chart" xmlns:dgm="http://schemas.openxmlformats.org/drawingml/2006/diagram" xmlns:o="urn:schemas-microsoft-com:office:office" xmlns:v="urn:schemas-microsoft-com:vml" xmlns:pvml="urn:schemas-microsoft-com:office:powerpoint" xmlns:com="http://schemas.openxmlformats.org/drawingml/2006/compatibility" xmlns:p14="http://schemas.microsoft.com/office/powerpoint/2010/main" xmlns:p15="http://schemas.microsoft.com/office/powerpoint/2012/main">
+  <p:cSld>
+    <p:spTree>
+      <p:nvGrpSpPr>
+        <p:cNvPr id="202" name="Shape 202"/>
+        <p:cNvGrpSpPr/>
+        <p:nvPr/>
+      </p:nvGrpSpPr>
+      <p:grpSpPr>
+        <a:xfrm>
+          <a:off x="0" y="0"/>
+          <a:ext cx="0" cy="0"/>
+          <a:chOff x="0" y="0"/>
+          <a:chExt cx="0" cy="0"/>
+        </a:xfrm>
+      </p:grpSpPr>
+      <p:sp>
+        <p:nvSpPr>
+          <p:cNvPr id="203" name="Google Shape;203;p38"/>
+          <p:cNvSpPr txBox="1"/>
+          <p:nvPr>
+            <p:ph type="title"/>
+          </p:nvPr>
+        </p:nvSpPr>
+        <p:spPr>
+          <a:xfrm>
+            <a:off x="786150" y="410826"/>
+            <a:ext cx="7571700" cy="936900"/>
+          </a:xfrm>
+          <a:prstGeom prst="rect">
+            <a:avLst/>
+          </a:prstGeom>
+        </p:spPr>
+        <p:txBody>
+          <a:bodyPr anchorCtr="0" anchor="b" bIns="91425" lIns="91425" spcFirstLastPara="1" rIns="91425" wrap="square" tIns="91425">
+            <a:noAutofit/>
+          </a:bodyPr>
+          <a:lstStyle/>
+          <a:p>
+            <a:pPr indent="0" lvl="0" marL="0" rtl="0" algn="l">
+              <a:spcBef>
+                <a:spcPts val="0"/>
+              </a:spcBef>
+              <a:spcAft>
+                <a:spcPts val="0"/>
+              </a:spcAft>
+              <a:buNone/>
+            </a:pPr>
+            <a:r>
+              <a:rPr lang="en-GB" sz="2400">
+                <a:solidFill>
+                  <a:srgbClr val="CC0000"/>
+                </a:solidFill>
+              </a:rPr>
+              <a:t>What about more complex data?</a:t>
+            </a:r>
+            <a:endParaRPr sz="2400"/>
+          </a:p>
+        </p:txBody>
+      </p:sp>
+      <p:sp>
+        <p:nvSpPr>
+          <p:cNvPr id="204" name="Google Shape;204;p38"/>
+          <p:cNvSpPr txBox="1"/>
+          <p:nvPr>
+            <p:ph idx="1" type="body"/>
+          </p:nvPr>
+        </p:nvSpPr>
+        <p:spPr>
+          <a:xfrm>
+            <a:off x="786150" y="1682267"/>
+            <a:ext cx="7571700" cy="4764900"/>
+          </a:xfrm>
+          <a:prstGeom prst="rect">
+            <a:avLst/>
+          </a:prstGeom>
+        </p:spPr>
+        <p:txBody>
+          <a:bodyPr anchorCtr="0" anchor="t" bIns="91425" lIns="91425" spcFirstLastPara="1" rIns="91425" wrap="square" tIns="91425">
+            <a:noAutofit/>
+          </a:bodyPr>
+          <a:lstStyle/>
+          <a:p>
+            <a:pPr indent="-342900" lvl="0" marL="457200" rtl="0" algn="l">
+              <a:spcBef>
+                <a:spcPts val="0"/>
+              </a:spcBef>
+              <a:spcAft>
+                <a:spcPts val="0"/>
+              </a:spcAft>
+              <a:buClr>
+                <a:schemeClr val="dk1"/>
+              </a:buClr>
+              <a:buSzPts val="1800"/>
+              <a:buFont typeface="Roboto Slab"/>
+              <a:buChar char="●"/>
+            </a:pPr>
+            <a:r>
+              <a:rPr lang="en-GB" sz="1800">
+                <a:solidFill>
+                  <a:schemeClr val="dk1"/>
+                </a:solidFill>
+                <a:latin typeface="Roboto Slab"/>
+                <a:ea typeface="Roboto Slab"/>
+                <a:cs typeface="Roboto Slab"/>
+                <a:sym typeface="Roboto Slab"/>
+              </a:rPr>
+              <a:t>Neural networks can</a:t>
+            </a:r>
+            <a:r>
+              <a:rPr lang="en-GB" sz="1800">
+                <a:solidFill>
+                  <a:schemeClr val="dk1"/>
+                </a:solidFill>
+                <a:latin typeface="Roboto Slab"/>
+                <a:ea typeface="Roboto Slab"/>
+                <a:cs typeface="Roboto Slab"/>
+                <a:sym typeface="Roboto Slab"/>
+              </a:rPr>
+              <a:t> learn complex, non-linear functions</a:t>
+            </a:r>
+            <a:endParaRPr sz="1800">
+              <a:solidFill>
+                <a:schemeClr val="dk1"/>
+              </a:solidFill>
+              <a:latin typeface="Roboto Slab"/>
+              <a:ea typeface="Roboto Slab"/>
+              <a:cs typeface="Roboto Slab"/>
+              <a:sym typeface="Roboto Slab"/>
+            </a:endParaRPr>
+          </a:p>
+          <a:p>
+            <a:pPr indent="-342900" lvl="0" marL="457200" rtl="0" algn="l">
+              <a:spcBef>
+                <a:spcPts val="0"/>
+              </a:spcBef>
+              <a:spcAft>
+                <a:spcPts val="0"/>
+              </a:spcAft>
+              <a:buClr>
+                <a:schemeClr val="dk1"/>
+              </a:buClr>
+              <a:buSzPts val="1800"/>
+              <a:buChar char="●"/>
+            </a:pPr>
+            <a:r>
+              <a:rPr b="1" lang="en-GB" sz="1800">
+                <a:solidFill>
+                  <a:schemeClr val="dk1"/>
+                </a:solidFill>
+                <a:latin typeface="Roboto Slab"/>
+                <a:ea typeface="Roboto Slab"/>
+                <a:cs typeface="Roboto Slab"/>
+                <a:sym typeface="Roboto Slab"/>
+              </a:rPr>
+              <a:t>Non-parametric </a:t>
+            </a:r>
+            <a:r>
+              <a:rPr lang="en-GB" sz="1800">
+                <a:solidFill>
+                  <a:schemeClr val="dk1"/>
+                </a:solidFill>
+                <a:latin typeface="Roboto Slab"/>
+                <a:ea typeface="Roboto Slab"/>
+                <a:cs typeface="Roboto Slab"/>
+                <a:sym typeface="Roboto Slab"/>
+              </a:rPr>
+              <a:t>model (versus linear regression, which assumes a set of parameters that fully specifies a Gaussian distribution, e.g. mean variance)</a:t>
+            </a:r>
+            <a:endParaRPr sz="1800">
+              <a:solidFill>
+                <a:schemeClr val="dk1"/>
+              </a:solidFill>
+              <a:latin typeface="Roboto Slab"/>
+              <a:ea typeface="Roboto Slab"/>
+              <a:cs typeface="Roboto Slab"/>
+              <a:sym typeface="Roboto Slab"/>
+            </a:endParaRPr>
+          </a:p>
+          <a:p>
+            <a:pPr indent="-342900" lvl="0" marL="457200" rtl="0" algn="l">
+              <a:spcBef>
+                <a:spcPts val="0"/>
+              </a:spcBef>
+              <a:spcAft>
+                <a:spcPts val="0"/>
+              </a:spcAft>
+              <a:buClr>
+                <a:schemeClr val="dk1"/>
+              </a:buClr>
+              <a:buSzPts val="1800"/>
+              <a:buFont typeface="Roboto Slab"/>
+              <a:buChar char="●"/>
+            </a:pPr>
+            <a:r>
+              <a:rPr lang="en-GB" sz="1800">
+                <a:solidFill>
+                  <a:schemeClr val="dk1"/>
+                </a:solidFill>
+                <a:latin typeface="Roboto Slab"/>
+                <a:ea typeface="Roboto Slab"/>
+                <a:cs typeface="Roboto Slab"/>
+                <a:sym typeface="Roboto Slab"/>
+              </a:rPr>
+              <a:t>Does not impose fixed relationships in data (does not assume inherent distribution data is sampled from)</a:t>
+            </a:r>
+            <a:endParaRPr sz="1800">
+              <a:solidFill>
+                <a:schemeClr val="dk1"/>
+              </a:solidFill>
+              <a:latin typeface="Roboto Slab"/>
+              <a:ea typeface="Roboto Slab"/>
+              <a:cs typeface="Roboto Slab"/>
+              <a:sym typeface="Roboto Slab"/>
+            </a:endParaRPr>
+          </a:p>
+          <a:p>
+            <a:pPr indent="-342900" lvl="1" marL="914400" rtl="0" algn="l">
+              <a:spcBef>
+                <a:spcPts val="0"/>
+              </a:spcBef>
+              <a:spcAft>
+                <a:spcPts val="0"/>
+              </a:spcAft>
+              <a:buClr>
+                <a:schemeClr val="dk1"/>
+              </a:buClr>
+              <a:buSzPts val="1800"/>
+              <a:buFont typeface="Roboto Slab"/>
+              <a:buChar char="○"/>
+            </a:pPr>
+            <a:r>
+              <a:rPr lang="en-GB" sz="1800">
+                <a:solidFill>
+                  <a:schemeClr val="dk1"/>
+                </a:solidFill>
+                <a:latin typeface="Roboto Slab"/>
+                <a:ea typeface="Roboto Slab"/>
+                <a:cs typeface="Roboto Slab"/>
+                <a:sym typeface="Roboto Slab"/>
+              </a:rPr>
+              <a:t>e.g. better at modeling non-constant variance</a:t>
+            </a:r>
+            <a:endParaRPr sz="1800">
+              <a:solidFill>
+                <a:schemeClr val="dk1"/>
+              </a:solidFill>
+              <a:latin typeface="Roboto Slab"/>
+              <a:ea typeface="Roboto Slab"/>
+              <a:cs typeface="Roboto Slab"/>
+              <a:sym typeface="Roboto Slab"/>
+            </a:endParaRPr>
+          </a:p>
+          <a:p>
+            <a:pPr indent="0" lvl="0" marL="0" rtl="0" algn="l">
+              <a:spcBef>
+                <a:spcPts val="0"/>
+              </a:spcBef>
+              <a:spcAft>
+                <a:spcPts val="0"/>
+              </a:spcAft>
+              <a:buNone/>
+            </a:pPr>
+            <a:r>
+              <a:t/>
+            </a:r>
+            <a:endParaRPr sz="1800">
+              <a:solidFill>
+                <a:schemeClr val="dk1"/>
+              </a:solidFill>
+              <a:latin typeface="Roboto Slab"/>
+              <a:ea typeface="Roboto Slab"/>
+              <a:cs typeface="Roboto Slab"/>
+              <a:sym typeface="Roboto Slab"/>
+            </a:endParaRPr>
+          </a:p>
+          <a:p>
+            <a:pPr indent="0" lvl="0" marL="0" rtl="0" algn="l">
+              <a:spcBef>
+                <a:spcPts val="0"/>
+              </a:spcBef>
+              <a:spcAft>
+                <a:spcPts val="0"/>
+              </a:spcAft>
+              <a:buNone/>
+            </a:pPr>
+            <a:r>
+              <a:t/>
+            </a:r>
+            <a:endParaRPr sz="1800">
+              <a:solidFill>
+                <a:schemeClr val="dk1"/>
+              </a:solidFill>
+              <a:latin typeface="Roboto Slab"/>
+              <a:ea typeface="Roboto Slab"/>
+              <a:cs typeface="Roboto Slab"/>
+              <a:sym typeface="Roboto Slab"/>
+            </a:endParaRPr>
+          </a:p>
+        </p:txBody>
+      </p:sp>
+      <p:sp>
+        <p:nvSpPr>
+          <p:cNvPr id="205" name="Google Shape;205;p38"/>
+          <p:cNvSpPr txBox="1"/>
+          <p:nvPr>
+            <p:ph idx="12" type="sldNum"/>
+          </p:nvPr>
+        </p:nvSpPr>
+        <p:spPr>
+          <a:xfrm>
+            <a:off x="8404384" y="6333134"/>
+            <a:ext cx="548700" cy="524700"/>
+          </a:xfrm>
+          <a:prstGeom prst="rect">
+            <a:avLst/>
+          </a:prstGeom>
+        </p:spPr>
+        <p:txBody>
+          <a:bodyPr anchorCtr="0" anchor="t" bIns="91425" lIns="91425" spcFirstLastPara="1" rIns="91425" wrap="square" tIns="91425">
+            <a:noAutofit/>
+          </a:bodyPr>
+          <a:lstStyle/>
+          <a:p>
+            <a:pPr indent="0" lvl="0" marL="0" rtl="0" algn="r">
+              <a:spcBef>
+                <a:spcPts val="0"/>
+              </a:spcBef>
+              <a:spcAft>
+                <a:spcPts val="0"/>
+              </a:spcAft>
+              <a:buNone/>
+            </a:pPr>
+            <a:fld id="{00000000-1234-1234-1234-123412341234}" type="slidenum">
+              <a:rPr lang="en-GB"/>
+              <a:t>‹#›</a:t>
+            </a:fld>
+            <a:endParaRPr/>
+          </a:p>
+        </p:txBody>
+      </p:sp>
+      <p:pic>
+        <p:nvPicPr>
+          <p:cNvPr id="206" name="Google Shape;206;p38"/>
+          <p:cNvPicPr preferRelativeResize="0"/>
+          <p:nvPr/>
+        </p:nvPicPr>
+        <p:blipFill>
+          <a:blip r:embed="rId3">
+            <a:alphaModFix/>
+          </a:blip>
+          <a:stretch>
+            <a:fillRect/>
+          </a:stretch>
+        </p:blipFill>
+        <p:spPr>
+          <a:xfrm>
+            <a:off x="2363625" y="3835775"/>
+            <a:ext cx="5210451" cy="2276900"/>
           </a:xfrm>
           <a:prstGeom prst="rect">
             <a:avLst/>
@@ -36204,9 +33726,9 @@
 </file>
 
 <file path=ppt/theme/theme1.xml><?xml version="1.0" encoding="utf-8"?>
-<a:theme xmlns:a="http://schemas.openxmlformats.org/drawingml/2006/main" xmlns:r="http://schemas.openxmlformats.org/officeDocument/2006/relationships" name="Cordelia template">
+<a:theme xmlns:a="http://schemas.openxmlformats.org/drawingml/2006/main" xmlns:r="http://schemas.openxmlformats.org/officeDocument/2006/relationships">
   <a:themeElements>
-    <a:clrScheme name="Custom 347">
+    <a:clrScheme name="Default">
       <a:dk1>
         <a:srgbClr val="000000"/>
       </a:dk1>
@@ -36214,34 +33736,34 @@
         <a:srgbClr val="FFFFFF"/>
       </a:lt1>
       <a:dk2>
-        <a:srgbClr val="666666"/>
+        <a:srgbClr val="158158"/>
       </a:dk2>
       <a:lt2>
-        <a:srgbClr val="CCCCCC"/>
+        <a:srgbClr val="F3F3F3"/>
       </a:lt2>
       <a:accent1>
-        <a:srgbClr val="3A81BA"/>
+        <a:srgbClr val="058DC7"/>
       </a:accent1>
       <a:accent2>
-        <a:srgbClr val="D89F39"/>
+        <a:srgbClr val="50B432"/>
       </a:accent2>
       <a:accent3>
-        <a:srgbClr val="8BAB42"/>
+        <a:srgbClr val="ED561B"/>
       </a:accent3>
       <a:accent4>
-        <a:srgbClr val="57A7B5"/>
+        <a:srgbClr val="EDEF00"/>
       </a:accent4>
       <a:accent5>
-        <a:srgbClr val="8B81D2"/>
+        <a:srgbClr val="24CBE5"/>
       </a:accent5>
       <a:accent6>
-        <a:srgbClr val="963334"/>
+        <a:srgbClr val="64E572"/>
       </a:accent6>
       <a:hlink>
-        <a:srgbClr val="1155CC"/>
+        <a:srgbClr val="2200CC"/>
       </a:hlink>
       <a:folHlink>
-        <a:srgbClr val="6611CC"/>
+        <a:srgbClr val="551A8B"/>
       </a:folHlink>
     </a:clrScheme>
     <a:fontScheme name="Office">
@@ -37041,9 +34563,9 @@
 </file>
 
 <file path=ppt/theme/theme4.xml><?xml version="1.0" encoding="utf-8"?>
-<a:theme xmlns:a="http://schemas.openxmlformats.org/drawingml/2006/main" xmlns:r="http://schemas.openxmlformats.org/officeDocument/2006/relationships">
+<a:theme xmlns:a="http://schemas.openxmlformats.org/drawingml/2006/main" xmlns:r="http://schemas.openxmlformats.org/officeDocument/2006/relationships" name="Cordelia template">
   <a:themeElements>
-    <a:clrScheme name="Default">
+    <a:clrScheme name="Custom 347">
       <a:dk1>
         <a:srgbClr val="000000"/>
       </a:dk1>
@@ -37051,34 +34573,34 @@
         <a:srgbClr val="FFFFFF"/>
       </a:lt1>
       <a:dk2>
-        <a:srgbClr val="158158"/>
+        <a:srgbClr val="666666"/>
       </a:dk2>
       <a:lt2>
-        <a:srgbClr val="F3F3F3"/>
+        <a:srgbClr val="CCCCCC"/>
       </a:lt2>
       <a:accent1>
-        <a:srgbClr val="058DC7"/>
+        <a:srgbClr val="3A81BA"/>
       </a:accent1>
       <a:accent2>
-        <a:srgbClr val="50B432"/>
+        <a:srgbClr val="D89F39"/>
       </a:accent2>
       <a:accent3>
-        <a:srgbClr val="ED561B"/>
+        <a:srgbClr val="8BAB42"/>
       </a:accent3>
       <a:accent4>
-        <a:srgbClr val="EDEF00"/>
+        <a:srgbClr val="57A7B5"/>
       </a:accent4>
       <a:accent5>
-        <a:srgbClr val="24CBE5"/>
+        <a:srgbClr val="8B81D2"/>
       </a:accent5>
       <a:accent6>
-        <a:srgbClr val="64E572"/>
+        <a:srgbClr val="963334"/>
       </a:accent6>
       <a:hlink>
-        <a:srgbClr val="2200CC"/>
+        <a:srgbClr val="1155CC"/>
       </a:hlink>
       <a:folHlink>
-        <a:srgbClr val="551A8B"/>
+        <a:srgbClr val="6611CC"/>
       </a:folHlink>
     </a:clrScheme>
     <a:fontScheme name="Office">
